--- a/SpringBoot Rest API.pptx
+++ b/SpringBoot Rest API.pptx
@@ -23,8 +23,8 @@
     <p:sldId id="275" r:id="rId17"/>
     <p:sldId id="276" r:id="rId18"/>
     <p:sldId id="272" r:id="rId19"/>
-    <p:sldId id="277" r:id="rId20"/>
-    <p:sldId id="274" r:id="rId21"/>
+    <p:sldId id="274" r:id="rId20"/>
+    <p:sldId id="277" r:id="rId21"/>
   </p:sldIdLst>
   <p:sldSz cx="12192000" cy="6858000"/>
   <p:notesSz cx="6858000" cy="9144000"/>
@@ -262,7 +262,7 @@
           <a:p>
             <a:fld id="{B1912746-E8EE-4601-AF5D-438D1FBB3BE7}" type="datetimeFigureOut">
               <a:rPr lang="ko-KR" altLang="en-US" smtClean="0"/>
-              <a:t>2020-11-08</a:t>
+              <a:t>2020-11-22</a:t>
             </a:fld>
             <a:endParaRPr lang="ko-KR" altLang="en-US"/>
           </a:p>
@@ -432,7 +432,7 @@
           <a:p>
             <a:fld id="{B1912746-E8EE-4601-AF5D-438D1FBB3BE7}" type="datetimeFigureOut">
               <a:rPr lang="ko-KR" altLang="en-US" smtClean="0"/>
-              <a:t>2020-11-08</a:t>
+              <a:t>2020-11-22</a:t>
             </a:fld>
             <a:endParaRPr lang="ko-KR" altLang="en-US"/>
           </a:p>
@@ -612,7 +612,7 @@
           <a:p>
             <a:fld id="{B1912746-E8EE-4601-AF5D-438D1FBB3BE7}" type="datetimeFigureOut">
               <a:rPr lang="ko-KR" altLang="en-US" smtClean="0"/>
-              <a:t>2020-11-08</a:t>
+              <a:t>2020-11-22</a:t>
             </a:fld>
             <a:endParaRPr lang="ko-KR" altLang="en-US"/>
           </a:p>
@@ -782,7 +782,7 @@
           <a:p>
             <a:fld id="{B1912746-E8EE-4601-AF5D-438D1FBB3BE7}" type="datetimeFigureOut">
               <a:rPr lang="ko-KR" altLang="en-US" smtClean="0"/>
-              <a:t>2020-11-08</a:t>
+              <a:t>2020-11-22</a:t>
             </a:fld>
             <a:endParaRPr lang="ko-KR" altLang="en-US"/>
           </a:p>
@@ -1028,7 +1028,7 @@
           <a:p>
             <a:fld id="{B1912746-E8EE-4601-AF5D-438D1FBB3BE7}" type="datetimeFigureOut">
               <a:rPr lang="ko-KR" altLang="en-US" smtClean="0"/>
-              <a:t>2020-11-08</a:t>
+              <a:t>2020-11-22</a:t>
             </a:fld>
             <a:endParaRPr lang="ko-KR" altLang="en-US"/>
           </a:p>
@@ -1260,7 +1260,7 @@
           <a:p>
             <a:fld id="{B1912746-E8EE-4601-AF5D-438D1FBB3BE7}" type="datetimeFigureOut">
               <a:rPr lang="ko-KR" altLang="en-US" smtClean="0"/>
-              <a:t>2020-11-08</a:t>
+              <a:t>2020-11-22</a:t>
             </a:fld>
             <a:endParaRPr lang="ko-KR" altLang="en-US"/>
           </a:p>
@@ -1627,7 +1627,7 @@
           <a:p>
             <a:fld id="{B1912746-E8EE-4601-AF5D-438D1FBB3BE7}" type="datetimeFigureOut">
               <a:rPr lang="ko-KR" altLang="en-US" smtClean="0"/>
-              <a:t>2020-11-08</a:t>
+              <a:t>2020-11-22</a:t>
             </a:fld>
             <a:endParaRPr lang="ko-KR" altLang="en-US"/>
           </a:p>
@@ -1745,7 +1745,7 @@
           <a:p>
             <a:fld id="{B1912746-E8EE-4601-AF5D-438D1FBB3BE7}" type="datetimeFigureOut">
               <a:rPr lang="ko-KR" altLang="en-US" smtClean="0"/>
-              <a:t>2020-11-08</a:t>
+              <a:t>2020-11-22</a:t>
             </a:fld>
             <a:endParaRPr lang="ko-KR" altLang="en-US"/>
           </a:p>
@@ -1840,7 +1840,7 @@
           <a:p>
             <a:fld id="{B1912746-E8EE-4601-AF5D-438D1FBB3BE7}" type="datetimeFigureOut">
               <a:rPr lang="ko-KR" altLang="en-US" smtClean="0"/>
-              <a:t>2020-11-08</a:t>
+              <a:t>2020-11-22</a:t>
             </a:fld>
             <a:endParaRPr lang="ko-KR" altLang="en-US"/>
           </a:p>
@@ -2117,7 +2117,7 @@
           <a:p>
             <a:fld id="{B1912746-E8EE-4601-AF5D-438D1FBB3BE7}" type="datetimeFigureOut">
               <a:rPr lang="ko-KR" altLang="en-US" smtClean="0"/>
-              <a:t>2020-11-08</a:t>
+              <a:t>2020-11-22</a:t>
             </a:fld>
             <a:endParaRPr lang="ko-KR" altLang="en-US"/>
           </a:p>
@@ -2370,7 +2370,7 @@
           <a:p>
             <a:fld id="{B1912746-E8EE-4601-AF5D-438D1FBB3BE7}" type="datetimeFigureOut">
               <a:rPr lang="ko-KR" altLang="en-US" smtClean="0"/>
-              <a:t>2020-11-08</a:t>
+              <a:t>2020-11-22</a:t>
             </a:fld>
             <a:endParaRPr lang="ko-KR" altLang="en-US"/>
           </a:p>
@@ -2583,7 +2583,7 @@
           <a:p>
             <a:fld id="{B1912746-E8EE-4601-AF5D-438D1FBB3BE7}" type="datetimeFigureOut">
               <a:rPr lang="ko-KR" altLang="en-US" smtClean="0"/>
-              <a:t>2020-11-08</a:t>
+              <a:t>2020-11-22</a:t>
             </a:fld>
             <a:endParaRPr lang="ko-KR" altLang="en-US"/>
           </a:p>
@@ -3010,15 +3010,7 @@
           <a:p>
             <a:r>
               <a:rPr lang="en-US" altLang="ko-KR" dirty="0" smtClean="0"/>
-              <a:t>Spring </a:t>
-            </a:r>
-            <a:r>
-              <a:rPr lang="en-US" altLang="ko-KR" dirty="0" smtClean="0"/>
-              <a:t>Boot </a:t>
-            </a:r>
-            <a:r>
-              <a:rPr lang="en-US" altLang="ko-KR" dirty="0" smtClean="0"/>
-              <a:t>Rest API</a:t>
+              <a:t>Spring Boot Rest API</a:t>
             </a:r>
             <a:endParaRPr lang="ko-KR" altLang="en-US" dirty="0"/>
           </a:p>
@@ -3567,10 +3559,10 @@
           <a:lstStyle/>
           <a:p>
             <a:r>
-              <a:rPr lang="ko-KR" altLang="en-US" smtClean="0"/>
+              <a:rPr lang="ko-KR" altLang="en-US" dirty="0" smtClean="0"/>
               <a:t>요청</a:t>
             </a:r>
-            <a:endParaRPr lang="ko-KR" altLang="en-US"/>
+            <a:endParaRPr lang="ko-KR" altLang="en-US" dirty="0"/>
           </a:p>
         </p:txBody>
       </p:sp>
@@ -5023,7 +5015,15 @@
           <a:p>
             <a:r>
               <a:rPr lang="ko-KR" altLang="en-US" dirty="0" smtClean="0"/>
-              <a:t>리소스에 대하 요청을 한다는 것은 정확히 말해 리소스 그 자체가 아니라 리소스에 대한 표현이다</a:t>
+              <a:t>리소스에 </a:t>
+            </a:r>
+            <a:r>
+              <a:rPr lang="ko-KR" altLang="en-US" dirty="0" smtClean="0"/>
+              <a:t>대한 </a:t>
+            </a:r>
+            <a:r>
+              <a:rPr lang="ko-KR" altLang="en-US" dirty="0" smtClean="0"/>
+              <a:t>요청을 한다는 것은 정확히 말해 리소스 그 자체가 아니라 리소스에 대한 표현이다</a:t>
             </a:r>
             <a:r>
               <a:rPr lang="en-US" altLang="ko-KR" dirty="0" smtClean="0"/>
@@ -5043,81 +5043,89 @@
               <a:t>의 데이터를 요청 </a:t>
             </a:r>
             <a:r>
+              <a:rPr lang="ko-KR" altLang="en-US" dirty="0" smtClean="0"/>
+              <a:t>한다는 것은 </a:t>
+            </a:r>
+            <a:r>
+              <a:rPr lang="en-US" altLang="ko-KR" dirty="0" smtClean="0"/>
+              <a:t>DB</a:t>
+            </a:r>
+            <a:r>
+              <a:rPr lang="ko-KR" altLang="en-US" dirty="0" smtClean="0"/>
+              <a:t>데이터 그 자체가 아니라 </a:t>
+            </a:r>
+            <a:r>
+              <a:rPr lang="en-US" altLang="ko-KR" dirty="0" smtClean="0"/>
+              <a:t>DB</a:t>
+            </a:r>
+            <a:r>
+              <a:rPr lang="ko-KR" altLang="en-US" dirty="0" smtClean="0"/>
+              <a:t>데이터를 읽어서 </a:t>
+            </a:r>
+            <a:r>
+              <a:rPr lang="ko-KR" altLang="en-US" dirty="0" smtClean="0"/>
+              <a:t>그것에 대한 </a:t>
+            </a:r>
+            <a:r>
+              <a:rPr lang="ko-KR" altLang="en-US" dirty="0" smtClean="0"/>
+              <a:t>표현 </a:t>
+            </a:r>
+            <a:r>
+              <a:rPr lang="en-US" altLang="ko-KR" dirty="0" smtClean="0"/>
+              <a:t>(JSOS, XML </a:t>
+            </a:r>
+            <a:r>
+              <a:rPr lang="ko-KR" altLang="en-US" dirty="0" smtClean="0"/>
+              <a:t>등</a:t>
+            </a:r>
+            <a:r>
+              <a:rPr lang="en-US" altLang="ko-KR" dirty="0" smtClean="0"/>
+              <a:t>)</a:t>
+            </a:r>
+            <a:r>
+              <a:rPr lang="ko-KR" altLang="en-US" dirty="0" smtClean="0"/>
+              <a:t>을 요청하는 것</a:t>
+            </a:r>
+            <a:r>
+              <a:rPr lang="en-US" altLang="ko-KR" dirty="0" smtClean="0"/>
+              <a:t>.</a:t>
+            </a:r>
+          </a:p>
+          <a:p>
+            <a:endParaRPr lang="en-US" altLang="ko-KR" dirty="0"/>
+          </a:p>
+          <a:p>
+            <a:r>
+              <a:rPr lang="ko-KR" altLang="en-US" dirty="0" smtClean="0"/>
+              <a:t>그래서 요청을 </a:t>
+            </a:r>
+            <a:r>
               <a:rPr lang="ko-KR" altLang="en-US" dirty="0" err="1" smtClean="0"/>
-              <a:t>한다는것은</a:t>
+              <a:t>보낼때</a:t>
+            </a:r>
+            <a:r>
+              <a:rPr lang="ko-KR" altLang="en-US" dirty="0" smtClean="0"/>
+              <a:t> 어떤 데이터를 처리할 수 있는지</a:t>
+            </a:r>
+            <a:r>
+              <a:rPr lang="en-US" altLang="ko-KR" dirty="0" smtClean="0"/>
+              <a:t>, </a:t>
+            </a:r>
+            <a:r>
+              <a:rPr lang="ko-KR" altLang="en-US" dirty="0" smtClean="0"/>
+              <a:t>어떤 데이터로 </a:t>
+            </a:r>
+            <a:r>
+              <a:rPr lang="ko-KR" altLang="en-US" dirty="0" err="1" smtClean="0"/>
+              <a:t>보낼것인지를</a:t>
             </a:r>
             <a:r>
               <a:rPr lang="ko-KR" altLang="en-US" dirty="0" smtClean="0"/>
               <a:t> </a:t>
             </a:r>
             <a:r>
-              <a:rPr lang="en-US" altLang="ko-KR" dirty="0" smtClean="0"/>
-              <a:t>DB</a:t>
-            </a:r>
-            <a:r>
               <a:rPr lang="ko-KR" altLang="en-US" dirty="0" smtClean="0"/>
-              <a:t>데이터 그 자체가 아니라 </a:t>
-            </a:r>
-            <a:r>
-              <a:rPr lang="en-US" altLang="ko-KR" dirty="0" smtClean="0"/>
-              <a:t>DB</a:t>
-            </a:r>
-            <a:r>
-              <a:rPr lang="ko-KR" altLang="en-US" dirty="0" smtClean="0"/>
-              <a:t>데이터를 읽어서 그것을 표현 </a:t>
-            </a:r>
-            <a:r>
-              <a:rPr lang="en-US" altLang="ko-KR" dirty="0" smtClean="0"/>
-              <a:t>(JSOS, XML </a:t>
-            </a:r>
-            <a:r>
-              <a:rPr lang="ko-KR" altLang="en-US" dirty="0" smtClean="0"/>
-              <a:t>등</a:t>
-            </a:r>
-            <a:r>
-              <a:rPr lang="en-US" altLang="ko-KR" dirty="0" smtClean="0"/>
-              <a:t>)</a:t>
-            </a:r>
-            <a:r>
-              <a:rPr lang="ko-KR" altLang="en-US" dirty="0" smtClean="0"/>
-              <a:t>을 요청하는 것</a:t>
-            </a:r>
-            <a:r>
-              <a:rPr lang="en-US" altLang="ko-KR" dirty="0" smtClean="0"/>
-              <a:t>.</a:t>
-            </a:r>
-          </a:p>
-          <a:p>
-            <a:endParaRPr lang="en-US" altLang="ko-KR" dirty="0"/>
-          </a:p>
-          <a:p>
-            <a:r>
-              <a:rPr lang="ko-KR" altLang="en-US" dirty="0" smtClean="0"/>
-              <a:t>그래서 요청을 </a:t>
-            </a:r>
-            <a:r>
-              <a:rPr lang="ko-KR" altLang="en-US" dirty="0" err="1" smtClean="0"/>
-              <a:t>보낼때</a:t>
-            </a:r>
-            <a:r>
-              <a:rPr lang="ko-KR" altLang="en-US" dirty="0" smtClean="0"/>
-              <a:t> 어떤 데이터를 처리할 수 있는지</a:t>
-            </a:r>
-            <a:r>
-              <a:rPr lang="en-US" altLang="ko-KR" dirty="0" smtClean="0"/>
-              <a:t>, </a:t>
-            </a:r>
-            <a:r>
-              <a:rPr lang="ko-KR" altLang="en-US" dirty="0" smtClean="0"/>
-              <a:t>어떤 데이터로 </a:t>
-            </a:r>
-            <a:r>
-              <a:rPr lang="ko-KR" altLang="en-US" dirty="0" err="1" smtClean="0"/>
-              <a:t>보낼건</a:t>
-            </a:r>
-            <a:r>
-              <a:rPr lang="ko-KR" altLang="en-US" dirty="0" smtClean="0"/>
-              <a:t> 지를 명시해줘야 한다</a:t>
+              <a:t>명시해줘야 한다</a:t>
             </a:r>
             <a:r>
               <a:rPr lang="en-US" altLang="ko-KR" dirty="0" smtClean="0"/>
@@ -5319,47 +5327,254 @@
           </a:p>
         </p:txBody>
       </p:sp>
-      <p:pic>
-        <p:nvPicPr>
-          <p:cNvPr id="2052" name="Picture 4" descr="Image for post"/>
-          <p:cNvPicPr>
-            <a:picLocks noChangeAspect="1" noChangeArrowheads="1"/>
-          </p:cNvPicPr>
-          <p:nvPr/>
-        </p:nvPicPr>
-        <p:blipFill>
-          <a:blip r:embed="rId2">
-            <a:extLst>
-              <a:ext uri="{28A0092B-C50C-407E-A947-70E740481C1C}">
-                <a14:useLocalDpi xmlns:a14="http://schemas.microsoft.com/office/drawing/2010/main" val="0"/>
-              </a:ext>
-            </a:extLst>
-          </a:blip>
-          <a:srcRect/>
-          <a:stretch>
-            <a:fillRect/>
-          </a:stretch>
-        </p:blipFill>
-        <p:spPr bwMode="auto">
-          <a:xfrm>
-            <a:off x="2530762" y="4277635"/>
-            <a:ext cx="6724652" cy="2152651"/>
-          </a:xfrm>
-          <a:prstGeom prst="rect">
-            <a:avLst/>
-          </a:prstGeom>
-          <a:noFill/>
-          <a:extLst>
-            <a:ext uri="{909E8E84-426E-40DD-AFC4-6F175D3DCCD1}">
-              <a14:hiddenFill xmlns:a14="http://schemas.microsoft.com/office/drawing/2010/main">
-                <a:solidFill>
-                  <a:srgbClr val="FFFFFF"/>
-                </a:solidFill>
-              </a14:hiddenFill>
-            </a:ext>
-          </a:extLst>
-        </p:spPr>
-      </p:pic>
+      <p:graphicFrame>
+        <p:nvGraphicFramePr>
+          <p:cNvPr id="2" name="표 1"/>
+          <p:cNvGraphicFramePr>
+            <a:graphicFrameLocks noGrp="1"/>
+          </p:cNvGraphicFramePr>
+          <p:nvPr>
+            <p:extLst>
+              <p:ext uri="{D42A27DB-BD31-4B8C-83A1-F6EECF244321}">
+                <p14:modId xmlns:p14="http://schemas.microsoft.com/office/powerpoint/2010/main" val="1919161444"/>
+              </p:ext>
+            </p:extLst>
+          </p:nvPr>
+        </p:nvGraphicFramePr>
+        <p:xfrm>
+          <a:off x="2073189" y="4171732"/>
+          <a:ext cx="8128000" cy="2219960"/>
+        </p:xfrm>
+        <a:graphic>
+          <a:graphicData uri="http://schemas.openxmlformats.org/drawingml/2006/table">
+            <a:tbl>
+              <a:tblPr firstRow="1" bandRow="1">
+                <a:tableStyleId>{F5AB1C69-6EDB-4FF4-983F-18BD219EF322}</a:tableStyleId>
+              </a:tblPr>
+              <a:tblGrid>
+                <a:gridCol w="4064000"/>
+                <a:gridCol w="4064000"/>
+              </a:tblGrid>
+              <a:tr h="0">
+                <a:tc>
+                  <a:txBody>
+                    <a:bodyPr/>
+                    <a:lstStyle/>
+                    <a:p>
+                      <a:pPr latinLnBrk="1"/>
+                      <a:r>
+                        <a:rPr lang="en-US" altLang="ko-KR" dirty="0" smtClean="0"/>
+                        <a:t>METHOD</a:t>
+                      </a:r>
+                      <a:endParaRPr lang="ko-KR" altLang="en-US" dirty="0"/>
+                    </a:p>
+                  </a:txBody>
+                  <a:tcPr/>
+                </a:tc>
+                <a:tc>
+                  <a:txBody>
+                    <a:bodyPr/>
+                    <a:lstStyle/>
+                    <a:p>
+                      <a:pPr latinLnBrk="1"/>
+                      <a:r>
+                        <a:rPr lang="ko-KR" altLang="en-US" dirty="0" smtClean="0"/>
+                        <a:t>역할</a:t>
+                      </a:r>
+                      <a:endParaRPr lang="ko-KR" altLang="en-US" dirty="0"/>
+                    </a:p>
+                  </a:txBody>
+                  <a:tcPr/>
+                </a:tc>
+              </a:tr>
+              <a:tr h="370840">
+                <a:tc>
+                  <a:txBody>
+                    <a:bodyPr/>
+                    <a:lstStyle/>
+                    <a:p>
+                      <a:pPr latinLnBrk="1"/>
+                      <a:r>
+                        <a:rPr lang="en-US" altLang="ko-KR" dirty="0" smtClean="0"/>
+                        <a:t>POST</a:t>
+                      </a:r>
+                      <a:endParaRPr lang="ko-KR" altLang="en-US" dirty="0"/>
+                    </a:p>
+                  </a:txBody>
+                  <a:tcPr/>
+                </a:tc>
+                <a:tc>
+                  <a:txBody>
+                    <a:bodyPr/>
+                    <a:lstStyle/>
+                    <a:p>
+                      <a:pPr latinLnBrk="1"/>
+                      <a:r>
+                        <a:rPr lang="ko-KR" altLang="en-US" dirty="0" smtClean="0"/>
+                        <a:t>리소스 생성</a:t>
+                      </a:r>
+                      <a:endParaRPr lang="ko-KR" altLang="en-US" dirty="0"/>
+                    </a:p>
+                  </a:txBody>
+                  <a:tcPr/>
+                </a:tc>
+              </a:tr>
+              <a:tr h="370840">
+                <a:tc>
+                  <a:txBody>
+                    <a:bodyPr/>
+                    <a:lstStyle/>
+                    <a:p>
+                      <a:pPr latinLnBrk="1"/>
+                      <a:r>
+                        <a:rPr lang="en-US" altLang="ko-KR" dirty="0" smtClean="0"/>
+                        <a:t>GET</a:t>
+                      </a:r>
+                      <a:endParaRPr lang="ko-KR" altLang="en-US" dirty="0"/>
+                    </a:p>
+                  </a:txBody>
+                  <a:tcPr/>
+                </a:tc>
+                <a:tc>
+                  <a:txBody>
+                    <a:bodyPr/>
+                    <a:lstStyle/>
+                    <a:p>
+                      <a:pPr latinLnBrk="1"/>
+                      <a:r>
+                        <a:rPr lang="ko-KR" altLang="en-US" dirty="0" smtClean="0"/>
+                        <a:t>리소스 조회</a:t>
+                      </a:r>
+                      <a:endParaRPr lang="ko-KR" altLang="en-US" dirty="0"/>
+                    </a:p>
+                  </a:txBody>
+                  <a:tcPr/>
+                </a:tc>
+              </a:tr>
+              <a:tr h="370840">
+                <a:tc>
+                  <a:txBody>
+                    <a:bodyPr/>
+                    <a:lstStyle/>
+                    <a:p>
+                      <a:pPr latinLnBrk="1"/>
+                      <a:r>
+                        <a:rPr lang="en-US" altLang="ko-KR" dirty="0" smtClean="0"/>
+                        <a:t>PUT</a:t>
+                      </a:r>
+                      <a:endParaRPr lang="ko-KR" altLang="en-US" dirty="0"/>
+                    </a:p>
+                  </a:txBody>
+                  <a:tcPr/>
+                </a:tc>
+                <a:tc>
+                  <a:txBody>
+                    <a:bodyPr/>
+                    <a:lstStyle/>
+                    <a:p>
+                      <a:pPr latinLnBrk="1"/>
+                      <a:r>
+                        <a:rPr lang="ko-KR" altLang="en-US" dirty="0" smtClean="0"/>
+                        <a:t>리소스 수정</a:t>
+                      </a:r>
+                      <a:r>
+                        <a:rPr lang="en-US" altLang="ko-KR" dirty="0" smtClean="0"/>
+                        <a:t>(</a:t>
+                      </a:r>
+                      <a:r>
+                        <a:rPr lang="ko-KR" altLang="en-US" dirty="0" smtClean="0"/>
+                        <a:t>대체</a:t>
+                      </a:r>
+                      <a:r>
+                        <a:rPr lang="en-US" altLang="ko-KR" dirty="0" smtClean="0"/>
+                        <a:t>)</a:t>
+                      </a:r>
+                      <a:endParaRPr lang="ko-KR" altLang="en-US" dirty="0"/>
+                    </a:p>
+                  </a:txBody>
+                  <a:tcPr/>
+                </a:tc>
+              </a:tr>
+              <a:tr h="370840">
+                <a:tc>
+                  <a:txBody>
+                    <a:bodyPr/>
+                    <a:lstStyle/>
+                    <a:p>
+                      <a:pPr latinLnBrk="1"/>
+                      <a:r>
+                        <a:rPr lang="en-US" altLang="ko-KR" dirty="0" smtClean="0"/>
+                        <a:t>DELETE</a:t>
+                      </a:r>
+                      <a:endParaRPr lang="ko-KR" altLang="en-US" dirty="0"/>
+                    </a:p>
+                  </a:txBody>
+                  <a:tcPr/>
+                </a:tc>
+                <a:tc>
+                  <a:txBody>
+                    <a:bodyPr/>
+                    <a:lstStyle/>
+                    <a:p>
+                      <a:pPr latinLnBrk="1"/>
+                      <a:r>
+                        <a:rPr lang="ko-KR" altLang="en-US" dirty="0" smtClean="0"/>
+                        <a:t>리소스 삭제</a:t>
+                      </a:r>
+                      <a:endParaRPr lang="ko-KR" altLang="en-US" dirty="0"/>
+                    </a:p>
+                  </a:txBody>
+                  <a:tcPr/>
+                </a:tc>
+              </a:tr>
+              <a:tr h="370840">
+                <a:tc>
+                  <a:txBody>
+                    <a:bodyPr/>
+                    <a:lstStyle/>
+                    <a:p>
+                      <a:pPr latinLnBrk="1"/>
+                      <a:r>
+                        <a:rPr lang="en-US" altLang="ko-KR" dirty="0" smtClean="0"/>
+                        <a:t>PATCH</a:t>
+                      </a:r>
+                      <a:endParaRPr lang="ko-KR" altLang="en-US" dirty="0"/>
+                    </a:p>
+                  </a:txBody>
+                  <a:tcPr/>
+                </a:tc>
+                <a:tc>
+                  <a:txBody>
+                    <a:bodyPr/>
+                    <a:lstStyle/>
+                    <a:p>
+                      <a:pPr latinLnBrk="1"/>
+                      <a:r>
+                        <a:rPr lang="ko-KR" altLang="en-US" dirty="0" smtClean="0"/>
+                        <a:t>리소스 수정</a:t>
+                      </a:r>
+                      <a:r>
+                        <a:rPr lang="en-US" altLang="ko-KR" dirty="0" smtClean="0"/>
+                        <a:t>(</a:t>
+                      </a:r>
+                      <a:r>
+                        <a:rPr lang="ko-KR" altLang="en-US" dirty="0" smtClean="0"/>
+                        <a:t>일부</a:t>
+                      </a:r>
+                      <a:r>
+                        <a:rPr lang="en-US" altLang="ko-KR" dirty="0" smtClean="0"/>
+                        <a:t>)</a:t>
+                      </a:r>
+                      <a:endParaRPr lang="ko-KR" altLang="en-US" dirty="0"/>
+                    </a:p>
+                  </a:txBody>
+                  <a:tcPr/>
+                </a:tc>
+              </a:tr>
+            </a:tbl>
+          </a:graphicData>
+        </a:graphic>
+      </p:graphicFrame>
     </p:spTree>
     <p:extLst>
       <p:ext uri="{BB962C8B-B14F-4D97-AF65-F5344CB8AC3E}">
@@ -5421,7 +5636,7 @@
           <a:p>
             <a:r>
               <a:rPr lang="en-US" altLang="ko-KR" sz="2400" dirty="0" smtClean="0"/>
-              <a:t>Self-descriptive messages</a:t>
+              <a:t>HATEOAS</a:t>
             </a:r>
             <a:endParaRPr lang="en-US" altLang="ko-KR" sz="2400" dirty="0"/>
           </a:p>
@@ -5429,14 +5644,14 @@
       </p:sp>
       <p:sp>
         <p:nvSpPr>
-          <p:cNvPr id="6" name="TextBox 5"/>
+          <p:cNvPr id="5" name="TextBox 4"/>
           <p:cNvSpPr txBox="1"/>
           <p:nvPr/>
         </p:nvSpPr>
         <p:spPr>
           <a:xfrm>
-            <a:off x="1911925" y="1819563"/>
-            <a:ext cx="8174183" cy="2862322"/>
+            <a:off x="2336799" y="886907"/>
+            <a:ext cx="6881092" cy="1754326"/>
           </a:xfrm>
           <a:prstGeom prst="rect">
             <a:avLst/>
@@ -5451,23 +5666,15 @@
           <a:p>
             <a:r>
               <a:rPr lang="ko-KR" altLang="en-US" dirty="0" smtClean="0"/>
-              <a:t>각 </a:t>
-            </a:r>
-            <a:r>
-              <a:rPr lang="ko-KR" altLang="en-US" dirty="0"/>
-              <a:t>요청은 </a:t>
+              <a:t>클라이언트가 서버로부터 응답을 받는 메시지 안에는</a:t>
+            </a:r>
+            <a:r>
+              <a:rPr lang="en-US" altLang="ko-KR" dirty="0" smtClean="0"/>
+              <a:t>, </a:t>
             </a:r>
             <a:r>
               <a:rPr lang="ko-KR" altLang="en-US" dirty="0" smtClean="0"/>
-              <a:t>별개이기 때문에</a:t>
-            </a:r>
-            <a:r>
-              <a:rPr lang="en-US" altLang="ko-KR" dirty="0" smtClean="0"/>
-              <a:t> </a:t>
-            </a:r>
-            <a:r>
-              <a:rPr lang="ko-KR" altLang="en-US" dirty="0" smtClean="0"/>
-              <a:t>요청과 응답 메시지는 메시지만 보고도 어떤 것인지 충분히 잘 알 수 있도록 해야 한다</a:t>
+              <a:t>다른 상태 으로 전이할 수 있는 링크를 보내줘야 한다</a:t>
             </a:r>
             <a:r>
               <a:rPr lang="en-US" altLang="ko-KR" dirty="0" smtClean="0"/>
@@ -5479,59 +5686,63 @@
           </a:p>
           <a:p>
             <a:r>
+              <a:rPr lang="ko-KR" altLang="en-US" dirty="0"/>
+              <a:t>클라이언트가 어떤 동작을 수행할 수 있는지 예측가능하고</a:t>
+            </a:r>
+            <a:r>
+              <a:rPr lang="en-US" altLang="ko-KR" dirty="0"/>
+              <a:t>, </a:t>
+            </a:r>
+            <a:r>
               <a:rPr lang="en-US" altLang="ko-KR" dirty="0" smtClean="0"/>
-              <a:t>HTTP </a:t>
-            </a:r>
-            <a:r>
-              <a:rPr lang="ko-KR" altLang="en-US" dirty="0" err="1" smtClean="0"/>
-              <a:t>메서드를</a:t>
+              <a:t>URI</a:t>
             </a:r>
             <a:r>
               <a:rPr lang="ko-KR" altLang="en-US" dirty="0" smtClean="0"/>
-              <a:t> 통해 리소스에 대해 어떤 행위를 하는지 나타낸다</a:t>
-            </a:r>
-            <a:r>
-              <a:rPr lang="en-US" altLang="ko-KR" dirty="0" smtClean="0"/>
-              <a:t>.</a:t>
-            </a:r>
-          </a:p>
-          <a:p>
-            <a:endParaRPr lang="en-US" altLang="ko-KR" dirty="0"/>
-          </a:p>
-          <a:p>
-            <a:r>
-              <a:rPr lang="en-US" altLang="ko-KR" dirty="0" err="1" smtClean="0"/>
-              <a:t>contentType</a:t>
-            </a:r>
-            <a:r>
-              <a:rPr lang="ko-KR" altLang="en-US" dirty="0" smtClean="0"/>
-              <a:t>은 리소스에 대한 표현방법을 나타내는데 이것이 없으면 데이터를 가지고 무엇을 해야 하는지 알 수가 없다</a:t>
-            </a:r>
-            <a:r>
-              <a:rPr lang="en-US" altLang="ko-KR" dirty="0" smtClean="0"/>
-              <a:t>.</a:t>
-            </a:r>
-          </a:p>
-          <a:p>
-            <a:endParaRPr lang="en-US" altLang="ko-KR" dirty="0"/>
-          </a:p>
-          <a:p>
-            <a:r>
-              <a:rPr lang="ko-KR" altLang="en-US" dirty="0" smtClean="0"/>
-              <a:t>등등 필요한 모든 것을 기술해서 메시지만 가지고도 무엇을 해야 하는지 알 수 있어야 한다</a:t>
+              <a:t>가 </a:t>
+            </a:r>
+            <a:r>
+              <a:rPr lang="ko-KR" altLang="en-US" dirty="0"/>
+              <a:t>바뀌더라도 영향을 받지 않는다</a:t>
             </a:r>
             <a:r>
               <a:rPr lang="en-US" altLang="ko-KR" dirty="0"/>
               <a:t>.</a:t>
             </a:r>
+          </a:p>
+          <a:p>
             <a:endParaRPr lang="en-US" altLang="ko-KR" dirty="0" smtClean="0"/>
           </a:p>
         </p:txBody>
       </p:sp>
+      <p:pic>
+        <p:nvPicPr>
+          <p:cNvPr id="4" name="그림 3"/>
+          <p:cNvPicPr>
+            <a:picLocks noChangeAspect="1"/>
+          </p:cNvPicPr>
+          <p:nvPr/>
+        </p:nvPicPr>
+        <p:blipFill>
+          <a:blip r:embed="rId2"/>
+          <a:stretch>
+            <a:fillRect/>
+          </a:stretch>
+        </p:blipFill>
+        <p:spPr>
+          <a:xfrm>
+            <a:off x="3824720" y="2507673"/>
+            <a:ext cx="3905250" cy="4267200"/>
+          </a:xfrm>
+          <a:prstGeom prst="rect">
+            <a:avLst/>
+          </a:prstGeom>
+        </p:spPr>
+      </p:pic>
     </p:spTree>
     <p:extLst>
       <p:ext uri="{BB962C8B-B14F-4D97-AF65-F5344CB8AC3E}">
-        <p14:creationId xmlns:p14="http://schemas.microsoft.com/office/powerpoint/2010/main" val="3684917463"/>
+        <p14:creationId xmlns:p14="http://schemas.microsoft.com/office/powerpoint/2010/main" val="1191518565"/>
       </p:ext>
     </p:extLst>
   </p:cSld>
@@ -5941,7 +6152,15 @@
           <a:p>
             <a:r>
               <a:rPr lang="en-US" altLang="ko-KR" sz="2400" dirty="0" smtClean="0"/>
-              <a:t>HATEOAS</a:t>
+              <a:t>REST </a:t>
+            </a:r>
+            <a:r>
+              <a:rPr lang="ko-KR" altLang="en-US" sz="2400" dirty="0" smtClean="0"/>
+              <a:t>특징을 전부다 꼭 지켜야 하는가</a:t>
+            </a:r>
+            <a:r>
+              <a:rPr lang="en-US" altLang="ko-KR" sz="2400" dirty="0" smtClean="0"/>
+              <a:t>?</a:t>
             </a:r>
             <a:endParaRPr lang="en-US" altLang="ko-KR" sz="2400" dirty="0"/>
           </a:p>
@@ -5949,14 +6168,14 @@
       </p:sp>
       <p:sp>
         <p:nvSpPr>
-          <p:cNvPr id="5" name="TextBox 4"/>
+          <p:cNvPr id="2" name="TextBox 1"/>
           <p:cNvSpPr txBox="1"/>
           <p:nvPr/>
         </p:nvSpPr>
         <p:spPr>
           <a:xfrm>
-            <a:off x="2336799" y="886907"/>
-            <a:ext cx="6881092" cy="1754326"/>
+            <a:off x="2576946" y="1838037"/>
+            <a:ext cx="6844146" cy="2308324"/>
           </a:xfrm>
           <a:prstGeom prst="rect">
             <a:avLst/>
@@ -5969,17 +6188,17 @@
           </a:bodyPr>
           <a:lstStyle/>
           <a:p>
+            <a:pPr marL="285750" indent="-285750">
+              <a:buFont typeface="Arial" panose="020B0604020202020204" pitchFamily="34" charset="0"/>
+              <a:buChar char="•"/>
+            </a:pPr>
+            <a:r>
+              <a:rPr lang="en-US" altLang="ko-KR" dirty="0" smtClean="0"/>
+              <a:t>REST</a:t>
+            </a:r>
             <a:r>
               <a:rPr lang="ko-KR" altLang="en-US" dirty="0" smtClean="0"/>
-              <a:t>클라이언트가 서버로부터 응답을 받는 메시지 안에는</a:t>
-            </a:r>
-            <a:r>
-              <a:rPr lang="en-US" altLang="ko-KR" dirty="0" smtClean="0"/>
-              <a:t>, </a:t>
-            </a:r>
-            <a:r>
-              <a:rPr lang="ko-KR" altLang="en-US" dirty="0" smtClean="0"/>
-              <a:t>다른 상태 으로 전이할 수 있는 링크를 보내줘야 한다</a:t>
+              <a:t>는 권고사항이지 꼭 지켜야 하는 표준이 아님</a:t>
             </a:r>
             <a:r>
               <a:rPr lang="en-US" altLang="ko-KR" dirty="0" smtClean="0"/>
@@ -5987,67 +6206,69 @@
             </a:r>
           </a:p>
           <a:p>
+            <a:pPr marL="285750" indent="-285750">
+              <a:buFont typeface="Arial" panose="020B0604020202020204" pitchFamily="34" charset="0"/>
+              <a:buChar char="•"/>
+            </a:pPr>
             <a:endParaRPr lang="en-US" altLang="ko-KR" dirty="0"/>
           </a:p>
           <a:p>
-            <a:r>
-              <a:rPr lang="ko-KR" altLang="en-US" dirty="0"/>
-              <a:t>클라이언트가 어떤 동작을 수행할 수 있는지 예측가능하고</a:t>
-            </a:r>
-            <a:r>
-              <a:rPr lang="en-US" altLang="ko-KR" dirty="0"/>
-              <a:t>, </a:t>
-            </a:r>
+            <a:pPr marL="285750" indent="-285750">
+              <a:buFont typeface="Arial" panose="020B0604020202020204" pitchFamily="34" charset="0"/>
+              <a:buChar char="•"/>
+            </a:pPr>
             <a:r>
               <a:rPr lang="en-US" altLang="ko-KR" dirty="0" smtClean="0"/>
-              <a:t>URI</a:t>
+              <a:t>REST</a:t>
             </a:r>
             <a:r>
               <a:rPr lang="ko-KR" altLang="en-US" dirty="0" smtClean="0"/>
-              <a:t>가 </a:t>
-            </a:r>
-            <a:r>
-              <a:rPr lang="ko-KR" altLang="en-US" dirty="0"/>
-              <a:t>바뀌더라도 영향을 받지 않는다</a:t>
-            </a:r>
-            <a:r>
-              <a:rPr lang="en-US" altLang="ko-KR" dirty="0"/>
+              <a:t>는 정말 오랜 시간을 걸쳐서 발전시키고 싶은 웹 애플리케이션을 위한 것</a:t>
+            </a:r>
+            <a:r>
+              <a:rPr lang="en-US" altLang="ko-KR" dirty="0" smtClean="0"/>
               <a:t>.</a:t>
             </a:r>
           </a:p>
           <a:p>
             <a:endParaRPr lang="en-US" altLang="ko-KR" dirty="0" smtClean="0"/>
           </a:p>
-        </p:txBody>
-      </p:sp>
-      <p:pic>
-        <p:nvPicPr>
-          <p:cNvPr id="4" name="그림 3"/>
-          <p:cNvPicPr>
-            <a:picLocks noChangeAspect="1"/>
-          </p:cNvPicPr>
-          <p:nvPr/>
-        </p:nvPicPr>
-        <p:blipFill>
-          <a:blip r:embed="rId2"/>
-          <a:stretch>
-            <a:fillRect/>
-          </a:stretch>
-        </p:blipFill>
-        <p:spPr>
-          <a:xfrm>
-            <a:off x="3824720" y="2507673"/>
-            <a:ext cx="3905250" cy="4267200"/>
-          </a:xfrm>
-          <a:prstGeom prst="rect">
-            <a:avLst/>
-          </a:prstGeom>
-        </p:spPr>
-      </p:pic>
+          <a:p>
+            <a:pPr marL="285750" indent="-285750">
+              <a:buFont typeface="Arial" panose="020B0604020202020204" pitchFamily="34" charset="0"/>
+              <a:buChar char="•"/>
+            </a:pPr>
+            <a:r>
+              <a:rPr lang="ko-KR" altLang="en-US" dirty="0" smtClean="0"/>
+              <a:t>현실적으로 이 모든걸 다 지키면서 개발할 수 있는 시간적 여유와 인력이 보통의 회사에는 없다</a:t>
+            </a:r>
+            <a:r>
+              <a:rPr lang="en-US" altLang="ko-KR" dirty="0" smtClean="0"/>
+              <a:t>… (</a:t>
+            </a:r>
+            <a:r>
+              <a:rPr lang="ko-KR" altLang="en-US" dirty="0" err="1" smtClean="0"/>
+              <a:t>풀스택</a:t>
+            </a:r>
+            <a:r>
+              <a:rPr lang="en-US" altLang="ko-KR" dirty="0" smtClean="0"/>
+              <a:t>)</a:t>
+            </a:r>
+            <a:endParaRPr lang="en-US" altLang="ko-KR" dirty="0"/>
+          </a:p>
+          <a:p>
+            <a:pPr marL="285750" indent="-285750">
+              <a:buFont typeface="Arial" panose="020B0604020202020204" pitchFamily="34" charset="0"/>
+              <a:buChar char="•"/>
+            </a:pPr>
+            <a:endParaRPr lang="en-US" altLang="ko-KR" dirty="0" smtClean="0"/>
+          </a:p>
+        </p:txBody>
+      </p:sp>
     </p:spTree>
     <p:extLst>
       <p:ext uri="{BB962C8B-B14F-4D97-AF65-F5344CB8AC3E}">
-        <p14:creationId xmlns:p14="http://schemas.microsoft.com/office/powerpoint/2010/main" val="1191518565"/>
+        <p14:creationId xmlns:p14="http://schemas.microsoft.com/office/powerpoint/2010/main" val="1507678513"/>
       </p:ext>
     </p:extLst>
   </p:cSld>
@@ -6311,8 +6532,16 @@
           </a:p>
           <a:p>
             <a:r>
+              <a:rPr lang="ko-KR" altLang="en-US" sz="1400" i="1" dirty="0" smtClean="0"/>
+              <a:t>자바 엔터프라이즈 개발을 편하게 해주는 </a:t>
+            </a:r>
+            <a:r>
               <a:rPr lang="ko-KR" altLang="en-US" sz="1400" dirty="0" smtClean="0"/>
-              <a:t>자바 엔터프라이즈 개발을 편하게 해주는 오픈 소스 경량급 애플리케이션 프레임워크</a:t>
+              <a:t>오픈 소스 경량급 </a:t>
+            </a:r>
+            <a:r>
+              <a:rPr lang="ko-KR" altLang="en-US" sz="1400" dirty="0" smtClean="0"/>
+              <a:t>애플리케이션 프레임워크</a:t>
             </a:r>
             <a:endParaRPr lang="ko-KR" altLang="en-US" sz="1400" dirty="0"/>
           </a:p>
@@ -6853,7 +7082,15 @@
             </a:r>
             <a:r>
               <a:rPr lang="ko-KR" altLang="en-US" sz="1400" dirty="0" smtClean="0"/>
-              <a:t>오히려 겁나 복잡하다</a:t>
+              <a:t>오히려 </a:t>
+            </a:r>
+            <a:r>
+              <a:rPr lang="ko-KR" altLang="en-US" sz="1400" dirty="0" smtClean="0"/>
+              <a:t>엄청 </a:t>
+            </a:r>
+            <a:r>
+              <a:rPr lang="ko-KR" altLang="en-US" sz="1400" dirty="0" smtClean="0"/>
+              <a:t>복잡하다</a:t>
             </a:r>
             <a:r>
               <a:rPr lang="en-US" altLang="ko-KR" sz="1400" dirty="0" smtClean="0"/>
@@ -6976,10 +7213,10 @@
           </a:p>
           <a:p>
             <a:r>
-              <a:rPr lang="ko-KR" altLang="en-US" sz="1200" dirty="0" smtClean="0"/>
+              <a:rPr lang="ko-KR" altLang="en-US" sz="1200" b="1" dirty="0" smtClean="0"/>
               <a:t>자바를 자바답게 쓸 수가 없다</a:t>
             </a:r>
-            <a:endParaRPr lang="en-US" altLang="ko-KR" sz="1200" dirty="0" smtClean="0"/>
+            <a:endParaRPr lang="en-US" altLang="ko-KR" sz="1200" b="1" dirty="0" smtClean="0"/>
           </a:p>
           <a:p>
             <a:endParaRPr lang="en-US" altLang="ko-KR" sz="1200" dirty="0" smtClean="0"/>
@@ -7638,7 +7875,15 @@
           <a:p>
             <a:r>
               <a:rPr lang="ko-KR" altLang="en-US" sz="1600" dirty="0" smtClean="0"/>
-              <a:t>같은 기능을 하나 구현체가 다른 기술은 </a:t>
+              <a:t>같은 </a:t>
+            </a:r>
+            <a:r>
+              <a:rPr lang="ko-KR" altLang="en-US" sz="1600" dirty="0" smtClean="0"/>
+              <a:t>기능이지만 </a:t>
+            </a:r>
+            <a:r>
+              <a:rPr lang="ko-KR" altLang="en-US" sz="1600" dirty="0" smtClean="0"/>
+              <a:t>구현체가 다른 기술은 </a:t>
             </a:r>
             <a:r>
               <a:rPr lang="ko-KR" altLang="en-US" sz="1600" b="1" dirty="0" smtClean="0"/>

--- a/SpringBoot Rest API.pptx
+++ b/SpringBoot Rest API.pptx
@@ -24,7 +24,8 @@
     <p:sldId id="276" r:id="rId18"/>
     <p:sldId id="272" r:id="rId19"/>
     <p:sldId id="274" r:id="rId20"/>
-    <p:sldId id="277" r:id="rId21"/>
+    <p:sldId id="278" r:id="rId21"/>
+    <p:sldId id="277" r:id="rId22"/>
   </p:sldIdLst>
   <p:sldSz cx="12192000" cy="6858000"/>
   <p:notesSz cx="6858000" cy="9144000"/>
@@ -262,7 +263,7 @@
           <a:p>
             <a:fld id="{B1912746-E8EE-4601-AF5D-438D1FBB3BE7}" type="datetimeFigureOut">
               <a:rPr lang="ko-KR" altLang="en-US" smtClean="0"/>
-              <a:t>2020-11-22</a:t>
+              <a:t>2020-11-23</a:t>
             </a:fld>
             <a:endParaRPr lang="ko-KR" altLang="en-US"/>
           </a:p>
@@ -432,7 +433,7 @@
           <a:p>
             <a:fld id="{B1912746-E8EE-4601-AF5D-438D1FBB3BE7}" type="datetimeFigureOut">
               <a:rPr lang="ko-KR" altLang="en-US" smtClean="0"/>
-              <a:t>2020-11-22</a:t>
+              <a:t>2020-11-23</a:t>
             </a:fld>
             <a:endParaRPr lang="ko-KR" altLang="en-US"/>
           </a:p>
@@ -612,7 +613,7 @@
           <a:p>
             <a:fld id="{B1912746-E8EE-4601-AF5D-438D1FBB3BE7}" type="datetimeFigureOut">
               <a:rPr lang="ko-KR" altLang="en-US" smtClean="0"/>
-              <a:t>2020-11-22</a:t>
+              <a:t>2020-11-23</a:t>
             </a:fld>
             <a:endParaRPr lang="ko-KR" altLang="en-US"/>
           </a:p>
@@ -782,7 +783,7 @@
           <a:p>
             <a:fld id="{B1912746-E8EE-4601-AF5D-438D1FBB3BE7}" type="datetimeFigureOut">
               <a:rPr lang="ko-KR" altLang="en-US" smtClean="0"/>
-              <a:t>2020-11-22</a:t>
+              <a:t>2020-11-23</a:t>
             </a:fld>
             <a:endParaRPr lang="ko-KR" altLang="en-US"/>
           </a:p>
@@ -1028,7 +1029,7 @@
           <a:p>
             <a:fld id="{B1912746-E8EE-4601-AF5D-438D1FBB3BE7}" type="datetimeFigureOut">
               <a:rPr lang="ko-KR" altLang="en-US" smtClean="0"/>
-              <a:t>2020-11-22</a:t>
+              <a:t>2020-11-23</a:t>
             </a:fld>
             <a:endParaRPr lang="ko-KR" altLang="en-US"/>
           </a:p>
@@ -1260,7 +1261,7 @@
           <a:p>
             <a:fld id="{B1912746-E8EE-4601-AF5D-438D1FBB3BE7}" type="datetimeFigureOut">
               <a:rPr lang="ko-KR" altLang="en-US" smtClean="0"/>
-              <a:t>2020-11-22</a:t>
+              <a:t>2020-11-23</a:t>
             </a:fld>
             <a:endParaRPr lang="ko-KR" altLang="en-US"/>
           </a:p>
@@ -1627,7 +1628,7 @@
           <a:p>
             <a:fld id="{B1912746-E8EE-4601-AF5D-438D1FBB3BE7}" type="datetimeFigureOut">
               <a:rPr lang="ko-KR" altLang="en-US" smtClean="0"/>
-              <a:t>2020-11-22</a:t>
+              <a:t>2020-11-23</a:t>
             </a:fld>
             <a:endParaRPr lang="ko-KR" altLang="en-US"/>
           </a:p>
@@ -1745,7 +1746,7 @@
           <a:p>
             <a:fld id="{B1912746-E8EE-4601-AF5D-438D1FBB3BE7}" type="datetimeFigureOut">
               <a:rPr lang="ko-KR" altLang="en-US" smtClean="0"/>
-              <a:t>2020-11-22</a:t>
+              <a:t>2020-11-23</a:t>
             </a:fld>
             <a:endParaRPr lang="ko-KR" altLang="en-US"/>
           </a:p>
@@ -1840,7 +1841,7 @@
           <a:p>
             <a:fld id="{B1912746-E8EE-4601-AF5D-438D1FBB3BE7}" type="datetimeFigureOut">
               <a:rPr lang="ko-KR" altLang="en-US" smtClean="0"/>
-              <a:t>2020-11-22</a:t>
+              <a:t>2020-11-23</a:t>
             </a:fld>
             <a:endParaRPr lang="ko-KR" altLang="en-US"/>
           </a:p>
@@ -2117,7 +2118,7 @@
           <a:p>
             <a:fld id="{B1912746-E8EE-4601-AF5D-438D1FBB3BE7}" type="datetimeFigureOut">
               <a:rPr lang="ko-KR" altLang="en-US" smtClean="0"/>
-              <a:t>2020-11-22</a:t>
+              <a:t>2020-11-23</a:t>
             </a:fld>
             <a:endParaRPr lang="ko-KR" altLang="en-US"/>
           </a:p>
@@ -2370,7 +2371,7 @@
           <a:p>
             <a:fld id="{B1912746-E8EE-4601-AF5D-438D1FBB3BE7}" type="datetimeFigureOut">
               <a:rPr lang="ko-KR" altLang="en-US" smtClean="0"/>
-              <a:t>2020-11-22</a:t>
+              <a:t>2020-11-23</a:t>
             </a:fld>
             <a:endParaRPr lang="ko-KR" altLang="en-US"/>
           </a:p>
@@ -2583,7 +2584,7 @@
           <a:p>
             <a:fld id="{B1912746-E8EE-4601-AF5D-438D1FBB3BE7}" type="datetimeFigureOut">
               <a:rPr lang="ko-KR" altLang="en-US" smtClean="0"/>
-              <a:t>2020-11-22</a:t>
+              <a:t>2020-11-23</a:t>
             </a:fld>
             <a:endParaRPr lang="ko-KR" altLang="en-US"/>
           </a:p>
@@ -5015,15 +5016,7 @@
           <a:p>
             <a:r>
               <a:rPr lang="ko-KR" altLang="en-US" dirty="0" smtClean="0"/>
-              <a:t>리소스에 </a:t>
-            </a:r>
-            <a:r>
-              <a:rPr lang="ko-KR" altLang="en-US" dirty="0" smtClean="0"/>
-              <a:t>대한 </a:t>
-            </a:r>
-            <a:r>
-              <a:rPr lang="ko-KR" altLang="en-US" dirty="0" smtClean="0"/>
-              <a:t>요청을 한다는 것은 정확히 말해 리소스 그 자체가 아니라 리소스에 대한 표현이다</a:t>
+              <a:t>리소스에 대한 요청을 한다는 것은 정확히 말해 리소스 그 자체가 아니라 리소스에 대한 표현이다</a:t>
             </a:r>
             <a:r>
               <a:rPr lang="en-US" altLang="ko-KR" dirty="0" smtClean="0"/>
@@ -5040,11 +5033,7 @@
             </a:r>
             <a:r>
               <a:rPr lang="ko-KR" altLang="en-US" dirty="0" smtClean="0"/>
-              <a:t>의 데이터를 요청 </a:t>
-            </a:r>
-            <a:r>
-              <a:rPr lang="ko-KR" altLang="en-US" dirty="0" smtClean="0"/>
-              <a:t>한다는 것은 </a:t>
+              <a:t>의 데이터를 요청 한다는 것은 </a:t>
             </a:r>
             <a:r>
               <a:rPr lang="en-US" altLang="ko-KR" dirty="0" smtClean="0"/>
@@ -5060,15 +5049,7 @@
             </a:r>
             <a:r>
               <a:rPr lang="ko-KR" altLang="en-US" dirty="0" smtClean="0"/>
-              <a:t>데이터를 읽어서 </a:t>
-            </a:r>
-            <a:r>
-              <a:rPr lang="ko-KR" altLang="en-US" dirty="0" smtClean="0"/>
-              <a:t>그것에 대한 </a:t>
-            </a:r>
-            <a:r>
-              <a:rPr lang="ko-KR" altLang="en-US" dirty="0" smtClean="0"/>
-              <a:t>표현 </a:t>
+              <a:t>데이터를 읽어서 그것에 대한 표현 </a:t>
             </a:r>
             <a:r>
               <a:rPr lang="en-US" altLang="ko-KR" dirty="0" smtClean="0"/>
@@ -5100,12 +5081,12 @@
               <a:t>그래서 요청을 </a:t>
             </a:r>
             <a:r>
-              <a:rPr lang="ko-KR" altLang="en-US" dirty="0" err="1" smtClean="0"/>
-              <a:t>보낼때</a:t>
-            </a:r>
-            <a:r>
               <a:rPr lang="ko-KR" altLang="en-US" dirty="0" smtClean="0"/>
-              <a:t> 어떤 데이터를 처리할 수 있는지</a:t>
+              <a:t>보낼 때 </a:t>
+            </a:r>
+            <a:r>
+              <a:rPr lang="ko-KR" altLang="en-US" dirty="0" smtClean="0"/>
+              <a:t>어떤 데이터를 처리할 수 있는지</a:t>
             </a:r>
             <a:r>
               <a:rPr lang="en-US" altLang="ko-KR" dirty="0" smtClean="0"/>
@@ -5116,12 +5097,16 @@
               <a:t>어떤 데이터로 </a:t>
             </a:r>
             <a:r>
-              <a:rPr lang="ko-KR" altLang="en-US" dirty="0" err="1" smtClean="0"/>
-              <a:t>보낼것인지를</a:t>
-            </a:r>
-            <a:r>
               <a:rPr lang="ko-KR" altLang="en-US" dirty="0" smtClean="0"/>
-              <a:t> </a:t>
+              <a:t>보낼 </a:t>
+            </a:r>
+            <a:r>
+              <a:rPr lang="ko-KR" altLang="en-US" dirty="0"/>
+              <a:t>것</a:t>
+            </a:r>
+            <a:r>
+              <a:rPr lang="ko-KR" altLang="en-US" dirty="0" smtClean="0"/>
+              <a:t>인지를 </a:t>
             </a:r>
             <a:r>
               <a:rPr lang="ko-KR" altLang="en-US" dirty="0" smtClean="0"/>
@@ -5234,8 +5219,8 @@
         </p:nvSpPr>
         <p:spPr>
           <a:xfrm>
-            <a:off x="1930398" y="1099127"/>
-            <a:ext cx="8174183" cy="2862322"/>
+            <a:off x="1930398" y="1112456"/>
+            <a:ext cx="8174183" cy="3293209"/>
           </a:xfrm>
           <a:prstGeom prst="rect">
             <a:avLst/>
@@ -5248,82 +5233,172 @@
           </a:bodyPr>
           <a:lstStyle/>
           <a:p>
-            <a:r>
-              <a:rPr lang="ko-KR" altLang="en-US" dirty="0" smtClean="0"/>
+            <a:pPr marL="285750" indent="-285750">
+              <a:buFont typeface="Arial" panose="020B0604020202020204" pitchFamily="34" charset="0"/>
+              <a:buChar char="•"/>
+            </a:pPr>
+            <a:r>
+              <a:rPr lang="ko-KR" altLang="en-US" sz="1600" dirty="0" smtClean="0"/>
               <a:t>각 </a:t>
             </a:r>
             <a:r>
-              <a:rPr lang="ko-KR" altLang="en-US" dirty="0"/>
+              <a:rPr lang="ko-KR" altLang="en-US" sz="1600" dirty="0"/>
               <a:t>요청은 </a:t>
             </a:r>
             <a:r>
-              <a:rPr lang="ko-KR" altLang="en-US" dirty="0" smtClean="0"/>
+              <a:rPr lang="ko-KR" altLang="en-US" sz="1600" dirty="0" smtClean="0"/>
               <a:t>별개이기 때문에</a:t>
             </a:r>
             <a:r>
-              <a:rPr lang="en-US" altLang="ko-KR" dirty="0" smtClean="0"/>
+              <a:rPr lang="en-US" altLang="ko-KR" sz="1600" dirty="0" smtClean="0"/>
               <a:t> </a:t>
             </a:r>
             <a:r>
-              <a:rPr lang="ko-KR" altLang="en-US" dirty="0" smtClean="0"/>
+              <a:rPr lang="ko-KR" altLang="en-US" sz="1600" dirty="0" smtClean="0"/>
               <a:t>요청과 응답 메시지는 메시지만 보고도 어떤 것인지 충분히 잘 알 수 있도록 해야 한다</a:t>
             </a:r>
             <a:r>
-              <a:rPr lang="en-US" altLang="ko-KR" dirty="0" smtClean="0"/>
+              <a:rPr lang="en-US" altLang="ko-KR" sz="1600" dirty="0" smtClean="0"/>
               <a:t>.</a:t>
             </a:r>
           </a:p>
           <a:p>
-            <a:endParaRPr lang="en-US" altLang="ko-KR" dirty="0"/>
-          </a:p>
-          <a:p>
-            <a:r>
-              <a:rPr lang="en-US" altLang="ko-KR" dirty="0" smtClean="0"/>
+            <a:pPr marL="285750" indent="-285750">
+              <a:buFont typeface="Arial" panose="020B0604020202020204" pitchFamily="34" charset="0"/>
+              <a:buChar char="•"/>
+            </a:pPr>
+            <a:endParaRPr lang="en-US" altLang="ko-KR" sz="1600" dirty="0"/>
+          </a:p>
+          <a:p>
+            <a:pPr marL="285750" indent="-285750">
+              <a:buFont typeface="Arial" panose="020B0604020202020204" pitchFamily="34" charset="0"/>
+              <a:buChar char="•"/>
+            </a:pPr>
+            <a:r>
+              <a:rPr lang="en-US" altLang="ko-KR" sz="1600" dirty="0" smtClean="0"/>
               <a:t>HTTP </a:t>
             </a:r>
             <a:r>
-              <a:rPr lang="ko-KR" altLang="en-US" dirty="0" err="1" smtClean="0"/>
+              <a:rPr lang="ko-KR" altLang="en-US" sz="1600" dirty="0" err="1" smtClean="0"/>
               <a:t>메서드를</a:t>
             </a:r>
             <a:r>
-              <a:rPr lang="ko-KR" altLang="en-US" dirty="0" smtClean="0"/>
+              <a:rPr lang="ko-KR" altLang="en-US" sz="1600" dirty="0" smtClean="0"/>
               <a:t> 통해 리소스에 대해 어떤 행위를 하는지 나타낸다</a:t>
             </a:r>
             <a:r>
-              <a:rPr lang="en-US" altLang="ko-KR" dirty="0" smtClean="0"/>
+              <a:rPr lang="en-US" altLang="ko-KR" sz="1600" dirty="0" smtClean="0"/>
               <a:t>.</a:t>
             </a:r>
           </a:p>
           <a:p>
-            <a:endParaRPr lang="en-US" altLang="ko-KR" dirty="0"/>
-          </a:p>
-          <a:p>
-            <a:r>
-              <a:rPr lang="en-US" altLang="ko-KR" dirty="0" err="1" smtClean="0"/>
-              <a:t>contentType</a:t>
-            </a:r>
-            <a:r>
-              <a:rPr lang="ko-KR" altLang="en-US" dirty="0" smtClean="0"/>
+            <a:pPr marL="285750" indent="-285750">
+              <a:buFont typeface="Arial" panose="020B0604020202020204" pitchFamily="34" charset="0"/>
+              <a:buChar char="•"/>
+            </a:pPr>
+            <a:endParaRPr lang="en-US" altLang="ko-KR" sz="1600" dirty="0"/>
+          </a:p>
+          <a:p>
+            <a:pPr marL="285750" indent="-285750">
+              <a:buFont typeface="Arial" panose="020B0604020202020204" pitchFamily="34" charset="0"/>
+              <a:buChar char="•"/>
+            </a:pPr>
+            <a:r>
+              <a:rPr lang="en-US" altLang="ko-KR" sz="1600" dirty="0" smtClean="0"/>
+              <a:t>content-</a:t>
+            </a:r>
+            <a:r>
+              <a:rPr lang="en-US" altLang="ko-KR" sz="1600" dirty="0" smtClean="0"/>
+              <a:t>t</a:t>
+            </a:r>
+            <a:r>
+              <a:rPr lang="en-US" altLang="ko-KR" sz="1600" dirty="0" smtClean="0"/>
+              <a:t>ype</a:t>
+            </a:r>
+            <a:r>
+              <a:rPr lang="ko-KR" altLang="en-US" sz="1600" dirty="0" smtClean="0"/>
               <a:t>은 리소스에 대한 표현방법을 나타내는데 이것이 없으면 데이터를 가지고 무엇을 해야 하는지 알 수가 없다</a:t>
             </a:r>
             <a:r>
-              <a:rPr lang="en-US" altLang="ko-KR" dirty="0" smtClean="0"/>
+              <a:rPr lang="en-US" altLang="ko-KR" sz="1600" dirty="0" smtClean="0"/>
               <a:t>.</a:t>
             </a:r>
           </a:p>
           <a:p>
-            <a:endParaRPr lang="en-US" altLang="ko-KR" dirty="0"/>
-          </a:p>
-          <a:p>
-            <a:r>
-              <a:rPr lang="ko-KR" altLang="en-US" dirty="0" smtClean="0"/>
+            <a:pPr marL="285750" indent="-285750">
+              <a:buFont typeface="Arial" panose="020B0604020202020204" pitchFamily="34" charset="0"/>
+              <a:buChar char="•"/>
+            </a:pPr>
+            <a:endParaRPr lang="en-US" altLang="ko-KR" sz="1600" dirty="0"/>
+          </a:p>
+          <a:p>
+            <a:pPr marL="285750" indent="-285750">
+              <a:buFont typeface="Arial" panose="020B0604020202020204" pitchFamily="34" charset="0"/>
+              <a:buChar char="•"/>
+            </a:pPr>
+            <a:r>
+              <a:rPr lang="ko-KR" altLang="en-US" sz="1600" dirty="0" smtClean="0"/>
+              <a:t>필요하다면 </a:t>
+            </a:r>
+            <a:r>
+              <a:rPr lang="en-US" altLang="ko-KR" sz="1600" dirty="0" smtClean="0"/>
+              <a:t>IANA</a:t>
+            </a:r>
+            <a:r>
+              <a:rPr lang="ko-KR" altLang="en-US" sz="1600" dirty="0" smtClean="0"/>
+              <a:t>에 </a:t>
+            </a:r>
+            <a:r>
+              <a:rPr lang="en-US" altLang="ko-KR" sz="1600" dirty="0" smtClean="0"/>
+              <a:t>content-type</a:t>
+            </a:r>
+            <a:r>
+              <a:rPr lang="ko-KR" altLang="en-US" sz="1600" dirty="0" smtClean="0"/>
+              <a:t>을 등록하거나</a:t>
+            </a:r>
+            <a:r>
+              <a:rPr lang="en-US" altLang="ko-KR" sz="1600" dirty="0" smtClean="0"/>
+              <a:t>, </a:t>
+            </a:r>
+            <a:r>
+              <a:rPr lang="en-US" altLang="ko-KR" sz="1600" dirty="0" err="1" smtClean="0"/>
+              <a:t>api</a:t>
+            </a:r>
+            <a:r>
+              <a:rPr lang="en-US" altLang="ko-KR" sz="1600" dirty="0" smtClean="0"/>
+              <a:t> doc</a:t>
+            </a:r>
+            <a:r>
+              <a:rPr lang="ko-KR" altLang="en-US" sz="1600" dirty="0" smtClean="0"/>
+              <a:t>에 대한 링크를 추가로 명시해준다</a:t>
+            </a:r>
+            <a:r>
+              <a:rPr lang="en-US" altLang="ko-KR" sz="1600" dirty="0" smtClean="0"/>
+              <a:t>.</a:t>
+            </a:r>
+            <a:endParaRPr lang="en-US" altLang="ko-KR" sz="1600" dirty="0" smtClean="0"/>
+          </a:p>
+          <a:p>
+            <a:pPr marL="285750" indent="-285750">
+              <a:buFont typeface="Arial" panose="020B0604020202020204" pitchFamily="34" charset="0"/>
+              <a:buChar char="•"/>
+            </a:pPr>
+            <a:endParaRPr lang="en-US" altLang="ko-KR" sz="1600" dirty="0"/>
+          </a:p>
+          <a:p>
+            <a:pPr marL="285750" indent="-285750">
+              <a:buFont typeface="Arial" panose="020B0604020202020204" pitchFamily="34" charset="0"/>
+              <a:buChar char="•"/>
+            </a:pPr>
+            <a:r>
+              <a:rPr lang="ko-KR" altLang="en-US" sz="1600" dirty="0" smtClean="0"/>
               <a:t>등등 필요한 모든 것을 기술해서 메시지만 가지고도 무엇을 해야 하는지 알 수 있어야 한다</a:t>
             </a:r>
             <a:r>
-              <a:rPr lang="en-US" altLang="ko-KR" dirty="0"/>
+              <a:rPr lang="en-US" altLang="ko-KR" sz="1600" dirty="0"/>
               <a:t>.</a:t>
             </a:r>
-            <a:endParaRPr lang="en-US" altLang="ko-KR" dirty="0" smtClean="0"/>
+            <a:endParaRPr lang="en-US" altLang="ko-KR" sz="1600" dirty="0" smtClean="0"/>
           </a:p>
         </p:txBody>
       </p:sp>
@@ -5336,14 +5411,14 @@
           <p:nvPr>
             <p:extLst>
               <p:ext uri="{D42A27DB-BD31-4B8C-83A1-F6EECF244321}">
-                <p14:modId xmlns:p14="http://schemas.microsoft.com/office/powerpoint/2010/main" val="1919161444"/>
+                <p14:modId xmlns:p14="http://schemas.microsoft.com/office/powerpoint/2010/main" val="2649088084"/>
               </p:ext>
             </p:extLst>
           </p:nvPr>
         </p:nvGraphicFramePr>
         <p:xfrm>
-          <a:off x="2073189" y="4171732"/>
-          <a:ext cx="8128000" cy="2219960"/>
+          <a:off x="2364260" y="4563761"/>
+          <a:ext cx="7501424" cy="2194560"/>
         </p:xfrm>
         <a:graphic>
           <a:graphicData uri="http://schemas.openxmlformats.org/drawingml/2006/table">
@@ -5352,10 +5427,10 @@
                 <a:tableStyleId>{F5AB1C69-6EDB-4FF4-983F-18BD219EF322}</a:tableStyleId>
               </a:tblPr>
               <a:tblGrid>
-                <a:gridCol w="4064000"/>
-                <a:gridCol w="4064000"/>
+                <a:gridCol w="3750712"/>
+                <a:gridCol w="3750712"/>
               </a:tblGrid>
-              <a:tr h="0">
+              <a:tr h="272622">
                 <a:tc>
                   <a:txBody>
                     <a:bodyPr/>
@@ -5387,7 +5462,7 @@
                   <a:tcPr/>
                 </a:tc>
               </a:tr>
-              <a:tr h="370840">
+              <a:tr h="276408">
                 <a:tc>
                   <a:txBody>
                     <a:bodyPr/>
@@ -5419,7 +5494,7 @@
                   <a:tcPr/>
                 </a:tc>
               </a:tr>
-              <a:tr h="370840">
+              <a:tr h="276408">
                 <a:tc>
                   <a:txBody>
                     <a:bodyPr/>
@@ -5451,7 +5526,7 @@
                   <a:tcPr/>
                 </a:tc>
               </a:tr>
-              <a:tr h="370840">
+              <a:tr h="276408">
                 <a:tc>
                   <a:txBody>
                     <a:bodyPr/>
@@ -5495,7 +5570,7 @@
                   <a:tcPr/>
                 </a:tc>
               </a:tr>
-              <a:tr h="370840">
+              <a:tr h="276408">
                 <a:tc>
                   <a:txBody>
                     <a:bodyPr/>
@@ -5527,7 +5602,7 @@
                   <a:tcPr/>
                 </a:tc>
               </a:tr>
-              <a:tr h="370840">
+              <a:tr h="276408">
                 <a:tc>
                   <a:txBody>
                     <a:bodyPr/>
@@ -5814,8 +5889,8 @@
         </p:nvSpPr>
         <p:spPr>
           <a:xfrm>
-            <a:off x="1993557" y="1458782"/>
-            <a:ext cx="7356389" cy="369332"/>
+            <a:off x="1804087" y="1458782"/>
+            <a:ext cx="7916562" cy="369332"/>
           </a:xfrm>
           <a:prstGeom prst="rect">
             <a:avLst/>
@@ -5838,7 +5913,15 @@
             </a:r>
             <a:r>
               <a:rPr lang="ko-KR" altLang="en-US" dirty="0" smtClean="0"/>
-              <a:t>하기 위해 만들어진 기술</a:t>
+              <a:t>하기 위해 </a:t>
+            </a:r>
+            <a:r>
+              <a:rPr lang="ko-KR" altLang="en-US" dirty="0" smtClean="0"/>
+              <a:t>만들어진 </a:t>
+            </a:r>
+            <a:r>
+              <a:rPr lang="ko-KR" altLang="en-US" dirty="0" smtClean="0"/>
+              <a:t>프로젝트</a:t>
             </a:r>
             <a:endParaRPr lang="ko-KR" altLang="en-US" dirty="0"/>
           </a:p>
@@ -6151,16 +6234,8 @@
           <a:lstStyle/>
           <a:p>
             <a:r>
-              <a:rPr lang="en-US" altLang="ko-KR" sz="2400" dirty="0" smtClean="0"/>
-              <a:t>REST </a:t>
-            </a:r>
-            <a:r>
               <a:rPr lang="ko-KR" altLang="en-US" sz="2400" dirty="0" smtClean="0"/>
-              <a:t>특징을 전부다 꼭 지켜야 하는가</a:t>
-            </a:r>
-            <a:r>
-              <a:rPr lang="en-US" altLang="ko-KR" sz="2400" dirty="0" smtClean="0"/>
-              <a:t>?</a:t>
+              <a:t>정리</a:t>
             </a:r>
             <a:endParaRPr lang="en-US" altLang="ko-KR" sz="2400" dirty="0"/>
           </a:p>
@@ -6168,14 +6243,14 @@
       </p:sp>
       <p:sp>
         <p:nvSpPr>
-          <p:cNvPr id="2" name="TextBox 1"/>
+          <p:cNvPr id="5" name="TextBox 4"/>
           <p:cNvSpPr txBox="1"/>
           <p:nvPr/>
         </p:nvSpPr>
         <p:spPr>
           <a:xfrm>
-            <a:off x="2576946" y="1838037"/>
-            <a:ext cx="6844146" cy="2308324"/>
+            <a:off x="2254421" y="1002237"/>
+            <a:ext cx="6881092" cy="4801314"/>
           </a:xfrm>
           <a:prstGeom prst="rect">
             <a:avLst/>
@@ -6187,6 +6262,314 @@
             <a:spAutoFit/>
           </a:bodyPr>
           <a:lstStyle/>
+          <a:p>
+            <a:pPr marL="285750" indent="-285750">
+              <a:buFont typeface="Arial" panose="020B0604020202020204" pitchFamily="34" charset="0"/>
+              <a:buChar char="•"/>
+            </a:pPr>
+            <a:r>
+              <a:rPr lang="en-US" altLang="ko-KR" dirty="0" smtClean="0"/>
+              <a:t>REST API</a:t>
+            </a:r>
+            <a:r>
+              <a:rPr lang="ko-KR" altLang="en-US" dirty="0" smtClean="0"/>
+              <a:t>는 </a:t>
+            </a:r>
+            <a:r>
+              <a:rPr lang="ko-KR" altLang="en-US" dirty="0" smtClean="0"/>
+              <a:t>기존 </a:t>
+            </a:r>
+            <a:r>
+              <a:rPr lang="en-US" altLang="ko-KR" dirty="0" smtClean="0"/>
+              <a:t>WEB</a:t>
+            </a:r>
+            <a:r>
+              <a:rPr lang="ko-KR" altLang="en-US" dirty="0" smtClean="0"/>
+              <a:t>생태계와 호환성을 유지하면서 </a:t>
+            </a:r>
+            <a:r>
+              <a:rPr lang="en-US" altLang="ko-KR" dirty="0" smtClean="0"/>
+              <a:t>HTTP</a:t>
+            </a:r>
+            <a:r>
+              <a:rPr lang="ko-KR" altLang="en-US" dirty="0" smtClean="0"/>
+              <a:t>를 발전시키기 위해 권고되어지는 클라이언트와 서버간의 상호작용에 대한 아키텍처이다</a:t>
+            </a:r>
+            <a:r>
+              <a:rPr lang="en-US" altLang="ko-KR" dirty="0" smtClean="0"/>
+              <a:t>.</a:t>
+            </a:r>
+          </a:p>
+          <a:p>
+            <a:pPr marL="285750" indent="-285750">
+              <a:buFont typeface="Arial" panose="020B0604020202020204" pitchFamily="34" charset="0"/>
+              <a:buChar char="•"/>
+            </a:pPr>
+            <a:endParaRPr lang="en-US" altLang="ko-KR" dirty="0" smtClean="0"/>
+          </a:p>
+          <a:p>
+            <a:pPr marL="285750" indent="-285750">
+              <a:buFont typeface="Arial" panose="020B0604020202020204" pitchFamily="34" charset="0"/>
+              <a:buChar char="•"/>
+            </a:pPr>
+            <a:r>
+              <a:rPr lang="en-US" altLang="ko-KR" dirty="0" smtClean="0"/>
+              <a:t>Uniform Interface (</a:t>
+            </a:r>
+            <a:r>
+              <a:rPr lang="ko-KR" altLang="en-US" dirty="0" smtClean="0"/>
+              <a:t>일관된 상호작용</a:t>
+            </a:r>
+            <a:r>
+              <a:rPr lang="en-US" altLang="ko-KR" dirty="0" smtClean="0"/>
+              <a:t>) </a:t>
+            </a:r>
+            <a:r>
+              <a:rPr lang="ko-KR" altLang="en-US" dirty="0" smtClean="0"/>
+              <a:t>외에는 현재 잘 따르고 있다</a:t>
+            </a:r>
+            <a:r>
+              <a:rPr lang="en-US" altLang="ko-KR" dirty="0" smtClean="0"/>
+              <a:t>.</a:t>
+            </a:r>
+          </a:p>
+          <a:p>
+            <a:pPr marL="285750" indent="-285750">
+              <a:buFont typeface="Arial" panose="020B0604020202020204" pitchFamily="34" charset="0"/>
+              <a:buChar char="•"/>
+            </a:pPr>
+            <a:endParaRPr lang="en-US" altLang="ko-KR" dirty="0" smtClean="0"/>
+          </a:p>
+          <a:p>
+            <a:pPr marL="285750" indent="-285750">
+              <a:buFont typeface="Arial" panose="020B0604020202020204" pitchFamily="34" charset="0"/>
+              <a:buChar char="•"/>
+            </a:pPr>
+            <a:r>
+              <a:rPr lang="en-US" altLang="ko-KR" dirty="0" smtClean="0"/>
+              <a:t>URI</a:t>
+            </a:r>
+            <a:r>
+              <a:rPr lang="ko-KR" altLang="en-US" dirty="0" smtClean="0"/>
+              <a:t>는 리소스에 대한 표현을 최대한 잘 나타내야 한다</a:t>
+            </a:r>
+            <a:r>
+              <a:rPr lang="en-US" altLang="ko-KR" dirty="0" smtClean="0"/>
+              <a:t>.</a:t>
+            </a:r>
+          </a:p>
+          <a:p>
+            <a:pPr marL="285750" indent="-285750">
+              <a:buFont typeface="Arial" panose="020B0604020202020204" pitchFamily="34" charset="0"/>
+              <a:buChar char="•"/>
+            </a:pPr>
+            <a:endParaRPr lang="en-US" altLang="ko-KR" dirty="0" smtClean="0"/>
+          </a:p>
+          <a:p>
+            <a:pPr marL="285750" indent="-285750">
+              <a:buFont typeface="Arial" panose="020B0604020202020204" pitchFamily="34" charset="0"/>
+              <a:buChar char="•"/>
+            </a:pPr>
+            <a:r>
+              <a:rPr lang="ko-KR" altLang="en-US" dirty="0"/>
+              <a:t>클라이언트는 </a:t>
+            </a:r>
+            <a:r>
+              <a:rPr lang="ko-KR" altLang="en-US" dirty="0" smtClean="0"/>
+              <a:t>리소스에 대한 표현을 통해 리소스를 조작한다</a:t>
+            </a:r>
+            <a:r>
+              <a:rPr lang="en-US" altLang="ko-KR" dirty="0" smtClean="0"/>
+              <a:t>.</a:t>
+            </a:r>
+            <a:r>
+              <a:rPr lang="ko-KR" altLang="en-US" dirty="0" smtClean="0"/>
+              <a:t> 그래서 그 표현에 대한 형식을 잘 명시해야 한다</a:t>
+            </a:r>
+            <a:r>
+              <a:rPr lang="en-US" altLang="ko-KR" dirty="0" smtClean="0"/>
+              <a:t>.</a:t>
+            </a:r>
+          </a:p>
+          <a:p>
+            <a:pPr marL="285750" indent="-285750">
+              <a:buFont typeface="Arial" panose="020B0604020202020204" pitchFamily="34" charset="0"/>
+              <a:buChar char="•"/>
+            </a:pPr>
+            <a:endParaRPr lang="en-US" altLang="ko-KR" dirty="0"/>
+          </a:p>
+          <a:p>
+            <a:pPr marL="285750" indent="-285750">
+              <a:buFont typeface="Arial" panose="020B0604020202020204" pitchFamily="34" charset="0"/>
+              <a:buChar char="•"/>
+            </a:pPr>
+            <a:r>
+              <a:rPr lang="en-US" altLang="ko-KR" dirty="0" smtClean="0"/>
+              <a:t>HTTP </a:t>
+            </a:r>
+            <a:r>
+              <a:rPr lang="ko-KR" altLang="en-US" dirty="0" smtClean="0"/>
+              <a:t>메시지는 충분히 필요한 내용을 모두 담고 </a:t>
+            </a:r>
+            <a:r>
+              <a:rPr lang="ko-KR" altLang="en-US" dirty="0" err="1" smtClean="0"/>
+              <a:t>있어야한다</a:t>
+            </a:r>
+            <a:r>
+              <a:rPr lang="en-US" altLang="ko-KR" dirty="0" smtClean="0"/>
+              <a:t>.</a:t>
+            </a:r>
+          </a:p>
+          <a:p>
+            <a:pPr marL="285750" indent="-285750">
+              <a:buFont typeface="Arial" panose="020B0604020202020204" pitchFamily="34" charset="0"/>
+              <a:buChar char="•"/>
+            </a:pPr>
+            <a:endParaRPr lang="en-US" altLang="ko-KR" dirty="0"/>
+          </a:p>
+          <a:p>
+            <a:pPr marL="285750" indent="-285750">
+              <a:buFont typeface="Arial" panose="020B0604020202020204" pitchFamily="34" charset="0"/>
+              <a:buChar char="•"/>
+            </a:pPr>
+            <a:r>
+              <a:rPr lang="en-US" altLang="ko-KR" dirty="0" smtClean="0"/>
+              <a:t>HTTP </a:t>
+            </a:r>
+            <a:r>
+              <a:rPr lang="ko-KR" altLang="en-US" dirty="0" smtClean="0"/>
+              <a:t>응답에는 서버로 다른 요청을 전달할 수 있는 링크가 포함되어 있어서 클라이언트가 다른 요청으로 전이할 수 있어야 한다</a:t>
+            </a:r>
+            <a:r>
+              <a:rPr lang="en-US" altLang="ko-KR" dirty="0" smtClean="0"/>
+              <a:t>.</a:t>
+            </a:r>
+            <a:endParaRPr lang="en-US" altLang="ko-KR" dirty="0"/>
+          </a:p>
+        </p:txBody>
+      </p:sp>
+    </p:spTree>
+    <p:extLst>
+      <p:ext uri="{BB962C8B-B14F-4D97-AF65-F5344CB8AC3E}">
+        <p14:creationId xmlns:p14="http://schemas.microsoft.com/office/powerpoint/2010/main" val="80954314"/>
+      </p:ext>
+    </p:extLst>
+  </p:cSld>
+  <p:clrMapOvr>
+    <a:masterClrMapping/>
+  </p:clrMapOvr>
+  <p:timing>
+    <p:tnLst>
+      <p:par>
+        <p:cTn id="1" dur="indefinite" restart="never" nodeType="tmRoot"/>
+      </p:par>
+    </p:tnLst>
+  </p:timing>
+</p:sld>
+</file>
+
+<file path=ppt/slides/slide21.xml><?xml version="1.0" encoding="utf-8"?>
+<p:sld xmlns:a="http://schemas.openxmlformats.org/drawingml/2006/main" xmlns:r="http://schemas.openxmlformats.org/officeDocument/2006/relationships" xmlns:p="http://schemas.openxmlformats.org/presentationml/2006/main">
+  <p:cSld>
+    <p:spTree>
+      <p:nvGrpSpPr>
+        <p:cNvPr id="1" name=""/>
+        <p:cNvGrpSpPr/>
+        <p:nvPr/>
+      </p:nvGrpSpPr>
+      <p:grpSpPr>
+        <a:xfrm>
+          <a:off x="0" y="0"/>
+          <a:ext cx="0" cy="0"/>
+          <a:chOff x="0" y="0"/>
+          <a:chExt cx="0" cy="0"/>
+        </a:xfrm>
+      </p:grpSpPr>
+      <p:sp>
+        <p:nvSpPr>
+          <p:cNvPr id="9" name="TextBox 8"/>
+          <p:cNvSpPr txBox="1"/>
+          <p:nvPr/>
+        </p:nvSpPr>
+        <p:spPr>
+          <a:xfrm>
+            <a:off x="788771" y="321276"/>
+            <a:ext cx="6221629" cy="461665"/>
+          </a:xfrm>
+          <a:prstGeom prst="rect">
+            <a:avLst/>
+          </a:prstGeom>
+          <a:noFill/>
+        </p:spPr>
+        <p:txBody>
+          <a:bodyPr wrap="square" rtlCol="0">
+            <a:spAutoFit/>
+          </a:bodyPr>
+          <a:lstStyle/>
+          <a:p>
+            <a:r>
+              <a:rPr lang="en-US" altLang="ko-KR" sz="2400" dirty="0" smtClean="0"/>
+              <a:t>REST </a:t>
+            </a:r>
+            <a:r>
+              <a:rPr lang="ko-KR" altLang="en-US" sz="2400" dirty="0" smtClean="0"/>
+              <a:t>특징을 전부다 꼭 지켜야 하는가</a:t>
+            </a:r>
+            <a:r>
+              <a:rPr lang="en-US" altLang="ko-KR" sz="2400" dirty="0" smtClean="0"/>
+              <a:t>?</a:t>
+            </a:r>
+            <a:endParaRPr lang="en-US" altLang="ko-KR" sz="2400" dirty="0"/>
+          </a:p>
+        </p:txBody>
+      </p:sp>
+      <p:sp>
+        <p:nvSpPr>
+          <p:cNvPr id="2" name="TextBox 1"/>
+          <p:cNvSpPr txBox="1"/>
+          <p:nvPr/>
+        </p:nvSpPr>
+        <p:spPr>
+          <a:xfrm>
+            <a:off x="2576946" y="1838037"/>
+            <a:ext cx="6844146" cy="2862322"/>
+          </a:xfrm>
+          <a:prstGeom prst="rect">
+            <a:avLst/>
+          </a:prstGeom>
+          <a:noFill/>
+        </p:spPr>
+        <p:txBody>
+          <a:bodyPr wrap="square" rtlCol="0">
+            <a:spAutoFit/>
+          </a:bodyPr>
+          <a:lstStyle/>
+          <a:p>
+            <a:pPr marL="285750" indent="-285750">
+              <a:buFont typeface="Arial" panose="020B0604020202020204" pitchFamily="34" charset="0"/>
+              <a:buChar char="•"/>
+            </a:pPr>
+            <a:r>
+              <a:rPr lang="en-US" altLang="ko-KR" dirty="0" smtClean="0"/>
+              <a:t>Uniform Interface</a:t>
+            </a:r>
+            <a:r>
+              <a:rPr lang="ko-KR" altLang="en-US" dirty="0" smtClean="0"/>
+              <a:t>외에는 다 제대로 지켜지고 있음</a:t>
+            </a:r>
+            <a:r>
+              <a:rPr lang="en-US" altLang="ko-KR" dirty="0" smtClean="0"/>
+              <a:t>.</a:t>
+            </a:r>
+            <a:endParaRPr lang="en-US" altLang="ko-KR" dirty="0" smtClean="0"/>
+          </a:p>
+          <a:p>
+            <a:pPr marL="285750" indent="-285750">
+              <a:buFont typeface="Arial" panose="020B0604020202020204" pitchFamily="34" charset="0"/>
+              <a:buChar char="•"/>
+            </a:pPr>
+            <a:endParaRPr lang="en-US" altLang="ko-KR" dirty="0"/>
+          </a:p>
           <a:p>
             <a:pPr marL="285750" indent="-285750">
               <a:buFont typeface="Arial" panose="020B0604020202020204" pitchFamily="34" charset="0"/>
@@ -6537,11 +6920,7 @@
             </a:r>
             <a:r>
               <a:rPr lang="ko-KR" altLang="en-US" sz="1400" dirty="0" smtClean="0"/>
-              <a:t>오픈 소스 경량급 </a:t>
-            </a:r>
-            <a:r>
-              <a:rPr lang="ko-KR" altLang="en-US" sz="1400" dirty="0" smtClean="0"/>
-              <a:t>애플리케이션 프레임워크</a:t>
+              <a:t>오픈 소스 경량급 애플리케이션 프레임워크</a:t>
             </a:r>
             <a:endParaRPr lang="ko-KR" altLang="en-US" sz="1400" dirty="0"/>
           </a:p>
@@ -7082,15 +7461,7 @@
             </a:r>
             <a:r>
               <a:rPr lang="ko-KR" altLang="en-US" sz="1400" dirty="0" smtClean="0"/>
-              <a:t>오히려 </a:t>
-            </a:r>
-            <a:r>
-              <a:rPr lang="ko-KR" altLang="en-US" sz="1400" dirty="0" smtClean="0"/>
-              <a:t>엄청 </a:t>
-            </a:r>
-            <a:r>
-              <a:rPr lang="ko-KR" altLang="en-US" sz="1400" dirty="0" smtClean="0"/>
-              <a:t>복잡하다</a:t>
+              <a:t>오히려 엄청 복잡하다</a:t>
             </a:r>
             <a:r>
               <a:rPr lang="en-US" altLang="ko-KR" sz="1400" dirty="0" smtClean="0"/>
@@ -7875,15 +8246,7 @@
           <a:p>
             <a:r>
               <a:rPr lang="ko-KR" altLang="en-US" sz="1600" dirty="0" smtClean="0"/>
-              <a:t>같은 </a:t>
-            </a:r>
-            <a:r>
-              <a:rPr lang="ko-KR" altLang="en-US" sz="1600" dirty="0" smtClean="0"/>
-              <a:t>기능이지만 </a:t>
-            </a:r>
-            <a:r>
-              <a:rPr lang="ko-KR" altLang="en-US" sz="1600" dirty="0" smtClean="0"/>
-              <a:t>구현체가 다른 기술은 </a:t>
+              <a:t>같은 기능이지만 구현체가 다른 기술은 </a:t>
             </a:r>
             <a:r>
               <a:rPr lang="ko-KR" altLang="en-US" sz="1600" b="1" dirty="0" smtClean="0"/>

--- a/SpringBoot Rest API.pptx
+++ b/SpringBoot Rest API.pptx
@@ -263,7 +263,7 @@
           <a:p>
             <a:fld id="{B1912746-E8EE-4601-AF5D-438D1FBB3BE7}" type="datetimeFigureOut">
               <a:rPr lang="ko-KR" altLang="en-US" smtClean="0"/>
-              <a:t>2020-11-23</a:t>
+              <a:t>2020-11-24</a:t>
             </a:fld>
             <a:endParaRPr lang="ko-KR" altLang="en-US"/>
           </a:p>
@@ -433,7 +433,7 @@
           <a:p>
             <a:fld id="{B1912746-E8EE-4601-AF5D-438D1FBB3BE7}" type="datetimeFigureOut">
               <a:rPr lang="ko-KR" altLang="en-US" smtClean="0"/>
-              <a:t>2020-11-23</a:t>
+              <a:t>2020-11-24</a:t>
             </a:fld>
             <a:endParaRPr lang="ko-KR" altLang="en-US"/>
           </a:p>
@@ -613,7 +613,7 @@
           <a:p>
             <a:fld id="{B1912746-E8EE-4601-AF5D-438D1FBB3BE7}" type="datetimeFigureOut">
               <a:rPr lang="ko-KR" altLang="en-US" smtClean="0"/>
-              <a:t>2020-11-23</a:t>
+              <a:t>2020-11-24</a:t>
             </a:fld>
             <a:endParaRPr lang="ko-KR" altLang="en-US"/>
           </a:p>
@@ -783,7 +783,7 @@
           <a:p>
             <a:fld id="{B1912746-E8EE-4601-AF5D-438D1FBB3BE7}" type="datetimeFigureOut">
               <a:rPr lang="ko-KR" altLang="en-US" smtClean="0"/>
-              <a:t>2020-11-23</a:t>
+              <a:t>2020-11-24</a:t>
             </a:fld>
             <a:endParaRPr lang="ko-KR" altLang="en-US"/>
           </a:p>
@@ -1029,7 +1029,7 @@
           <a:p>
             <a:fld id="{B1912746-E8EE-4601-AF5D-438D1FBB3BE7}" type="datetimeFigureOut">
               <a:rPr lang="ko-KR" altLang="en-US" smtClean="0"/>
-              <a:t>2020-11-23</a:t>
+              <a:t>2020-11-24</a:t>
             </a:fld>
             <a:endParaRPr lang="ko-KR" altLang="en-US"/>
           </a:p>
@@ -1261,7 +1261,7 @@
           <a:p>
             <a:fld id="{B1912746-E8EE-4601-AF5D-438D1FBB3BE7}" type="datetimeFigureOut">
               <a:rPr lang="ko-KR" altLang="en-US" smtClean="0"/>
-              <a:t>2020-11-23</a:t>
+              <a:t>2020-11-24</a:t>
             </a:fld>
             <a:endParaRPr lang="ko-KR" altLang="en-US"/>
           </a:p>
@@ -1628,7 +1628,7 @@
           <a:p>
             <a:fld id="{B1912746-E8EE-4601-AF5D-438D1FBB3BE7}" type="datetimeFigureOut">
               <a:rPr lang="ko-KR" altLang="en-US" smtClean="0"/>
-              <a:t>2020-11-23</a:t>
+              <a:t>2020-11-24</a:t>
             </a:fld>
             <a:endParaRPr lang="ko-KR" altLang="en-US"/>
           </a:p>
@@ -1746,7 +1746,7 @@
           <a:p>
             <a:fld id="{B1912746-E8EE-4601-AF5D-438D1FBB3BE7}" type="datetimeFigureOut">
               <a:rPr lang="ko-KR" altLang="en-US" smtClean="0"/>
-              <a:t>2020-11-23</a:t>
+              <a:t>2020-11-24</a:t>
             </a:fld>
             <a:endParaRPr lang="ko-KR" altLang="en-US"/>
           </a:p>
@@ -1841,7 +1841,7 @@
           <a:p>
             <a:fld id="{B1912746-E8EE-4601-AF5D-438D1FBB3BE7}" type="datetimeFigureOut">
               <a:rPr lang="ko-KR" altLang="en-US" smtClean="0"/>
-              <a:t>2020-11-23</a:t>
+              <a:t>2020-11-24</a:t>
             </a:fld>
             <a:endParaRPr lang="ko-KR" altLang="en-US"/>
           </a:p>
@@ -2118,7 +2118,7 @@
           <a:p>
             <a:fld id="{B1912746-E8EE-4601-AF5D-438D1FBB3BE7}" type="datetimeFigureOut">
               <a:rPr lang="ko-KR" altLang="en-US" smtClean="0"/>
-              <a:t>2020-11-23</a:t>
+              <a:t>2020-11-24</a:t>
             </a:fld>
             <a:endParaRPr lang="ko-KR" altLang="en-US"/>
           </a:p>
@@ -2371,7 +2371,7 @@
           <a:p>
             <a:fld id="{B1912746-E8EE-4601-AF5D-438D1FBB3BE7}" type="datetimeFigureOut">
               <a:rPr lang="ko-KR" altLang="en-US" smtClean="0"/>
-              <a:t>2020-11-23</a:t>
+              <a:t>2020-11-24</a:t>
             </a:fld>
             <a:endParaRPr lang="ko-KR" altLang="en-US"/>
           </a:p>
@@ -2584,7 +2584,7 @@
           <a:p>
             <a:fld id="{B1912746-E8EE-4601-AF5D-438D1FBB3BE7}" type="datetimeFigureOut">
               <a:rPr lang="ko-KR" altLang="en-US" smtClean="0"/>
-              <a:t>2020-11-23</a:t>
+              <a:t>2020-11-24</a:t>
             </a:fld>
             <a:endParaRPr lang="ko-KR" altLang="en-US"/>
           </a:p>
@@ -3093,7 +3093,7 @@
         <p:spPr>
           <a:xfrm>
             <a:off x="1754659" y="1727372"/>
-            <a:ext cx="8690919" cy="2554545"/>
+            <a:ext cx="8690919" cy="2308324"/>
           </a:xfrm>
           <a:prstGeom prst="rect">
             <a:avLst/>
@@ -3106,6 +3106,10 @@
           </a:bodyPr>
           <a:lstStyle/>
           <a:p>
+            <a:pPr marL="285750" indent="-285750">
+              <a:buFont typeface="Arial" panose="020B0604020202020204" pitchFamily="34" charset="0"/>
+              <a:buChar char="•"/>
+            </a:pPr>
             <a:r>
               <a:rPr lang="ko-KR" altLang="en-US" sz="1600" dirty="0" smtClean="0"/>
               <a:t>스프링은 스스로 객체지향의 원칙을 잘 지켜서 개발되었기 때문에</a:t>
@@ -3116,14 +3120,7 @@
             </a:r>
             <a:r>
               <a:rPr lang="ko-KR" altLang="en-US" sz="1600" dirty="0" smtClean="0"/>
-              <a:t>스프링 그 자체도 확장과 </a:t>
-            </a:r>
-            <a:endParaRPr lang="en-US" altLang="ko-KR" sz="1600" dirty="0" smtClean="0"/>
-          </a:p>
-          <a:p>
-            <a:r>
-              <a:rPr lang="ko-KR" altLang="en-US" sz="1600" dirty="0" smtClean="0"/>
-              <a:t>변경을 이용해서 개발이 가능하다</a:t>
+              <a:t>스프링 그 자체도 확장과 변경을 이용해서 개발이 가능하다</a:t>
             </a:r>
             <a:r>
               <a:rPr lang="en-US" altLang="ko-KR" sz="1600" dirty="0" smtClean="0"/>
@@ -3131,9 +3128,17 @@
             </a:r>
           </a:p>
           <a:p>
+            <a:pPr marL="285750" indent="-285750">
+              <a:buFont typeface="Arial" panose="020B0604020202020204" pitchFamily="34" charset="0"/>
+              <a:buChar char="•"/>
+            </a:pPr>
             <a:endParaRPr lang="en-US" altLang="ko-KR" sz="1600" dirty="0" smtClean="0"/>
           </a:p>
           <a:p>
+            <a:pPr marL="285750" indent="-285750">
+              <a:buFont typeface="Arial" panose="020B0604020202020204" pitchFamily="34" charset="0"/>
+              <a:buChar char="•"/>
+            </a:pPr>
             <a:r>
               <a:rPr lang="ko-KR" altLang="en-US" sz="1600" dirty="0" smtClean="0"/>
               <a:t>스프링은 단순히 스프링의 몇몇</a:t>
@@ -3152,12 +3157,28 @@
             </a:r>
           </a:p>
           <a:p>
+            <a:pPr marL="285750" indent="-285750">
+              <a:buFont typeface="Arial" panose="020B0604020202020204" pitchFamily="34" charset="0"/>
+              <a:buChar char="•"/>
+            </a:pPr>
             <a:endParaRPr lang="en-US" altLang="ko-KR" sz="1600" dirty="0"/>
           </a:p>
           <a:p>
+            <a:pPr marL="285750" indent="-285750">
+              <a:buFont typeface="Arial" panose="020B0604020202020204" pitchFamily="34" charset="0"/>
+              <a:buChar char="•"/>
+            </a:pPr>
             <a:r>
               <a:rPr lang="ko-KR" altLang="en-US" sz="1600" dirty="0" smtClean="0"/>
-              <a:t>스프링을 제대로 사용하기 위해선 스프링 그 자체도 알아야겠지만 스프링 추구했던 객체지향을 통한 애플리케이션 개발의 목적에 맞게 사용하기 위해 객체지향의 특징과 여러 디자인 패턴 등을 함께 공부해야 할 것이다</a:t>
+              <a:t>스프링을 제대로 사용하기 위해선 스프링의 사용법 그 자체도 알아야하지만</a:t>
+            </a:r>
+            <a:r>
+              <a:rPr lang="en-US" altLang="ko-KR" sz="1600" dirty="0" smtClean="0"/>
+              <a:t>, </a:t>
+            </a:r>
+            <a:r>
+              <a:rPr lang="ko-KR" altLang="en-US" sz="1600" dirty="0" smtClean="0"/>
+              <a:t>스프링의 사상에 맞게 객체지향 설계와 여러 디자인 패턴 등을 함께 공부해야한다</a:t>
             </a:r>
             <a:r>
               <a:rPr lang="en-US" altLang="ko-KR" sz="1600" dirty="0" smtClean="0"/>
@@ -3165,6 +3186,10 @@
             </a:r>
           </a:p>
           <a:p>
+            <a:pPr marL="285750" indent="-285750">
+              <a:buFont typeface="Arial" panose="020B0604020202020204" pitchFamily="34" charset="0"/>
+              <a:buChar char="•"/>
+            </a:pPr>
             <a:endParaRPr lang="en-US" altLang="ko-KR" sz="1600" dirty="0" smtClean="0"/>
           </a:p>
         </p:txBody>
@@ -3182,7 +3207,177 @@
   <p:timing>
     <p:tnLst>
       <p:par>
-        <p:cTn id="1" dur="indefinite" restart="never" nodeType="tmRoot"/>
+        <p:cTn id="1" dur="indefinite" restart="never" nodeType="tmRoot">
+          <p:childTnLst>
+            <p:seq concurrent="1" nextAc="seek">
+              <p:cTn id="2" dur="indefinite" nodeType="mainSeq">
+                <p:childTnLst>
+                  <p:par>
+                    <p:cTn id="3" fill="hold">
+                      <p:stCondLst>
+                        <p:cond delay="indefinite"/>
+                      </p:stCondLst>
+                      <p:childTnLst>
+                        <p:par>
+                          <p:cTn id="4" fill="hold">
+                            <p:stCondLst>
+                              <p:cond delay="0"/>
+                            </p:stCondLst>
+                            <p:childTnLst>
+                              <p:par>
+                                <p:cTn id="5" presetID="1" presetClass="entr" presetSubtype="0" fill="hold" nodeType="clickEffect">
+                                  <p:stCondLst>
+                                    <p:cond delay="0"/>
+                                  </p:stCondLst>
+                                  <p:childTnLst>
+                                    <p:set>
+                                      <p:cBhvr>
+                                        <p:cTn id="6" dur="1" fill="hold">
+                                          <p:stCondLst>
+                                            <p:cond delay="0"/>
+                                          </p:stCondLst>
+                                        </p:cTn>
+                                        <p:tgtEl>
+                                          <p:spTgt spid="4">
+                                            <p:txEl>
+                                              <p:pRg st="0" end="0"/>
+                                            </p:txEl>
+                                          </p:spTgt>
+                                        </p:tgtEl>
+                                        <p:attrNameLst>
+                                          <p:attrName>style.visibility</p:attrName>
+                                        </p:attrNameLst>
+                                      </p:cBhvr>
+                                      <p:to>
+                                        <p:strVal val="visible"/>
+                                      </p:to>
+                                    </p:set>
+                                  </p:childTnLst>
+                                </p:cTn>
+                              </p:par>
+                            </p:childTnLst>
+                          </p:cTn>
+                        </p:par>
+                      </p:childTnLst>
+                    </p:cTn>
+                  </p:par>
+                  <p:par>
+                    <p:cTn id="7" fill="hold">
+                      <p:stCondLst>
+                        <p:cond delay="indefinite"/>
+                      </p:stCondLst>
+                      <p:childTnLst>
+                        <p:par>
+                          <p:cTn id="8" fill="hold">
+                            <p:stCondLst>
+                              <p:cond delay="0"/>
+                            </p:stCondLst>
+                            <p:childTnLst>
+                              <p:par>
+                                <p:cTn id="9" presetID="1" presetClass="entr" presetSubtype="0" fill="hold" nodeType="clickEffect">
+                                  <p:stCondLst>
+                                    <p:cond delay="0"/>
+                                  </p:stCondLst>
+                                  <p:childTnLst>
+                                    <p:set>
+                                      <p:cBhvr>
+                                        <p:cTn id="10" dur="1" fill="hold">
+                                          <p:stCondLst>
+                                            <p:cond delay="0"/>
+                                          </p:stCondLst>
+                                        </p:cTn>
+                                        <p:tgtEl>
+                                          <p:spTgt spid="4">
+                                            <p:txEl>
+                                              <p:pRg st="2" end="2"/>
+                                            </p:txEl>
+                                          </p:spTgt>
+                                        </p:tgtEl>
+                                        <p:attrNameLst>
+                                          <p:attrName>style.visibility</p:attrName>
+                                        </p:attrNameLst>
+                                      </p:cBhvr>
+                                      <p:to>
+                                        <p:strVal val="visible"/>
+                                      </p:to>
+                                    </p:set>
+                                  </p:childTnLst>
+                                </p:cTn>
+                              </p:par>
+                            </p:childTnLst>
+                          </p:cTn>
+                        </p:par>
+                      </p:childTnLst>
+                    </p:cTn>
+                  </p:par>
+                  <p:par>
+                    <p:cTn id="11" fill="hold">
+                      <p:stCondLst>
+                        <p:cond delay="indefinite"/>
+                      </p:stCondLst>
+                      <p:childTnLst>
+                        <p:par>
+                          <p:cTn id="12" fill="hold">
+                            <p:stCondLst>
+                              <p:cond delay="0"/>
+                            </p:stCondLst>
+                            <p:childTnLst>
+                              <p:par>
+                                <p:cTn id="13" presetID="1" presetClass="entr" presetSubtype="0" fill="hold" nodeType="clickEffect">
+                                  <p:stCondLst>
+                                    <p:cond delay="0"/>
+                                  </p:stCondLst>
+                                  <p:childTnLst>
+                                    <p:set>
+                                      <p:cBhvr>
+                                        <p:cTn id="14" dur="1" fill="hold">
+                                          <p:stCondLst>
+                                            <p:cond delay="0"/>
+                                          </p:stCondLst>
+                                        </p:cTn>
+                                        <p:tgtEl>
+                                          <p:spTgt spid="4">
+                                            <p:txEl>
+                                              <p:pRg st="4" end="4"/>
+                                            </p:txEl>
+                                          </p:spTgt>
+                                        </p:tgtEl>
+                                        <p:attrNameLst>
+                                          <p:attrName>style.visibility</p:attrName>
+                                        </p:attrNameLst>
+                                      </p:cBhvr>
+                                      <p:to>
+                                        <p:strVal val="visible"/>
+                                      </p:to>
+                                    </p:set>
+                                  </p:childTnLst>
+                                </p:cTn>
+                              </p:par>
+                            </p:childTnLst>
+                          </p:cTn>
+                        </p:par>
+                      </p:childTnLst>
+                    </p:cTn>
+                  </p:par>
+                </p:childTnLst>
+              </p:cTn>
+              <p:prevCondLst>
+                <p:cond evt="onPrev" delay="0">
+                  <p:tgtEl>
+                    <p:sldTgt/>
+                  </p:tgtEl>
+                </p:cond>
+              </p:prevCondLst>
+              <p:nextCondLst>
+                <p:cond evt="onNext" delay="0">
+                  <p:tgtEl>
+                    <p:sldTgt/>
+                  </p:tgtEl>
+                </p:cond>
+              </p:nextCondLst>
+            </p:seq>
+          </p:childTnLst>
+        </p:cTn>
       </p:par>
     </p:tnLst>
   </p:timing>
@@ -3716,19 +3911,11 @@
             </a:r>
             <a:r>
               <a:rPr lang="en-US" altLang="ko-KR" dirty="0" smtClean="0"/>
-              <a:t>WEB</a:t>
+              <a:t>REST </a:t>
             </a:r>
             <a:r>
               <a:rPr lang="ko-KR" altLang="en-US" dirty="0" smtClean="0"/>
-              <a:t>상에서 클라이언트와 서버간에 데이터를 주고받기 위한 </a:t>
-            </a:r>
-            <a:r>
-              <a:rPr lang="en-US" altLang="ko-KR" dirty="0" smtClean="0"/>
-              <a:t>REST</a:t>
-            </a:r>
-            <a:r>
-              <a:rPr lang="ko-KR" altLang="en-US" dirty="0" smtClean="0"/>
-              <a:t>형식의 방법</a:t>
+              <a:t>아키텍처를 따라서 클라이언트와 서버간에 데이터를 주고받는 방법</a:t>
             </a:r>
             <a:r>
               <a:rPr lang="en-US" altLang="ko-KR" dirty="0" smtClean="0"/>
@@ -3751,9 +3938,366 @@
   <p:timing>
     <p:tnLst>
       <p:par>
-        <p:cTn id="1" dur="indefinite" restart="never" nodeType="tmRoot"/>
+        <p:cTn id="1" dur="indefinite" restart="never" nodeType="tmRoot">
+          <p:childTnLst>
+            <p:seq concurrent="1" nextAc="seek">
+              <p:cTn id="2" dur="indefinite" nodeType="mainSeq">
+                <p:childTnLst>
+                  <p:par>
+                    <p:cTn id="3" fill="hold">
+                      <p:stCondLst>
+                        <p:cond delay="indefinite"/>
+                      </p:stCondLst>
+                      <p:childTnLst>
+                        <p:par>
+                          <p:cTn id="4" fill="hold">
+                            <p:stCondLst>
+                              <p:cond delay="0"/>
+                            </p:stCondLst>
+                            <p:childTnLst>
+                              <p:par>
+                                <p:cTn id="5" presetID="1" presetClass="entr" presetSubtype="0" fill="hold" nodeType="clickEffect">
+                                  <p:stCondLst>
+                                    <p:cond delay="0"/>
+                                  </p:stCondLst>
+                                  <p:childTnLst>
+                                    <p:set>
+                                      <p:cBhvr>
+                                        <p:cTn id="6" dur="1" fill="hold">
+                                          <p:stCondLst>
+                                            <p:cond delay="0"/>
+                                          </p:stCondLst>
+                                        </p:cTn>
+                                        <p:tgtEl>
+                                          <p:spTgt spid="11"/>
+                                        </p:tgtEl>
+                                        <p:attrNameLst>
+                                          <p:attrName>style.visibility</p:attrName>
+                                        </p:attrNameLst>
+                                      </p:cBhvr>
+                                      <p:to>
+                                        <p:strVal val="visible"/>
+                                      </p:to>
+                                    </p:set>
+                                  </p:childTnLst>
+                                </p:cTn>
+                              </p:par>
+                              <p:par>
+                                <p:cTn id="7" presetID="1" presetClass="entr" presetSubtype="0" fill="hold" nodeType="withEffect">
+                                  <p:stCondLst>
+                                    <p:cond delay="0"/>
+                                  </p:stCondLst>
+                                  <p:childTnLst>
+                                    <p:set>
+                                      <p:cBhvr>
+                                        <p:cTn id="8" dur="1" fill="hold">
+                                          <p:stCondLst>
+                                            <p:cond delay="0"/>
+                                          </p:stCondLst>
+                                        </p:cTn>
+                                        <p:tgtEl>
+                                          <p:spTgt spid="15"/>
+                                        </p:tgtEl>
+                                        <p:attrNameLst>
+                                          <p:attrName>style.visibility</p:attrName>
+                                        </p:attrNameLst>
+                                      </p:cBhvr>
+                                      <p:to>
+                                        <p:strVal val="visible"/>
+                                      </p:to>
+                                    </p:set>
+                                  </p:childTnLst>
+                                </p:cTn>
+                              </p:par>
+                              <p:par>
+                                <p:cTn id="9" presetID="1" presetClass="entr" presetSubtype="0" fill="hold" grpId="0" nodeType="withEffect">
+                                  <p:stCondLst>
+                                    <p:cond delay="0"/>
+                                  </p:stCondLst>
+                                  <p:childTnLst>
+                                    <p:set>
+                                      <p:cBhvr>
+                                        <p:cTn id="10" dur="1" fill="hold">
+                                          <p:stCondLst>
+                                            <p:cond delay="0"/>
+                                          </p:stCondLst>
+                                        </p:cTn>
+                                        <p:tgtEl>
+                                          <p:spTgt spid="16"/>
+                                        </p:tgtEl>
+                                        <p:attrNameLst>
+                                          <p:attrName>style.visibility</p:attrName>
+                                        </p:attrNameLst>
+                                      </p:cBhvr>
+                                      <p:to>
+                                        <p:strVal val="visible"/>
+                                      </p:to>
+                                    </p:set>
+                                  </p:childTnLst>
+                                </p:cTn>
+                              </p:par>
+                              <p:par>
+                                <p:cTn id="11" presetID="1" presetClass="entr" presetSubtype="0" fill="hold" grpId="0" nodeType="withEffect">
+                                  <p:stCondLst>
+                                    <p:cond delay="0"/>
+                                  </p:stCondLst>
+                                  <p:childTnLst>
+                                    <p:set>
+                                      <p:cBhvr>
+                                        <p:cTn id="12" dur="1" fill="hold">
+                                          <p:stCondLst>
+                                            <p:cond delay="0"/>
+                                          </p:stCondLst>
+                                        </p:cTn>
+                                        <p:tgtEl>
+                                          <p:spTgt spid="18"/>
+                                        </p:tgtEl>
+                                        <p:attrNameLst>
+                                          <p:attrName>style.visibility</p:attrName>
+                                        </p:attrNameLst>
+                                      </p:cBhvr>
+                                      <p:to>
+                                        <p:strVal val="visible"/>
+                                      </p:to>
+                                    </p:set>
+                                  </p:childTnLst>
+                                </p:cTn>
+                              </p:par>
+                              <p:par>
+                                <p:cTn id="13" presetID="1" presetClass="entr" presetSubtype="0" fill="hold" grpId="0" nodeType="withEffect">
+                                  <p:stCondLst>
+                                    <p:cond delay="0"/>
+                                  </p:stCondLst>
+                                  <p:childTnLst>
+                                    <p:set>
+                                      <p:cBhvr>
+                                        <p:cTn id="14" dur="1" fill="hold">
+                                          <p:stCondLst>
+                                            <p:cond delay="0"/>
+                                          </p:stCondLst>
+                                        </p:cTn>
+                                        <p:tgtEl>
+                                          <p:spTgt spid="21"/>
+                                        </p:tgtEl>
+                                        <p:attrNameLst>
+                                          <p:attrName>style.visibility</p:attrName>
+                                        </p:attrNameLst>
+                                      </p:cBhvr>
+                                      <p:to>
+                                        <p:strVal val="visible"/>
+                                      </p:to>
+                                    </p:set>
+                                  </p:childTnLst>
+                                </p:cTn>
+                              </p:par>
+                              <p:par>
+                                <p:cTn id="15" presetID="1" presetClass="entr" presetSubtype="0" fill="hold" grpId="0" nodeType="withEffect">
+                                  <p:stCondLst>
+                                    <p:cond delay="0"/>
+                                  </p:stCondLst>
+                                  <p:childTnLst>
+                                    <p:set>
+                                      <p:cBhvr>
+                                        <p:cTn id="16" dur="1" fill="hold">
+                                          <p:stCondLst>
+                                            <p:cond delay="0"/>
+                                          </p:stCondLst>
+                                        </p:cTn>
+                                        <p:tgtEl>
+                                          <p:spTgt spid="22"/>
+                                        </p:tgtEl>
+                                        <p:attrNameLst>
+                                          <p:attrName>style.visibility</p:attrName>
+                                        </p:attrNameLst>
+                                      </p:cBhvr>
+                                      <p:to>
+                                        <p:strVal val="visible"/>
+                                      </p:to>
+                                    </p:set>
+                                  </p:childTnLst>
+                                </p:cTn>
+                              </p:par>
+                              <p:par>
+                                <p:cTn id="17" presetID="1" presetClass="entr" presetSubtype="0" fill="hold" grpId="0" nodeType="withEffect">
+                                  <p:stCondLst>
+                                    <p:cond delay="0"/>
+                                  </p:stCondLst>
+                                  <p:childTnLst>
+                                    <p:set>
+                                      <p:cBhvr>
+                                        <p:cTn id="18" dur="1" fill="hold">
+                                          <p:stCondLst>
+                                            <p:cond delay="0"/>
+                                          </p:stCondLst>
+                                        </p:cTn>
+                                        <p:tgtEl>
+                                          <p:spTgt spid="23"/>
+                                        </p:tgtEl>
+                                        <p:attrNameLst>
+                                          <p:attrName>style.visibility</p:attrName>
+                                        </p:attrNameLst>
+                                      </p:cBhvr>
+                                      <p:to>
+                                        <p:strVal val="visible"/>
+                                      </p:to>
+                                    </p:set>
+                                  </p:childTnLst>
+                                </p:cTn>
+                              </p:par>
+                            </p:childTnLst>
+                          </p:cTn>
+                        </p:par>
+                      </p:childTnLst>
+                    </p:cTn>
+                  </p:par>
+                  <p:par>
+                    <p:cTn id="19" fill="hold">
+                      <p:stCondLst>
+                        <p:cond delay="indefinite"/>
+                      </p:stCondLst>
+                      <p:childTnLst>
+                        <p:par>
+                          <p:cTn id="20" fill="hold">
+                            <p:stCondLst>
+                              <p:cond delay="0"/>
+                            </p:stCondLst>
+                            <p:childTnLst>
+                              <p:par>
+                                <p:cTn id="21" presetID="1" presetClass="entr" presetSubtype="0" fill="hold" grpId="0" nodeType="clickEffect">
+                                  <p:stCondLst>
+                                    <p:cond delay="0"/>
+                                  </p:stCondLst>
+                                  <p:childTnLst>
+                                    <p:set>
+                                      <p:cBhvr>
+                                        <p:cTn id="22" dur="1" fill="hold">
+                                          <p:stCondLst>
+                                            <p:cond delay="0"/>
+                                          </p:stCondLst>
+                                        </p:cTn>
+                                        <p:tgtEl>
+                                          <p:spTgt spid="20"/>
+                                        </p:tgtEl>
+                                        <p:attrNameLst>
+                                          <p:attrName>style.visibility</p:attrName>
+                                        </p:attrNameLst>
+                                      </p:cBhvr>
+                                      <p:to>
+                                        <p:strVal val="visible"/>
+                                      </p:to>
+                                    </p:set>
+                                  </p:childTnLst>
+                                </p:cTn>
+                              </p:par>
+                              <p:par>
+                                <p:cTn id="23" presetID="1" presetClass="entr" presetSubtype="0" fill="hold" grpId="0" nodeType="withEffect">
+                                  <p:stCondLst>
+                                    <p:cond delay="0"/>
+                                  </p:stCondLst>
+                                  <p:childTnLst>
+                                    <p:set>
+                                      <p:cBhvr>
+                                        <p:cTn id="24" dur="1" fill="hold">
+                                          <p:stCondLst>
+                                            <p:cond delay="0"/>
+                                          </p:stCondLst>
+                                        </p:cTn>
+                                        <p:tgtEl>
+                                          <p:spTgt spid="27"/>
+                                        </p:tgtEl>
+                                        <p:attrNameLst>
+                                          <p:attrName>style.visibility</p:attrName>
+                                        </p:attrNameLst>
+                                      </p:cBhvr>
+                                      <p:to>
+                                        <p:strVal val="visible"/>
+                                      </p:to>
+                                    </p:set>
+                                  </p:childTnLst>
+                                </p:cTn>
+                              </p:par>
+                            </p:childTnLst>
+                          </p:cTn>
+                        </p:par>
+                      </p:childTnLst>
+                    </p:cTn>
+                  </p:par>
+                  <p:par>
+                    <p:cTn id="25" fill="hold">
+                      <p:stCondLst>
+                        <p:cond delay="indefinite"/>
+                      </p:stCondLst>
+                      <p:childTnLst>
+                        <p:par>
+                          <p:cTn id="26" fill="hold">
+                            <p:stCondLst>
+                              <p:cond delay="0"/>
+                            </p:stCondLst>
+                            <p:childTnLst>
+                              <p:par>
+                                <p:cTn id="27" presetID="1" presetClass="entr" presetSubtype="0" fill="hold" grpId="0" nodeType="clickEffect">
+                                  <p:stCondLst>
+                                    <p:cond delay="0"/>
+                                  </p:stCondLst>
+                                  <p:childTnLst>
+                                    <p:set>
+                                      <p:cBhvr>
+                                        <p:cTn id="28" dur="1" fill="hold">
+                                          <p:stCondLst>
+                                            <p:cond delay="0"/>
+                                          </p:stCondLst>
+                                        </p:cTn>
+                                        <p:tgtEl>
+                                          <p:spTgt spid="28"/>
+                                        </p:tgtEl>
+                                        <p:attrNameLst>
+                                          <p:attrName>style.visibility</p:attrName>
+                                        </p:attrNameLst>
+                                      </p:cBhvr>
+                                      <p:to>
+                                        <p:strVal val="visible"/>
+                                      </p:to>
+                                    </p:set>
+                                  </p:childTnLst>
+                                </p:cTn>
+                              </p:par>
+                            </p:childTnLst>
+                          </p:cTn>
+                        </p:par>
+                      </p:childTnLst>
+                    </p:cTn>
+                  </p:par>
+                </p:childTnLst>
+              </p:cTn>
+              <p:prevCondLst>
+                <p:cond evt="onPrev" delay="0">
+                  <p:tgtEl>
+                    <p:sldTgt/>
+                  </p:tgtEl>
+                </p:cond>
+              </p:prevCondLst>
+              <p:nextCondLst>
+                <p:cond evt="onNext" delay="0">
+                  <p:tgtEl>
+                    <p:sldTgt/>
+                  </p:tgtEl>
+                </p:cond>
+              </p:nextCondLst>
+            </p:seq>
+          </p:childTnLst>
+        </p:cTn>
       </p:par>
     </p:tnLst>
+    <p:bldLst>
+      <p:bldP spid="16" grpId="0" animBg="1"/>
+      <p:bldP spid="18" grpId="0" animBg="1"/>
+      <p:bldP spid="20" grpId="0"/>
+      <p:bldP spid="21" grpId="0"/>
+      <p:bldP spid="22" grpId="0"/>
+      <p:bldP spid="23" grpId="0" animBg="1"/>
+      <p:bldP spid="27" grpId="0" animBg="1"/>
+      <p:bldP spid="28" grpId="0"/>
+    </p:bldLst>
   </p:timing>
 </p:sld>
 </file>
@@ -3832,38 +4376,38 @@
           <a:lstStyle/>
           <a:p>
             <a:r>
-              <a:rPr lang="ko-KR" altLang="en-US" i="1" dirty="0"/>
+              <a:rPr lang="ko-KR" altLang="en-US" dirty="0"/>
               <a:t>논</a:t>
             </a:r>
             <a:r>
-              <a:rPr lang="ko-KR" altLang="en-US" i="1" dirty="0" smtClean="0"/>
+              <a:rPr lang="ko-KR" altLang="en-US" dirty="0" smtClean="0"/>
               <a:t>문 </a:t>
             </a:r>
             <a:r>
-              <a:rPr lang="en-US" altLang="ko-KR" i="1" dirty="0" smtClean="0"/>
+              <a:rPr lang="en-US" altLang="ko-KR" dirty="0" smtClean="0"/>
               <a:t>“</a:t>
             </a:r>
             <a:r>
-              <a:rPr lang="en-US" altLang="ko-KR" b="1" i="1" dirty="0" smtClean="0"/>
+              <a:rPr lang="en-US" altLang="ko-KR" b="1" dirty="0" smtClean="0"/>
               <a:t>Architectural </a:t>
             </a:r>
             <a:r>
-              <a:rPr lang="en-US" altLang="ko-KR" b="1" i="1" dirty="0"/>
+              <a:rPr lang="en-US" altLang="ko-KR" b="1" dirty="0"/>
               <a:t>Styles and the Design of Network-based Software </a:t>
             </a:r>
             <a:r>
-              <a:rPr lang="en-US" altLang="ko-KR" b="1" i="1" dirty="0" smtClean="0"/>
+              <a:rPr lang="en-US" altLang="ko-KR" b="1" dirty="0" smtClean="0"/>
               <a:t>Architectures</a:t>
             </a:r>
             <a:r>
-              <a:rPr lang="en-US" altLang="ko-KR" i="1" dirty="0" smtClean="0"/>
+              <a:rPr lang="en-US" altLang="ko-KR" dirty="0" smtClean="0"/>
               <a:t>” </a:t>
             </a:r>
             <a:r>
-              <a:rPr lang="ko-KR" altLang="en-US" i="1" dirty="0" smtClean="0"/>
+              <a:rPr lang="ko-KR" altLang="en-US" dirty="0" smtClean="0"/>
               <a:t>에 처음 등장</a:t>
             </a:r>
-            <a:endParaRPr lang="en-US" altLang="ko-KR" i="1" dirty="0"/>
+            <a:endParaRPr lang="en-US" altLang="ko-KR" dirty="0"/>
           </a:p>
           <a:p>
             <a:endParaRPr lang="en-US" altLang="ko-KR" i="1" dirty="0"/>
@@ -4059,9 +4603,254 @@
   <p:timing>
     <p:tnLst>
       <p:par>
-        <p:cTn id="1" dur="indefinite" restart="never" nodeType="tmRoot"/>
+        <p:cTn id="1" dur="indefinite" restart="never" nodeType="tmRoot">
+          <p:childTnLst>
+            <p:seq concurrent="1" nextAc="seek">
+              <p:cTn id="2" dur="indefinite" nodeType="mainSeq">
+                <p:childTnLst>
+                  <p:par>
+                    <p:cTn id="3" fill="hold">
+                      <p:stCondLst>
+                        <p:cond delay="indefinite"/>
+                      </p:stCondLst>
+                      <p:childTnLst>
+                        <p:par>
+                          <p:cTn id="4" fill="hold">
+                            <p:stCondLst>
+                              <p:cond delay="0"/>
+                            </p:stCondLst>
+                            <p:childTnLst>
+                              <p:par>
+                                <p:cTn id="5" presetID="1" presetClass="entr" presetSubtype="0" fill="hold" nodeType="clickEffect">
+                                  <p:stCondLst>
+                                    <p:cond delay="0"/>
+                                  </p:stCondLst>
+                                  <p:childTnLst>
+                                    <p:set>
+                                      <p:cBhvr>
+                                        <p:cTn id="6" dur="1" fill="hold">
+                                          <p:stCondLst>
+                                            <p:cond delay="0"/>
+                                          </p:stCondLst>
+                                        </p:cTn>
+                                        <p:tgtEl>
+                                          <p:spTgt spid="1026"/>
+                                        </p:tgtEl>
+                                        <p:attrNameLst>
+                                          <p:attrName>style.visibility</p:attrName>
+                                        </p:attrNameLst>
+                                      </p:cBhvr>
+                                      <p:to>
+                                        <p:strVal val="visible"/>
+                                      </p:to>
+                                    </p:set>
+                                  </p:childTnLst>
+                                </p:cTn>
+                              </p:par>
+                              <p:par>
+                                <p:cTn id="7" presetID="1" presetClass="entr" presetSubtype="0" fill="hold" grpId="0" nodeType="withEffect">
+                                  <p:stCondLst>
+                                    <p:cond delay="0"/>
+                                  </p:stCondLst>
+                                  <p:childTnLst>
+                                    <p:set>
+                                      <p:cBhvr>
+                                        <p:cTn id="8" dur="1" fill="hold">
+                                          <p:stCondLst>
+                                            <p:cond delay="0"/>
+                                          </p:stCondLst>
+                                        </p:cTn>
+                                        <p:tgtEl>
+                                          <p:spTgt spid="5"/>
+                                        </p:tgtEl>
+                                        <p:attrNameLst>
+                                          <p:attrName>style.visibility</p:attrName>
+                                        </p:attrNameLst>
+                                      </p:cBhvr>
+                                      <p:to>
+                                        <p:strVal val="visible"/>
+                                      </p:to>
+                                    </p:set>
+                                  </p:childTnLst>
+                                </p:cTn>
+                              </p:par>
+                            </p:childTnLst>
+                          </p:cTn>
+                        </p:par>
+                      </p:childTnLst>
+                    </p:cTn>
+                  </p:par>
+                  <p:par>
+                    <p:cTn id="9" fill="hold">
+                      <p:stCondLst>
+                        <p:cond delay="indefinite"/>
+                      </p:stCondLst>
+                      <p:childTnLst>
+                        <p:par>
+                          <p:cTn id="10" fill="hold">
+                            <p:stCondLst>
+                              <p:cond delay="0"/>
+                            </p:stCondLst>
+                            <p:childTnLst>
+                              <p:par>
+                                <p:cTn id="11" presetID="1" presetClass="entr" presetSubtype="0" fill="hold" nodeType="clickEffect">
+                                  <p:stCondLst>
+                                    <p:cond delay="0"/>
+                                  </p:stCondLst>
+                                  <p:childTnLst>
+                                    <p:set>
+                                      <p:cBhvr>
+                                        <p:cTn id="12" dur="1" fill="hold">
+                                          <p:stCondLst>
+                                            <p:cond delay="0"/>
+                                          </p:stCondLst>
+                                        </p:cTn>
+                                        <p:tgtEl>
+                                          <p:spTgt spid="4">
+                                            <p:txEl>
+                                              <p:pRg st="0" end="0"/>
+                                            </p:txEl>
+                                          </p:spTgt>
+                                        </p:tgtEl>
+                                        <p:attrNameLst>
+                                          <p:attrName>style.visibility</p:attrName>
+                                        </p:attrNameLst>
+                                      </p:cBhvr>
+                                      <p:to>
+                                        <p:strVal val="visible"/>
+                                      </p:to>
+                                    </p:set>
+                                  </p:childTnLst>
+                                </p:cTn>
+                              </p:par>
+                            </p:childTnLst>
+                          </p:cTn>
+                        </p:par>
+                      </p:childTnLst>
+                    </p:cTn>
+                  </p:par>
+                  <p:par>
+                    <p:cTn id="13" fill="hold">
+                      <p:stCondLst>
+                        <p:cond delay="indefinite"/>
+                      </p:stCondLst>
+                      <p:childTnLst>
+                        <p:par>
+                          <p:cTn id="14" fill="hold">
+                            <p:stCondLst>
+                              <p:cond delay="0"/>
+                            </p:stCondLst>
+                            <p:childTnLst>
+                              <p:par>
+                                <p:cTn id="15" presetID="1" presetClass="entr" presetSubtype="0" fill="hold" nodeType="clickEffect">
+                                  <p:stCondLst>
+                                    <p:cond delay="0"/>
+                                  </p:stCondLst>
+                                  <p:childTnLst>
+                                    <p:set>
+                                      <p:cBhvr>
+                                        <p:cTn id="16" dur="1" fill="hold">
+                                          <p:stCondLst>
+                                            <p:cond delay="0"/>
+                                          </p:stCondLst>
+                                        </p:cTn>
+                                        <p:tgtEl>
+                                          <p:spTgt spid="4">
+                                            <p:txEl>
+                                              <p:pRg st="2" end="2"/>
+                                            </p:txEl>
+                                          </p:spTgt>
+                                        </p:tgtEl>
+                                        <p:attrNameLst>
+                                          <p:attrName>style.visibility</p:attrName>
+                                        </p:attrNameLst>
+                                      </p:cBhvr>
+                                      <p:to>
+                                        <p:strVal val="visible"/>
+                                      </p:to>
+                                    </p:set>
+                                  </p:childTnLst>
+                                </p:cTn>
+                              </p:par>
+                            </p:childTnLst>
+                          </p:cTn>
+                        </p:par>
+                      </p:childTnLst>
+                    </p:cTn>
+                  </p:par>
+                  <p:par>
+                    <p:cTn id="17" fill="hold">
+                      <p:stCondLst>
+                        <p:cond delay="indefinite"/>
+                      </p:stCondLst>
+                      <p:childTnLst>
+                        <p:par>
+                          <p:cTn id="18" fill="hold">
+                            <p:stCondLst>
+                              <p:cond delay="0"/>
+                            </p:stCondLst>
+                            <p:childTnLst>
+                              <p:par>
+                                <p:cTn id="19" presetID="1" presetClass="entr" presetSubtype="0" fill="hold" nodeType="clickEffect">
+                                  <p:stCondLst>
+                                    <p:cond delay="0"/>
+                                  </p:stCondLst>
+                                  <p:childTnLst>
+                                    <p:set>
+                                      <p:cBhvr>
+                                        <p:cTn id="20" dur="1" fill="hold">
+                                          <p:stCondLst>
+                                            <p:cond delay="0"/>
+                                          </p:stCondLst>
+                                        </p:cTn>
+                                        <p:tgtEl>
+                                          <p:spTgt spid="4">
+                                            <p:txEl>
+                                              <p:pRg st="4" end="4"/>
+                                            </p:txEl>
+                                          </p:spTgt>
+                                        </p:tgtEl>
+                                        <p:attrNameLst>
+                                          <p:attrName>style.visibility</p:attrName>
+                                        </p:attrNameLst>
+                                      </p:cBhvr>
+                                      <p:to>
+                                        <p:strVal val="visible"/>
+                                      </p:to>
+                                    </p:set>
+                                  </p:childTnLst>
+                                </p:cTn>
+                              </p:par>
+                            </p:childTnLst>
+                          </p:cTn>
+                        </p:par>
+                      </p:childTnLst>
+                    </p:cTn>
+                  </p:par>
+                </p:childTnLst>
+              </p:cTn>
+              <p:prevCondLst>
+                <p:cond evt="onPrev" delay="0">
+                  <p:tgtEl>
+                    <p:sldTgt/>
+                  </p:tgtEl>
+                </p:cond>
+              </p:prevCondLst>
+              <p:nextCondLst>
+                <p:cond evt="onNext" delay="0">
+                  <p:tgtEl>
+                    <p:sldTgt/>
+                  </p:tgtEl>
+                </p:cond>
+              </p:nextCondLst>
+            </p:seq>
+          </p:childTnLst>
+        </p:cTn>
       </p:par>
     </p:tnLst>
+    <p:bldLst>
+      <p:bldP spid="5" grpId="0"/>
+    </p:bldLst>
   </p:timing>
 </p:sld>
 </file>
@@ -4126,7 +4915,7 @@
         <p:spPr>
           <a:xfrm>
             <a:off x="2135439" y="2022764"/>
-            <a:ext cx="8772706" cy="3139321"/>
+            <a:ext cx="8772706" cy="3416320"/>
           </a:xfrm>
           <a:prstGeom prst="rect">
             <a:avLst/>
@@ -4231,27 +5020,6 @@
               <a:buFont typeface="Arial" panose="020B0604020202020204" pitchFamily="34" charset="0"/>
               <a:buChar char="•"/>
             </a:pPr>
-            <a:endParaRPr lang="en-US" altLang="ko-KR" dirty="0" smtClean="0"/>
-          </a:p>
-          <a:p>
-            <a:pPr marL="285750" indent="-285750">
-              <a:buFont typeface="Arial" panose="020B0604020202020204" pitchFamily="34" charset="0"/>
-              <a:buChar char="•"/>
-            </a:pPr>
-            <a:r>
-              <a:rPr lang="ko-KR" altLang="en-US" b="1" dirty="0" smtClean="0"/>
-              <a:t>인터페이스 일관성</a:t>
-            </a:r>
-            <a:r>
-              <a:rPr lang="en-US" altLang="ko-KR" b="1" dirty="0" smtClean="0"/>
-              <a:t>(Uniform Interface)</a:t>
-            </a:r>
-          </a:p>
-          <a:p>
-            <a:pPr marL="285750" indent="-285750">
-              <a:buFont typeface="Arial" panose="020B0604020202020204" pitchFamily="34" charset="0"/>
-              <a:buChar char="•"/>
-            </a:pPr>
             <a:endParaRPr lang="en-US" altLang="ko-KR" b="1" dirty="0" smtClean="0"/>
           </a:p>
           <a:p>
@@ -4333,6 +5101,42 @@
               <a:rPr lang="en-US" altLang="ko-KR" dirty="0" smtClean="0"/>
               <a:t>.</a:t>
             </a:r>
+          </a:p>
+          <a:p>
+            <a:pPr marL="285750" indent="-285750">
+              <a:buFont typeface="Arial" panose="020B0604020202020204" pitchFamily="34" charset="0"/>
+              <a:buChar char="•"/>
+            </a:pPr>
+            <a:endParaRPr lang="en-US" altLang="ko-KR" dirty="0"/>
+          </a:p>
+          <a:p>
+            <a:pPr marL="285750" indent="-285750">
+              <a:buFont typeface="Arial" panose="020B0604020202020204" pitchFamily="34" charset="0"/>
+              <a:buChar char="•"/>
+            </a:pPr>
+            <a:r>
+              <a:rPr lang="ko-KR" altLang="en-US" b="1" dirty="0"/>
+              <a:t>일관된 인터페이스</a:t>
+            </a:r>
+            <a:r>
+              <a:rPr lang="en-US" altLang="ko-KR" b="1" dirty="0"/>
+              <a:t>(Uniform Interface) -&gt; </a:t>
+            </a:r>
+            <a:r>
+              <a:rPr lang="ko-KR" altLang="en-US" b="1" dirty="0"/>
+              <a:t>메시지의 일관된 형식</a:t>
+            </a:r>
+            <a:r>
+              <a:rPr lang="en-US" altLang="ko-KR" b="1" dirty="0"/>
+              <a:t>.</a:t>
+            </a:r>
+          </a:p>
+          <a:p>
+            <a:pPr marL="285750" indent="-285750">
+              <a:buFont typeface="Arial" panose="020B0604020202020204" pitchFamily="34" charset="0"/>
+              <a:buChar char="•"/>
+            </a:pPr>
+            <a:endParaRPr lang="en-US" altLang="ko-KR" dirty="0" smtClean="0"/>
           </a:p>
         </p:txBody>
       </p:sp>
@@ -4349,7 +5153,324 @@
   <p:timing>
     <p:tnLst>
       <p:par>
-        <p:cTn id="1" dur="indefinite" restart="never" nodeType="tmRoot"/>
+        <p:cTn id="1" dur="indefinite" restart="never" nodeType="tmRoot">
+          <p:childTnLst>
+            <p:seq concurrent="1" nextAc="seek">
+              <p:cTn id="2" dur="indefinite" nodeType="mainSeq">
+                <p:childTnLst>
+                  <p:par>
+                    <p:cTn id="3" fill="hold">
+                      <p:stCondLst>
+                        <p:cond delay="indefinite"/>
+                      </p:stCondLst>
+                      <p:childTnLst>
+                        <p:par>
+                          <p:cTn id="4" fill="hold">
+                            <p:stCondLst>
+                              <p:cond delay="0"/>
+                            </p:stCondLst>
+                            <p:childTnLst>
+                              <p:par>
+                                <p:cTn id="5" presetID="1" presetClass="entr" presetSubtype="0" fill="hold" nodeType="clickEffect">
+                                  <p:stCondLst>
+                                    <p:cond delay="0"/>
+                                  </p:stCondLst>
+                                  <p:childTnLst>
+                                    <p:set>
+                                      <p:cBhvr>
+                                        <p:cTn id="6" dur="1" fill="hold">
+                                          <p:stCondLst>
+                                            <p:cond delay="0"/>
+                                          </p:stCondLst>
+                                        </p:cTn>
+                                        <p:tgtEl>
+                                          <p:spTgt spid="2">
+                                            <p:txEl>
+                                              <p:pRg st="0" end="0"/>
+                                            </p:txEl>
+                                          </p:spTgt>
+                                        </p:tgtEl>
+                                        <p:attrNameLst>
+                                          <p:attrName>style.visibility</p:attrName>
+                                        </p:attrNameLst>
+                                      </p:cBhvr>
+                                      <p:to>
+                                        <p:strVal val="visible"/>
+                                      </p:to>
+                                    </p:set>
+                                  </p:childTnLst>
+                                </p:cTn>
+                              </p:par>
+                            </p:childTnLst>
+                          </p:cTn>
+                        </p:par>
+                      </p:childTnLst>
+                    </p:cTn>
+                  </p:par>
+                  <p:par>
+                    <p:cTn id="7" fill="hold">
+                      <p:stCondLst>
+                        <p:cond delay="indefinite"/>
+                      </p:stCondLst>
+                      <p:childTnLst>
+                        <p:par>
+                          <p:cTn id="8" fill="hold">
+                            <p:stCondLst>
+                              <p:cond delay="0"/>
+                            </p:stCondLst>
+                            <p:childTnLst>
+                              <p:par>
+                                <p:cTn id="9" presetID="1" presetClass="entr" presetSubtype="0" fill="hold" nodeType="clickEffect">
+                                  <p:stCondLst>
+                                    <p:cond delay="0"/>
+                                  </p:stCondLst>
+                                  <p:childTnLst>
+                                    <p:set>
+                                      <p:cBhvr>
+                                        <p:cTn id="10" dur="1" fill="hold">
+                                          <p:stCondLst>
+                                            <p:cond delay="0"/>
+                                          </p:stCondLst>
+                                        </p:cTn>
+                                        <p:tgtEl>
+                                          <p:spTgt spid="2">
+                                            <p:txEl>
+                                              <p:pRg st="2" end="2"/>
+                                            </p:txEl>
+                                          </p:spTgt>
+                                        </p:tgtEl>
+                                        <p:attrNameLst>
+                                          <p:attrName>style.visibility</p:attrName>
+                                        </p:attrNameLst>
+                                      </p:cBhvr>
+                                      <p:to>
+                                        <p:strVal val="visible"/>
+                                      </p:to>
+                                    </p:set>
+                                  </p:childTnLst>
+                                </p:cTn>
+                              </p:par>
+                            </p:childTnLst>
+                          </p:cTn>
+                        </p:par>
+                      </p:childTnLst>
+                    </p:cTn>
+                  </p:par>
+                  <p:par>
+                    <p:cTn id="11" fill="hold">
+                      <p:stCondLst>
+                        <p:cond delay="indefinite"/>
+                      </p:stCondLst>
+                      <p:childTnLst>
+                        <p:par>
+                          <p:cTn id="12" fill="hold">
+                            <p:stCondLst>
+                              <p:cond delay="0"/>
+                            </p:stCondLst>
+                            <p:childTnLst>
+                              <p:par>
+                                <p:cTn id="13" presetID="1" presetClass="entr" presetSubtype="0" fill="hold" nodeType="clickEffect">
+                                  <p:stCondLst>
+                                    <p:cond delay="0"/>
+                                  </p:stCondLst>
+                                  <p:childTnLst>
+                                    <p:set>
+                                      <p:cBhvr>
+                                        <p:cTn id="14" dur="1" fill="hold">
+                                          <p:stCondLst>
+                                            <p:cond delay="0"/>
+                                          </p:stCondLst>
+                                        </p:cTn>
+                                        <p:tgtEl>
+                                          <p:spTgt spid="2">
+                                            <p:txEl>
+                                              <p:pRg st="4" end="4"/>
+                                            </p:txEl>
+                                          </p:spTgt>
+                                        </p:tgtEl>
+                                        <p:attrNameLst>
+                                          <p:attrName>style.visibility</p:attrName>
+                                        </p:attrNameLst>
+                                      </p:cBhvr>
+                                      <p:to>
+                                        <p:strVal val="visible"/>
+                                      </p:to>
+                                    </p:set>
+                                  </p:childTnLst>
+                                </p:cTn>
+                              </p:par>
+                            </p:childTnLst>
+                          </p:cTn>
+                        </p:par>
+                      </p:childTnLst>
+                    </p:cTn>
+                  </p:par>
+                  <p:par>
+                    <p:cTn id="15" fill="hold">
+                      <p:stCondLst>
+                        <p:cond delay="indefinite"/>
+                      </p:stCondLst>
+                      <p:childTnLst>
+                        <p:par>
+                          <p:cTn id="16" fill="hold">
+                            <p:stCondLst>
+                              <p:cond delay="0"/>
+                            </p:stCondLst>
+                            <p:childTnLst>
+                              <p:par>
+                                <p:cTn id="17" presetID="1" presetClass="entr" presetSubtype="0" fill="hold" nodeType="clickEffect">
+                                  <p:stCondLst>
+                                    <p:cond delay="0"/>
+                                  </p:stCondLst>
+                                  <p:childTnLst>
+                                    <p:set>
+                                      <p:cBhvr>
+                                        <p:cTn id="18" dur="1" fill="hold">
+                                          <p:stCondLst>
+                                            <p:cond delay="0"/>
+                                          </p:stCondLst>
+                                        </p:cTn>
+                                        <p:tgtEl>
+                                          <p:spTgt spid="2">
+                                            <p:txEl>
+                                              <p:pRg st="6" end="6"/>
+                                            </p:txEl>
+                                          </p:spTgt>
+                                        </p:tgtEl>
+                                        <p:attrNameLst>
+                                          <p:attrName>style.visibility</p:attrName>
+                                        </p:attrNameLst>
+                                      </p:cBhvr>
+                                      <p:to>
+                                        <p:strVal val="visible"/>
+                                      </p:to>
+                                    </p:set>
+                                  </p:childTnLst>
+                                </p:cTn>
+                              </p:par>
+                            </p:childTnLst>
+                          </p:cTn>
+                        </p:par>
+                      </p:childTnLst>
+                    </p:cTn>
+                  </p:par>
+                  <p:par>
+                    <p:cTn id="19" fill="hold">
+                      <p:stCondLst>
+                        <p:cond delay="indefinite"/>
+                      </p:stCondLst>
+                      <p:childTnLst>
+                        <p:par>
+                          <p:cTn id="20" fill="hold">
+                            <p:stCondLst>
+                              <p:cond delay="0"/>
+                            </p:stCondLst>
+                            <p:childTnLst>
+                              <p:par>
+                                <p:cTn id="21" presetID="1" presetClass="entr" presetSubtype="0" fill="hold" nodeType="clickEffect">
+                                  <p:stCondLst>
+                                    <p:cond delay="0"/>
+                                  </p:stCondLst>
+                                  <p:childTnLst>
+                                    <p:set>
+                                      <p:cBhvr>
+                                        <p:cTn id="22" dur="1" fill="hold">
+                                          <p:stCondLst>
+                                            <p:cond delay="0"/>
+                                          </p:stCondLst>
+                                        </p:cTn>
+                                        <p:tgtEl>
+                                          <p:spTgt spid="2">
+                                            <p:txEl>
+                                              <p:pRg st="8" end="8"/>
+                                            </p:txEl>
+                                          </p:spTgt>
+                                        </p:tgtEl>
+                                        <p:attrNameLst>
+                                          <p:attrName>style.visibility</p:attrName>
+                                        </p:attrNameLst>
+                                      </p:cBhvr>
+                                      <p:to>
+                                        <p:strVal val="visible"/>
+                                      </p:to>
+                                    </p:set>
+                                  </p:childTnLst>
+                                </p:cTn>
+                              </p:par>
+                            </p:childTnLst>
+                          </p:cTn>
+                        </p:par>
+                      </p:childTnLst>
+                    </p:cTn>
+                  </p:par>
+                  <p:par>
+                    <p:cTn id="23" fill="hold">
+                      <p:stCondLst>
+                        <p:cond delay="indefinite"/>
+                      </p:stCondLst>
+                      <p:childTnLst>
+                        <p:par>
+                          <p:cTn id="24" fill="hold">
+                            <p:stCondLst>
+                              <p:cond delay="0"/>
+                            </p:stCondLst>
+                            <p:childTnLst>
+                              <p:par>
+                                <p:cTn id="25" presetID="1" presetClass="entr" presetSubtype="0" fill="hold" nodeType="clickEffect">
+                                  <p:stCondLst>
+                                    <p:cond delay="0"/>
+                                  </p:stCondLst>
+                                  <p:childTnLst>
+                                    <p:set>
+                                      <p:cBhvr>
+                                        <p:cTn id="26" dur="1" fill="hold">
+                                          <p:stCondLst>
+                                            <p:cond delay="0"/>
+                                          </p:stCondLst>
+                                        </p:cTn>
+                                        <p:tgtEl>
+                                          <p:spTgt spid="2">
+                                            <p:txEl>
+                                              <p:pRg st="10" end="10"/>
+                                            </p:txEl>
+                                          </p:spTgt>
+                                        </p:tgtEl>
+                                        <p:attrNameLst>
+                                          <p:attrName>style.visibility</p:attrName>
+                                        </p:attrNameLst>
+                                      </p:cBhvr>
+                                      <p:to>
+                                        <p:strVal val="visible"/>
+                                      </p:to>
+                                    </p:set>
+                                  </p:childTnLst>
+                                </p:cTn>
+                              </p:par>
+                            </p:childTnLst>
+                          </p:cTn>
+                        </p:par>
+                      </p:childTnLst>
+                    </p:cTn>
+                  </p:par>
+                </p:childTnLst>
+              </p:cTn>
+              <p:prevCondLst>
+                <p:cond evt="onPrev" delay="0">
+                  <p:tgtEl>
+                    <p:sldTgt/>
+                  </p:tgtEl>
+                </p:cond>
+              </p:prevCondLst>
+              <p:nextCondLst>
+                <p:cond evt="onNext" delay="0">
+                  <p:tgtEl>
+                    <p:sldTgt/>
+                  </p:tgtEl>
+                </p:cond>
+              </p:nextCondLst>
+            </p:seq>
+          </p:childTnLst>
+        </p:cTn>
       </p:par>
     </p:tnLst>
   </p:timing>
@@ -4411,8 +5532,8 @@
         </p:nvSpPr>
         <p:spPr>
           <a:xfrm>
-            <a:off x="2466108" y="1108365"/>
-            <a:ext cx="7389092" cy="1200329"/>
+            <a:off x="2466108" y="1326805"/>
+            <a:ext cx="7389092" cy="923330"/>
           </a:xfrm>
           <a:prstGeom prst="rect">
             <a:avLst/>
@@ -4427,23 +5548,11 @@
           <a:p>
             <a:r>
               <a:rPr lang="en-US" altLang="ko-KR" dirty="0" smtClean="0"/>
-              <a:t>URI</a:t>
+              <a:t>HTTP </a:t>
             </a:r>
             <a:r>
               <a:rPr lang="ko-KR" altLang="en-US" dirty="0" smtClean="0"/>
-              <a:t>로 리소스를 지정하고 </a:t>
-            </a:r>
-            <a:r>
-              <a:rPr lang="en-US" altLang="ko-KR" dirty="0" smtClean="0"/>
-              <a:t>HTTP </a:t>
-            </a:r>
-            <a:r>
-              <a:rPr lang="ko-KR" altLang="en-US" dirty="0" err="1" smtClean="0"/>
-              <a:t>메서드로</a:t>
-            </a:r>
-            <a:r>
-              <a:rPr lang="ko-KR" altLang="en-US" dirty="0" smtClean="0"/>
-              <a:t> 조작에 대한 방법을 통일해서 일관된 방법을 지정</a:t>
+              <a:t>메시지와 요청 방법에 대한 형식을 일관되게 통일</a:t>
             </a:r>
             <a:r>
               <a:rPr lang="en-US" altLang="ko-KR" dirty="0" smtClean="0"/>
@@ -4474,7 +5583,7 @@
         </p:nvSpPr>
         <p:spPr>
           <a:xfrm>
-            <a:off x="2466108" y="2918690"/>
+            <a:off x="2466108" y="2793999"/>
             <a:ext cx="7047347" cy="3046988"/>
           </a:xfrm>
           <a:prstGeom prst="rect">
@@ -4620,9 +5729,431 @@
   <p:timing>
     <p:tnLst>
       <p:par>
-        <p:cTn id="1" dur="indefinite" restart="never" nodeType="tmRoot"/>
+        <p:cTn id="1" dur="indefinite" restart="never" nodeType="tmRoot">
+          <p:childTnLst>
+            <p:seq concurrent="1" nextAc="seek">
+              <p:cTn id="2" dur="indefinite" nodeType="mainSeq">
+                <p:childTnLst>
+                  <p:par>
+                    <p:cTn id="3" fill="hold">
+                      <p:stCondLst>
+                        <p:cond delay="indefinite"/>
+                      </p:stCondLst>
+                      <p:childTnLst>
+                        <p:par>
+                          <p:cTn id="4" fill="hold">
+                            <p:stCondLst>
+                              <p:cond delay="0"/>
+                            </p:stCondLst>
+                            <p:childTnLst>
+                              <p:par>
+                                <p:cTn id="5" presetID="1" presetClass="entr" presetSubtype="0" fill="hold" grpId="0" nodeType="clickEffect">
+                                  <p:stCondLst>
+                                    <p:cond delay="0"/>
+                                  </p:stCondLst>
+                                  <p:childTnLst>
+                                    <p:set>
+                                      <p:cBhvr>
+                                        <p:cTn id="6" dur="1" fill="hold">
+                                          <p:stCondLst>
+                                            <p:cond delay="0"/>
+                                          </p:stCondLst>
+                                        </p:cTn>
+                                        <p:tgtEl>
+                                          <p:spTgt spid="4"/>
+                                        </p:tgtEl>
+                                        <p:attrNameLst>
+                                          <p:attrName>style.visibility</p:attrName>
+                                        </p:attrNameLst>
+                                      </p:cBhvr>
+                                      <p:to>
+                                        <p:strVal val="visible"/>
+                                      </p:to>
+                                    </p:set>
+                                  </p:childTnLst>
+                                </p:cTn>
+                              </p:par>
+                            </p:childTnLst>
+                          </p:cTn>
+                        </p:par>
+                      </p:childTnLst>
+                    </p:cTn>
+                  </p:par>
+                  <p:par>
+                    <p:cTn id="7" fill="hold">
+                      <p:stCondLst>
+                        <p:cond delay="indefinite"/>
+                      </p:stCondLst>
+                      <p:childTnLst>
+                        <p:par>
+                          <p:cTn id="8" fill="hold">
+                            <p:stCondLst>
+                              <p:cond delay="0"/>
+                            </p:stCondLst>
+                            <p:childTnLst>
+                              <p:par>
+                                <p:cTn id="9" presetID="1" presetClass="entr" presetSubtype="0" fill="hold" nodeType="clickEffect">
+                                  <p:stCondLst>
+                                    <p:cond delay="0"/>
+                                  </p:stCondLst>
+                                  <p:childTnLst>
+                                    <p:set>
+                                      <p:cBhvr>
+                                        <p:cTn id="10" dur="1" fill="hold">
+                                          <p:stCondLst>
+                                            <p:cond delay="0"/>
+                                          </p:stCondLst>
+                                        </p:cTn>
+                                        <p:tgtEl>
+                                          <p:spTgt spid="12">
+                                            <p:txEl>
+                                              <p:pRg st="0" end="0"/>
+                                            </p:txEl>
+                                          </p:spTgt>
+                                        </p:tgtEl>
+                                        <p:attrNameLst>
+                                          <p:attrName>style.visibility</p:attrName>
+                                        </p:attrNameLst>
+                                      </p:cBhvr>
+                                      <p:to>
+                                        <p:strVal val="visible"/>
+                                      </p:to>
+                                    </p:set>
+                                  </p:childTnLst>
+                                </p:cTn>
+                              </p:par>
+                              <p:par>
+                                <p:cTn id="11" presetID="1" presetClass="entr" presetSubtype="0" fill="hold" nodeType="withEffect">
+                                  <p:stCondLst>
+                                    <p:cond delay="0"/>
+                                  </p:stCondLst>
+                                  <p:childTnLst>
+                                    <p:set>
+                                      <p:cBhvr>
+                                        <p:cTn id="12" dur="1" fill="hold">
+                                          <p:stCondLst>
+                                            <p:cond delay="0"/>
+                                          </p:stCondLst>
+                                        </p:cTn>
+                                        <p:tgtEl>
+                                          <p:spTgt spid="12">
+                                            <p:txEl>
+                                              <p:pRg st="1" end="1"/>
+                                            </p:txEl>
+                                          </p:spTgt>
+                                        </p:tgtEl>
+                                        <p:attrNameLst>
+                                          <p:attrName>style.visibility</p:attrName>
+                                        </p:attrNameLst>
+                                      </p:cBhvr>
+                                      <p:to>
+                                        <p:strVal val="visible"/>
+                                      </p:to>
+                                    </p:set>
+                                  </p:childTnLst>
+                                </p:cTn>
+                              </p:par>
+                            </p:childTnLst>
+                          </p:cTn>
+                        </p:par>
+                      </p:childTnLst>
+                    </p:cTn>
+                  </p:par>
+                  <p:par>
+                    <p:cTn id="13" fill="hold">
+                      <p:stCondLst>
+                        <p:cond delay="indefinite"/>
+                      </p:stCondLst>
+                      <p:childTnLst>
+                        <p:par>
+                          <p:cTn id="14" fill="hold">
+                            <p:stCondLst>
+                              <p:cond delay="0"/>
+                            </p:stCondLst>
+                            <p:childTnLst>
+                              <p:par>
+                                <p:cTn id="15" presetID="1" presetClass="entr" presetSubtype="0" fill="hold" nodeType="clickEffect">
+                                  <p:stCondLst>
+                                    <p:cond delay="0"/>
+                                  </p:stCondLst>
+                                  <p:childTnLst>
+                                    <p:set>
+                                      <p:cBhvr>
+                                        <p:cTn id="16" dur="1" fill="hold">
+                                          <p:stCondLst>
+                                            <p:cond delay="0"/>
+                                          </p:stCondLst>
+                                        </p:cTn>
+                                        <p:tgtEl>
+                                          <p:spTgt spid="12">
+                                            <p:txEl>
+                                              <p:pRg st="3" end="3"/>
+                                            </p:txEl>
+                                          </p:spTgt>
+                                        </p:tgtEl>
+                                        <p:attrNameLst>
+                                          <p:attrName>style.visibility</p:attrName>
+                                        </p:attrNameLst>
+                                      </p:cBhvr>
+                                      <p:to>
+                                        <p:strVal val="visible"/>
+                                      </p:to>
+                                    </p:set>
+                                  </p:childTnLst>
+                                </p:cTn>
+                              </p:par>
+                              <p:par>
+                                <p:cTn id="17" presetID="1" presetClass="entr" presetSubtype="0" fill="hold" nodeType="withEffect">
+                                  <p:stCondLst>
+                                    <p:cond delay="0"/>
+                                  </p:stCondLst>
+                                  <p:childTnLst>
+                                    <p:set>
+                                      <p:cBhvr>
+                                        <p:cTn id="18" dur="1" fill="hold">
+                                          <p:stCondLst>
+                                            <p:cond delay="0"/>
+                                          </p:stCondLst>
+                                        </p:cTn>
+                                        <p:tgtEl>
+                                          <p:spTgt spid="12">
+                                            <p:txEl>
+                                              <p:pRg st="4" end="4"/>
+                                            </p:txEl>
+                                          </p:spTgt>
+                                        </p:tgtEl>
+                                        <p:attrNameLst>
+                                          <p:attrName>style.visibility</p:attrName>
+                                        </p:attrNameLst>
+                                      </p:cBhvr>
+                                      <p:to>
+                                        <p:strVal val="visible"/>
+                                      </p:to>
+                                    </p:set>
+                                  </p:childTnLst>
+                                </p:cTn>
+                              </p:par>
+                              <p:par>
+                                <p:cTn id="19" presetID="1" presetClass="entr" presetSubtype="0" fill="hold" nodeType="withEffect">
+                                  <p:stCondLst>
+                                    <p:cond delay="0"/>
+                                  </p:stCondLst>
+                                  <p:childTnLst>
+                                    <p:set>
+                                      <p:cBhvr>
+                                        <p:cTn id="20" dur="1" fill="hold">
+                                          <p:stCondLst>
+                                            <p:cond delay="0"/>
+                                          </p:stCondLst>
+                                        </p:cTn>
+                                        <p:tgtEl>
+                                          <p:spTgt spid="12">
+                                            <p:txEl>
+                                              <p:pRg st="5" end="5"/>
+                                            </p:txEl>
+                                          </p:spTgt>
+                                        </p:tgtEl>
+                                        <p:attrNameLst>
+                                          <p:attrName>style.visibility</p:attrName>
+                                        </p:attrNameLst>
+                                      </p:cBhvr>
+                                      <p:to>
+                                        <p:strVal val="visible"/>
+                                      </p:to>
+                                    </p:set>
+                                  </p:childTnLst>
+                                </p:cTn>
+                              </p:par>
+                            </p:childTnLst>
+                          </p:cTn>
+                        </p:par>
+                      </p:childTnLst>
+                    </p:cTn>
+                  </p:par>
+                  <p:par>
+                    <p:cTn id="21" fill="hold">
+                      <p:stCondLst>
+                        <p:cond delay="indefinite"/>
+                      </p:stCondLst>
+                      <p:childTnLst>
+                        <p:par>
+                          <p:cTn id="22" fill="hold">
+                            <p:stCondLst>
+                              <p:cond delay="0"/>
+                            </p:stCondLst>
+                            <p:childTnLst>
+                              <p:par>
+                                <p:cTn id="23" presetID="1" presetClass="entr" presetSubtype="0" fill="hold" nodeType="clickEffect">
+                                  <p:stCondLst>
+                                    <p:cond delay="0"/>
+                                  </p:stCondLst>
+                                  <p:childTnLst>
+                                    <p:set>
+                                      <p:cBhvr>
+                                        <p:cTn id="24" dur="1" fill="hold">
+                                          <p:stCondLst>
+                                            <p:cond delay="0"/>
+                                          </p:stCondLst>
+                                        </p:cTn>
+                                        <p:tgtEl>
+                                          <p:spTgt spid="12">
+                                            <p:txEl>
+                                              <p:pRg st="7" end="7"/>
+                                            </p:txEl>
+                                          </p:spTgt>
+                                        </p:tgtEl>
+                                        <p:attrNameLst>
+                                          <p:attrName>style.visibility</p:attrName>
+                                        </p:attrNameLst>
+                                      </p:cBhvr>
+                                      <p:to>
+                                        <p:strVal val="visible"/>
+                                      </p:to>
+                                    </p:set>
+                                  </p:childTnLst>
+                                </p:cTn>
+                              </p:par>
+                              <p:par>
+                                <p:cTn id="25" presetID="1" presetClass="entr" presetSubtype="0" fill="hold" nodeType="withEffect">
+                                  <p:stCondLst>
+                                    <p:cond delay="0"/>
+                                  </p:stCondLst>
+                                  <p:childTnLst>
+                                    <p:set>
+                                      <p:cBhvr>
+                                        <p:cTn id="26" dur="1" fill="hold">
+                                          <p:stCondLst>
+                                            <p:cond delay="0"/>
+                                          </p:stCondLst>
+                                        </p:cTn>
+                                        <p:tgtEl>
+                                          <p:spTgt spid="12">
+                                            <p:txEl>
+                                              <p:pRg st="8" end="8"/>
+                                            </p:txEl>
+                                          </p:spTgt>
+                                        </p:tgtEl>
+                                        <p:attrNameLst>
+                                          <p:attrName>style.visibility</p:attrName>
+                                        </p:attrNameLst>
+                                      </p:cBhvr>
+                                      <p:to>
+                                        <p:strVal val="visible"/>
+                                      </p:to>
+                                    </p:set>
+                                  </p:childTnLst>
+                                </p:cTn>
+                              </p:par>
+                            </p:childTnLst>
+                          </p:cTn>
+                        </p:par>
+                      </p:childTnLst>
+                    </p:cTn>
+                  </p:par>
+                  <p:par>
+                    <p:cTn id="27" fill="hold">
+                      <p:stCondLst>
+                        <p:cond delay="indefinite"/>
+                      </p:stCondLst>
+                      <p:childTnLst>
+                        <p:par>
+                          <p:cTn id="28" fill="hold">
+                            <p:stCondLst>
+                              <p:cond delay="0"/>
+                            </p:stCondLst>
+                            <p:childTnLst>
+                              <p:par>
+                                <p:cTn id="29" presetID="1" presetClass="entr" presetSubtype="0" fill="hold" nodeType="clickEffect">
+                                  <p:stCondLst>
+                                    <p:cond delay="0"/>
+                                  </p:stCondLst>
+                                  <p:childTnLst>
+                                    <p:set>
+                                      <p:cBhvr>
+                                        <p:cTn id="30" dur="1" fill="hold">
+                                          <p:stCondLst>
+                                            <p:cond delay="0"/>
+                                          </p:stCondLst>
+                                        </p:cTn>
+                                        <p:tgtEl>
+                                          <p:spTgt spid="12">
+                                            <p:txEl>
+                                              <p:pRg st="10" end="10"/>
+                                            </p:txEl>
+                                          </p:spTgt>
+                                        </p:tgtEl>
+                                        <p:attrNameLst>
+                                          <p:attrName>style.visibility</p:attrName>
+                                        </p:attrNameLst>
+                                      </p:cBhvr>
+                                      <p:to>
+                                        <p:strVal val="visible"/>
+                                      </p:to>
+                                    </p:set>
+                                  </p:childTnLst>
+                                </p:cTn>
+                              </p:par>
+                              <p:par>
+                                <p:cTn id="31" presetID="1" presetClass="entr" presetSubtype="0" fill="hold" nodeType="withEffect">
+                                  <p:stCondLst>
+                                    <p:cond delay="0"/>
+                                  </p:stCondLst>
+                                  <p:childTnLst>
+                                    <p:set>
+                                      <p:cBhvr>
+                                        <p:cTn id="32" dur="1" fill="hold">
+                                          <p:stCondLst>
+                                            <p:cond delay="0"/>
+                                          </p:stCondLst>
+                                        </p:cTn>
+                                        <p:tgtEl>
+                                          <p:spTgt spid="12">
+                                            <p:txEl>
+                                              <p:pRg st="11" end="11"/>
+                                            </p:txEl>
+                                          </p:spTgt>
+                                        </p:tgtEl>
+                                        <p:attrNameLst>
+                                          <p:attrName>style.visibility</p:attrName>
+                                        </p:attrNameLst>
+                                      </p:cBhvr>
+                                      <p:to>
+                                        <p:strVal val="visible"/>
+                                      </p:to>
+                                    </p:set>
+                                  </p:childTnLst>
+                                </p:cTn>
+                              </p:par>
+                            </p:childTnLst>
+                          </p:cTn>
+                        </p:par>
+                      </p:childTnLst>
+                    </p:cTn>
+                  </p:par>
+                </p:childTnLst>
+              </p:cTn>
+              <p:prevCondLst>
+                <p:cond evt="onPrev" delay="0">
+                  <p:tgtEl>
+                    <p:sldTgt/>
+                  </p:tgtEl>
+                </p:cond>
+              </p:prevCondLst>
+              <p:nextCondLst>
+                <p:cond evt="onNext" delay="0">
+                  <p:tgtEl>
+                    <p:sldTgt/>
+                  </p:tgtEl>
+                </p:cond>
+              </p:nextCondLst>
+            </p:seq>
+          </p:childTnLst>
+        </p:cTn>
       </p:par>
     </p:tnLst>
+    <p:bldLst>
+      <p:bldP spid="4" grpId="0"/>
+    </p:bldLst>
   </p:timing>
 </p:sld>
 </file>
@@ -4938,9 +6469,126 @@
   <p:timing>
     <p:tnLst>
       <p:par>
-        <p:cTn id="1" dur="indefinite" restart="never" nodeType="tmRoot"/>
+        <p:cTn id="1" dur="indefinite" restart="never" nodeType="tmRoot">
+          <p:childTnLst>
+            <p:seq concurrent="1" nextAc="seek">
+              <p:cTn id="2" dur="indefinite" nodeType="mainSeq">
+                <p:childTnLst>
+                  <p:par>
+                    <p:cTn id="3" fill="hold">
+                      <p:stCondLst>
+                        <p:cond delay="indefinite"/>
+                      </p:stCondLst>
+                      <p:childTnLst>
+                        <p:par>
+                          <p:cTn id="4" fill="hold">
+                            <p:stCondLst>
+                              <p:cond delay="0"/>
+                            </p:stCondLst>
+                            <p:childTnLst>
+                              <p:par>
+                                <p:cTn id="5" presetID="1" presetClass="entr" presetSubtype="0" fill="hold" grpId="0" nodeType="clickEffect">
+                                  <p:stCondLst>
+                                    <p:cond delay="0"/>
+                                  </p:stCondLst>
+                                  <p:childTnLst>
+                                    <p:set>
+                                      <p:cBhvr>
+                                        <p:cTn id="6" dur="1" fill="hold">
+                                          <p:stCondLst>
+                                            <p:cond delay="0"/>
+                                          </p:stCondLst>
+                                        </p:cTn>
+                                        <p:tgtEl>
+                                          <p:spTgt spid="3"/>
+                                        </p:tgtEl>
+                                        <p:attrNameLst>
+                                          <p:attrName>style.visibility</p:attrName>
+                                        </p:attrNameLst>
+                                      </p:cBhvr>
+                                      <p:to>
+                                        <p:strVal val="visible"/>
+                                      </p:to>
+                                    </p:set>
+                                  </p:childTnLst>
+                                </p:cTn>
+                              </p:par>
+                            </p:childTnLst>
+                          </p:cTn>
+                        </p:par>
+                      </p:childTnLst>
+                    </p:cTn>
+                  </p:par>
+                  <p:par>
+                    <p:cTn id="7" fill="hold">
+                      <p:stCondLst>
+                        <p:cond delay="indefinite"/>
+                      </p:stCondLst>
+                      <p:childTnLst>
+                        <p:par>
+                          <p:cTn id="8" fill="hold">
+                            <p:stCondLst>
+                              <p:cond delay="0"/>
+                            </p:stCondLst>
+                            <p:childTnLst>
+                              <p:par>
+                                <p:cTn id="9" presetID="1" presetClass="entr" presetSubtype="0" fill="hold" grpId="0" nodeType="clickEffect">
+                                  <p:stCondLst>
+                                    <p:cond delay="0"/>
+                                  </p:stCondLst>
+                                  <p:childTnLst>
+                                    <p:set>
+                                      <p:cBhvr>
+                                        <p:cTn id="10" dur="1" fill="hold">
+                                          <p:stCondLst>
+                                            <p:cond delay="0"/>
+                                          </p:stCondLst>
+                                        </p:cTn>
+                                        <p:tgtEl>
+                                          <p:spTgt spid="4"/>
+                                        </p:tgtEl>
+                                        <p:attrNameLst>
+                                          <p:attrName>style.visibility</p:attrName>
+                                        </p:attrNameLst>
+                                      </p:cBhvr>
+                                      <p:to>
+                                        <p:strVal val="visible"/>
+                                      </p:to>
+                                    </p:set>
+                                  </p:childTnLst>
+                                </p:cTn>
+                              </p:par>
+                            </p:childTnLst>
+                          </p:cTn>
+                        </p:par>
+                      </p:childTnLst>
+                    </p:cTn>
+                  </p:par>
+                </p:childTnLst>
+              </p:cTn>
+              <p:prevCondLst>
+                <p:cond evt="onPrev" delay="0">
+                  <p:tgtEl>
+                    <p:sldTgt/>
+                  </p:tgtEl>
+                </p:cond>
+              </p:prevCondLst>
+              <p:nextCondLst>
+                <p:cond evt="onNext" delay="0">
+                  <p:tgtEl>
+                    <p:sldTgt/>
+                  </p:tgtEl>
+                </p:cond>
+              </p:nextCondLst>
+            </p:seq>
+          </p:childTnLst>
+        </p:cTn>
       </p:par>
     </p:tnLst>
+    <p:bldLst>
+      <p:bldP spid="3" grpId="0"/>
+      <p:bldP spid="4" grpId="0"/>
+    </p:bldLst>
   </p:timing>
 </p:sld>
 </file>
@@ -5081,12 +6729,12 @@
               <a:t>그래서 요청을 </a:t>
             </a:r>
             <a:r>
+              <a:rPr lang="ko-KR" altLang="en-US" dirty="0" err="1" smtClean="0"/>
+              <a:t>보낼때</a:t>
+            </a:r>
+            <a:r>
               <a:rPr lang="ko-KR" altLang="en-US" dirty="0" smtClean="0"/>
-              <a:t>보낼 때 </a:t>
-            </a:r>
-            <a:r>
-              <a:rPr lang="ko-KR" altLang="en-US" dirty="0" smtClean="0"/>
-              <a:t>어떤 데이터를 처리할 수 있는지</a:t>
+              <a:t> 어떤 데이터를 처리할 수 있는지</a:t>
             </a:r>
             <a:r>
               <a:rPr lang="en-US" altLang="ko-KR" dirty="0" smtClean="0"/>
@@ -5097,20 +6745,12 @@
               <a:t>어떤 데이터로 </a:t>
             </a:r>
             <a:r>
+              <a:rPr lang="ko-KR" altLang="en-US" dirty="0" err="1" smtClean="0"/>
+              <a:t>보낼것인지를</a:t>
+            </a:r>
+            <a:r>
               <a:rPr lang="ko-KR" altLang="en-US" dirty="0" smtClean="0"/>
-              <a:t>보낼 </a:t>
-            </a:r>
-            <a:r>
-              <a:rPr lang="ko-KR" altLang="en-US" dirty="0"/>
-              <a:t>것</a:t>
-            </a:r>
-            <a:r>
-              <a:rPr lang="ko-KR" altLang="en-US" dirty="0" smtClean="0"/>
-              <a:t>인지를 </a:t>
-            </a:r>
-            <a:r>
-              <a:rPr lang="ko-KR" altLang="en-US" dirty="0" smtClean="0"/>
-              <a:t>명시해줘야 한다</a:t>
+              <a:t> 명시해줘야 한다</a:t>
             </a:r>
             <a:r>
               <a:rPr lang="en-US" altLang="ko-KR" dirty="0" smtClean="0"/>
@@ -5157,7 +6797,222 @@
   <p:timing>
     <p:tnLst>
       <p:par>
-        <p:cTn id="1" dur="indefinite" restart="never" nodeType="tmRoot"/>
+        <p:cTn id="1" dur="indefinite" restart="never" nodeType="tmRoot">
+          <p:childTnLst>
+            <p:seq concurrent="1" nextAc="seek">
+              <p:cTn id="2" dur="indefinite" nodeType="mainSeq">
+                <p:childTnLst>
+                  <p:par>
+                    <p:cTn id="3" fill="hold">
+                      <p:stCondLst>
+                        <p:cond delay="indefinite"/>
+                      </p:stCondLst>
+                      <p:childTnLst>
+                        <p:par>
+                          <p:cTn id="4" fill="hold">
+                            <p:stCondLst>
+                              <p:cond delay="0"/>
+                            </p:stCondLst>
+                            <p:childTnLst>
+                              <p:par>
+                                <p:cTn id="5" presetID="1" presetClass="entr" presetSubtype="0" fill="hold" nodeType="clickEffect">
+                                  <p:stCondLst>
+                                    <p:cond delay="0"/>
+                                  </p:stCondLst>
+                                  <p:childTnLst>
+                                    <p:set>
+                                      <p:cBhvr>
+                                        <p:cTn id="6" dur="1" fill="hold">
+                                          <p:stCondLst>
+                                            <p:cond delay="0"/>
+                                          </p:stCondLst>
+                                        </p:cTn>
+                                        <p:tgtEl>
+                                          <p:spTgt spid="5">
+                                            <p:txEl>
+                                              <p:pRg st="0" end="0"/>
+                                            </p:txEl>
+                                          </p:spTgt>
+                                        </p:tgtEl>
+                                        <p:attrNameLst>
+                                          <p:attrName>style.visibility</p:attrName>
+                                        </p:attrNameLst>
+                                      </p:cBhvr>
+                                      <p:to>
+                                        <p:strVal val="visible"/>
+                                      </p:to>
+                                    </p:set>
+                                  </p:childTnLst>
+                                </p:cTn>
+                              </p:par>
+                            </p:childTnLst>
+                          </p:cTn>
+                        </p:par>
+                      </p:childTnLst>
+                    </p:cTn>
+                  </p:par>
+                  <p:par>
+                    <p:cTn id="7" fill="hold">
+                      <p:stCondLst>
+                        <p:cond delay="indefinite"/>
+                      </p:stCondLst>
+                      <p:childTnLst>
+                        <p:par>
+                          <p:cTn id="8" fill="hold">
+                            <p:stCondLst>
+                              <p:cond delay="0"/>
+                            </p:stCondLst>
+                            <p:childTnLst>
+                              <p:par>
+                                <p:cTn id="9" presetID="1" presetClass="entr" presetSubtype="0" fill="hold" nodeType="clickEffect">
+                                  <p:stCondLst>
+                                    <p:cond delay="0"/>
+                                  </p:stCondLst>
+                                  <p:childTnLst>
+                                    <p:set>
+                                      <p:cBhvr>
+                                        <p:cTn id="10" dur="1" fill="hold">
+                                          <p:stCondLst>
+                                            <p:cond delay="0"/>
+                                          </p:stCondLst>
+                                        </p:cTn>
+                                        <p:tgtEl>
+                                          <p:spTgt spid="5">
+                                            <p:txEl>
+                                              <p:pRg st="2" end="2"/>
+                                            </p:txEl>
+                                          </p:spTgt>
+                                        </p:tgtEl>
+                                        <p:attrNameLst>
+                                          <p:attrName>style.visibility</p:attrName>
+                                        </p:attrNameLst>
+                                      </p:cBhvr>
+                                      <p:to>
+                                        <p:strVal val="visible"/>
+                                      </p:to>
+                                    </p:set>
+                                  </p:childTnLst>
+                                </p:cTn>
+                              </p:par>
+                            </p:childTnLst>
+                          </p:cTn>
+                        </p:par>
+                      </p:childTnLst>
+                    </p:cTn>
+                  </p:par>
+                  <p:par>
+                    <p:cTn id="11" fill="hold">
+                      <p:stCondLst>
+                        <p:cond delay="indefinite"/>
+                      </p:stCondLst>
+                      <p:childTnLst>
+                        <p:par>
+                          <p:cTn id="12" fill="hold">
+                            <p:stCondLst>
+                              <p:cond delay="0"/>
+                            </p:stCondLst>
+                            <p:childTnLst>
+                              <p:par>
+                                <p:cTn id="13" presetID="1" presetClass="entr" presetSubtype="0" fill="hold" nodeType="clickEffect">
+                                  <p:stCondLst>
+                                    <p:cond delay="0"/>
+                                  </p:stCondLst>
+                                  <p:childTnLst>
+                                    <p:set>
+                                      <p:cBhvr>
+                                        <p:cTn id="14" dur="1" fill="hold">
+                                          <p:stCondLst>
+                                            <p:cond delay="0"/>
+                                          </p:stCondLst>
+                                        </p:cTn>
+                                        <p:tgtEl>
+                                          <p:spTgt spid="5">
+                                            <p:txEl>
+                                              <p:pRg st="4" end="4"/>
+                                            </p:txEl>
+                                          </p:spTgt>
+                                        </p:tgtEl>
+                                        <p:attrNameLst>
+                                          <p:attrName>style.visibility</p:attrName>
+                                        </p:attrNameLst>
+                                      </p:cBhvr>
+                                      <p:to>
+                                        <p:strVal val="visible"/>
+                                      </p:to>
+                                    </p:set>
+                                  </p:childTnLst>
+                                </p:cTn>
+                              </p:par>
+                            </p:childTnLst>
+                          </p:cTn>
+                        </p:par>
+                      </p:childTnLst>
+                    </p:cTn>
+                  </p:par>
+                  <p:par>
+                    <p:cTn id="15" fill="hold">
+                      <p:stCondLst>
+                        <p:cond delay="indefinite"/>
+                      </p:stCondLst>
+                      <p:childTnLst>
+                        <p:par>
+                          <p:cTn id="16" fill="hold">
+                            <p:stCondLst>
+                              <p:cond delay="0"/>
+                            </p:stCondLst>
+                            <p:childTnLst>
+                              <p:par>
+                                <p:cTn id="17" presetID="1" presetClass="entr" presetSubtype="0" fill="hold" nodeType="clickEffect">
+                                  <p:stCondLst>
+                                    <p:cond delay="0"/>
+                                  </p:stCondLst>
+                                  <p:childTnLst>
+                                    <p:set>
+                                      <p:cBhvr>
+                                        <p:cTn id="18" dur="1" fill="hold">
+                                          <p:stCondLst>
+                                            <p:cond delay="0"/>
+                                          </p:stCondLst>
+                                        </p:cTn>
+                                        <p:tgtEl>
+                                          <p:spTgt spid="10"/>
+                                        </p:tgtEl>
+                                        <p:attrNameLst>
+                                          <p:attrName>style.visibility</p:attrName>
+                                        </p:attrNameLst>
+                                      </p:cBhvr>
+                                      <p:to>
+                                        <p:strVal val="visible"/>
+                                      </p:to>
+                                    </p:set>
+                                  </p:childTnLst>
+                                </p:cTn>
+                              </p:par>
+                            </p:childTnLst>
+                          </p:cTn>
+                        </p:par>
+                      </p:childTnLst>
+                    </p:cTn>
+                  </p:par>
+                </p:childTnLst>
+              </p:cTn>
+              <p:prevCondLst>
+                <p:cond evt="onPrev" delay="0">
+                  <p:tgtEl>
+                    <p:sldTgt/>
+                  </p:tgtEl>
+                </p:cond>
+              </p:prevCondLst>
+              <p:nextCondLst>
+                <p:cond evt="onNext" delay="0">
+                  <p:tgtEl>
+                    <p:sldTgt/>
+                  </p:tgtEl>
+                </p:cond>
+              </p:nextCondLst>
+            </p:seq>
+          </p:childTnLst>
+        </p:cTn>
       </p:par>
     </p:tnLst>
   </p:timing>
@@ -5219,8 +7074,8 @@
         </p:nvSpPr>
         <p:spPr>
           <a:xfrm>
-            <a:off x="1930398" y="1112456"/>
-            <a:ext cx="8174183" cy="3293209"/>
+            <a:off x="1930398" y="1099127"/>
+            <a:ext cx="8174183" cy="2862322"/>
           </a:xfrm>
           <a:prstGeom prst="rect">
             <a:avLst/>
@@ -5238,27 +7093,27 @@
               <a:buChar char="•"/>
             </a:pPr>
             <a:r>
-              <a:rPr lang="ko-KR" altLang="en-US" sz="1600" dirty="0" smtClean="0"/>
+              <a:rPr lang="ko-KR" altLang="en-US" dirty="0" smtClean="0"/>
               <a:t>각 </a:t>
             </a:r>
             <a:r>
-              <a:rPr lang="ko-KR" altLang="en-US" sz="1600" dirty="0"/>
+              <a:rPr lang="ko-KR" altLang="en-US" dirty="0"/>
               <a:t>요청은 </a:t>
             </a:r>
             <a:r>
-              <a:rPr lang="ko-KR" altLang="en-US" sz="1600" dirty="0" smtClean="0"/>
+              <a:rPr lang="ko-KR" altLang="en-US" dirty="0" smtClean="0"/>
               <a:t>별개이기 때문에</a:t>
             </a:r>
             <a:r>
-              <a:rPr lang="en-US" altLang="ko-KR" sz="1600" dirty="0" smtClean="0"/>
+              <a:rPr lang="en-US" altLang="ko-KR" dirty="0" smtClean="0"/>
               <a:t> </a:t>
             </a:r>
             <a:r>
-              <a:rPr lang="ko-KR" altLang="en-US" sz="1600" dirty="0" smtClean="0"/>
+              <a:rPr lang="ko-KR" altLang="en-US" dirty="0" smtClean="0"/>
               <a:t>요청과 응답 메시지는 메시지만 보고도 어떤 것인지 충분히 잘 알 수 있도록 해야 한다</a:t>
             </a:r>
             <a:r>
-              <a:rPr lang="en-US" altLang="ko-KR" sz="1600" dirty="0" smtClean="0"/>
+              <a:rPr lang="en-US" altLang="ko-KR" dirty="0" smtClean="0"/>
               <a:t>.</a:t>
             </a:r>
           </a:p>
@@ -5267,7 +7122,7 @@
               <a:buFont typeface="Arial" panose="020B0604020202020204" pitchFamily="34" charset="0"/>
               <a:buChar char="•"/>
             </a:pPr>
-            <a:endParaRPr lang="en-US" altLang="ko-KR" sz="1600" dirty="0"/>
+            <a:endParaRPr lang="en-US" altLang="ko-KR" dirty="0"/>
           </a:p>
           <a:p>
             <a:pPr marL="285750" indent="-285750">
@@ -5275,19 +7130,19 @@
               <a:buChar char="•"/>
             </a:pPr>
             <a:r>
-              <a:rPr lang="en-US" altLang="ko-KR" sz="1600" dirty="0" smtClean="0"/>
+              <a:rPr lang="en-US" altLang="ko-KR" dirty="0" smtClean="0"/>
               <a:t>HTTP </a:t>
             </a:r>
             <a:r>
-              <a:rPr lang="ko-KR" altLang="en-US" sz="1600" dirty="0" err="1" smtClean="0"/>
+              <a:rPr lang="ko-KR" altLang="en-US" dirty="0" err="1" smtClean="0"/>
               <a:t>메서드를</a:t>
             </a:r>
             <a:r>
-              <a:rPr lang="ko-KR" altLang="en-US" sz="1600" dirty="0" smtClean="0"/>
+              <a:rPr lang="ko-KR" altLang="en-US" dirty="0" smtClean="0"/>
               <a:t> 통해 리소스에 대해 어떤 행위를 하는지 나타낸다</a:t>
             </a:r>
             <a:r>
-              <a:rPr lang="en-US" altLang="ko-KR" sz="1600" dirty="0" smtClean="0"/>
+              <a:rPr lang="en-US" altLang="ko-KR" dirty="0" smtClean="0"/>
               <a:t>.</a:t>
             </a:r>
           </a:p>
@@ -5296,7 +7151,7 @@
               <a:buFont typeface="Arial" panose="020B0604020202020204" pitchFamily="34" charset="0"/>
               <a:buChar char="•"/>
             </a:pPr>
-            <a:endParaRPr lang="en-US" altLang="ko-KR" sz="1600" dirty="0"/>
+            <a:endParaRPr lang="en-US" altLang="ko-KR" dirty="0"/>
           </a:p>
           <a:p>
             <a:pPr marL="285750" indent="-285750">
@@ -5304,23 +7159,15 @@
               <a:buChar char="•"/>
             </a:pPr>
             <a:r>
-              <a:rPr lang="en-US" altLang="ko-KR" sz="1600" dirty="0" smtClean="0"/>
-              <a:t>content-</a:t>
-            </a:r>
-            <a:r>
-              <a:rPr lang="en-US" altLang="ko-KR" sz="1600" dirty="0" smtClean="0"/>
-              <a:t>t</a:t>
-            </a:r>
-            <a:r>
-              <a:rPr lang="en-US" altLang="ko-KR" sz="1600" dirty="0" smtClean="0"/>
-              <a:t>ype</a:t>
-            </a:r>
-            <a:r>
-              <a:rPr lang="ko-KR" altLang="en-US" sz="1600" dirty="0" smtClean="0"/>
+              <a:rPr lang="en-US" altLang="ko-KR" dirty="0" err="1" smtClean="0"/>
+              <a:t>contentType</a:t>
+            </a:r>
+            <a:r>
+              <a:rPr lang="ko-KR" altLang="en-US" dirty="0" smtClean="0"/>
               <a:t>은 리소스에 대한 표현방법을 나타내는데 이것이 없으면 데이터를 가지고 무엇을 해야 하는지 알 수가 없다</a:t>
             </a:r>
             <a:r>
-              <a:rPr lang="en-US" altLang="ko-KR" sz="1600" dirty="0" smtClean="0"/>
+              <a:rPr lang="en-US" altLang="ko-KR" dirty="0" smtClean="0"/>
               <a:t>.</a:t>
             </a:r>
           </a:p>
@@ -5329,7 +7176,7 @@
               <a:buFont typeface="Arial" panose="020B0604020202020204" pitchFamily="34" charset="0"/>
               <a:buChar char="•"/>
             </a:pPr>
-            <a:endParaRPr lang="en-US" altLang="ko-KR" sz="1600" dirty="0"/>
+            <a:endParaRPr lang="en-US" altLang="ko-KR" dirty="0"/>
           </a:p>
           <a:p>
             <a:pPr marL="285750" indent="-285750">
@@ -5337,68 +7184,14 @@
               <a:buChar char="•"/>
             </a:pPr>
             <a:r>
-              <a:rPr lang="ko-KR" altLang="en-US" sz="1600" dirty="0" smtClean="0"/>
-              <a:t>필요하다면 </a:t>
-            </a:r>
-            <a:r>
-              <a:rPr lang="en-US" altLang="ko-KR" sz="1600" dirty="0" smtClean="0"/>
-              <a:t>IANA</a:t>
-            </a:r>
-            <a:r>
-              <a:rPr lang="ko-KR" altLang="en-US" sz="1600" dirty="0" smtClean="0"/>
-              <a:t>에 </a:t>
-            </a:r>
-            <a:r>
-              <a:rPr lang="en-US" altLang="ko-KR" sz="1600" dirty="0" smtClean="0"/>
-              <a:t>content-type</a:t>
-            </a:r>
-            <a:r>
-              <a:rPr lang="ko-KR" altLang="en-US" sz="1600" dirty="0" smtClean="0"/>
-              <a:t>을 등록하거나</a:t>
-            </a:r>
-            <a:r>
-              <a:rPr lang="en-US" altLang="ko-KR" sz="1600" dirty="0" smtClean="0"/>
-              <a:t>, </a:t>
-            </a:r>
-            <a:r>
-              <a:rPr lang="en-US" altLang="ko-KR" sz="1600" dirty="0" err="1" smtClean="0"/>
-              <a:t>api</a:t>
-            </a:r>
-            <a:r>
-              <a:rPr lang="en-US" altLang="ko-KR" sz="1600" dirty="0" smtClean="0"/>
-              <a:t> doc</a:t>
-            </a:r>
-            <a:r>
-              <a:rPr lang="ko-KR" altLang="en-US" sz="1600" dirty="0" smtClean="0"/>
-              <a:t>에 대한 링크를 추가로 명시해준다</a:t>
-            </a:r>
-            <a:r>
-              <a:rPr lang="en-US" altLang="ko-KR" sz="1600" dirty="0" smtClean="0"/>
+              <a:rPr lang="ko-KR" altLang="en-US" dirty="0" smtClean="0"/>
+              <a:t>등등 필요한 모든 것을 기술해서 메시지만 가지고도 무엇을 해야 하는지 알 수 있어야 한다</a:t>
+            </a:r>
+            <a:r>
+              <a:rPr lang="en-US" altLang="ko-KR" dirty="0"/>
               <a:t>.</a:t>
             </a:r>
-            <a:endParaRPr lang="en-US" altLang="ko-KR" sz="1600" dirty="0" smtClean="0"/>
-          </a:p>
-          <a:p>
-            <a:pPr marL="285750" indent="-285750">
-              <a:buFont typeface="Arial" panose="020B0604020202020204" pitchFamily="34" charset="0"/>
-              <a:buChar char="•"/>
-            </a:pPr>
-            <a:endParaRPr lang="en-US" altLang="ko-KR" sz="1600" dirty="0"/>
-          </a:p>
-          <a:p>
-            <a:pPr marL="285750" indent="-285750">
-              <a:buFont typeface="Arial" panose="020B0604020202020204" pitchFamily="34" charset="0"/>
-              <a:buChar char="•"/>
-            </a:pPr>
-            <a:r>
-              <a:rPr lang="ko-KR" altLang="en-US" sz="1600" dirty="0" smtClean="0"/>
-              <a:t>등등 필요한 모든 것을 기술해서 메시지만 가지고도 무엇을 해야 하는지 알 수 있어야 한다</a:t>
-            </a:r>
-            <a:r>
-              <a:rPr lang="en-US" altLang="ko-KR" sz="1600" dirty="0"/>
-              <a:t>.</a:t>
-            </a:r>
-            <a:endParaRPr lang="en-US" altLang="ko-KR" sz="1600" dirty="0" smtClean="0"/>
+            <a:endParaRPr lang="en-US" altLang="ko-KR" dirty="0" smtClean="0"/>
           </a:p>
         </p:txBody>
       </p:sp>
@@ -5411,14 +7204,14 @@
           <p:nvPr>
             <p:extLst>
               <p:ext uri="{D42A27DB-BD31-4B8C-83A1-F6EECF244321}">
-                <p14:modId xmlns:p14="http://schemas.microsoft.com/office/powerpoint/2010/main" val="2649088084"/>
+                <p14:modId xmlns:p14="http://schemas.microsoft.com/office/powerpoint/2010/main" val="1919161444"/>
               </p:ext>
             </p:extLst>
           </p:nvPr>
         </p:nvGraphicFramePr>
         <p:xfrm>
-          <a:off x="2364260" y="4563761"/>
-          <a:ext cx="7501424" cy="2194560"/>
+          <a:off x="2073189" y="4171732"/>
+          <a:ext cx="8128000" cy="2219960"/>
         </p:xfrm>
         <a:graphic>
           <a:graphicData uri="http://schemas.openxmlformats.org/drawingml/2006/table">
@@ -5427,10 +7220,22 @@
                 <a:tableStyleId>{F5AB1C69-6EDB-4FF4-983F-18BD219EF322}</a:tableStyleId>
               </a:tblPr>
               <a:tblGrid>
-                <a:gridCol w="3750712"/>
-                <a:gridCol w="3750712"/>
+                <a:gridCol w="4064000">
+                  <a:extLst>
+                    <a:ext uri="{9D8B030D-6E8A-4147-A177-3AD203B41FA5}">
+                      <a16:colId xmlns:a16="http://schemas.microsoft.com/office/drawing/2014/main" val="20000"/>
+                    </a:ext>
+                  </a:extLst>
+                </a:gridCol>
+                <a:gridCol w="4064000">
+                  <a:extLst>
+                    <a:ext uri="{9D8B030D-6E8A-4147-A177-3AD203B41FA5}">
+                      <a16:colId xmlns:a16="http://schemas.microsoft.com/office/drawing/2014/main" val="20001"/>
+                    </a:ext>
+                  </a:extLst>
+                </a:gridCol>
               </a:tblGrid>
-              <a:tr h="272622">
+              <a:tr h="0">
                 <a:tc>
                   <a:txBody>
                     <a:bodyPr/>
@@ -5461,8 +7266,13 @@
                   </a:txBody>
                   <a:tcPr/>
                 </a:tc>
+                <a:extLst>
+                  <a:ext uri="{0D108BD9-81ED-4DB2-BD59-A6C34878D82A}">
+                    <a16:rowId xmlns:a16="http://schemas.microsoft.com/office/drawing/2014/main" val="10000"/>
+                  </a:ext>
+                </a:extLst>
               </a:tr>
-              <a:tr h="276408">
+              <a:tr h="370840">
                 <a:tc>
                   <a:txBody>
                     <a:bodyPr/>
@@ -5493,8 +7303,13 @@
                   </a:txBody>
                   <a:tcPr/>
                 </a:tc>
+                <a:extLst>
+                  <a:ext uri="{0D108BD9-81ED-4DB2-BD59-A6C34878D82A}">
+                    <a16:rowId xmlns:a16="http://schemas.microsoft.com/office/drawing/2014/main" val="10001"/>
+                  </a:ext>
+                </a:extLst>
               </a:tr>
-              <a:tr h="276408">
+              <a:tr h="370840">
                 <a:tc>
                   <a:txBody>
                     <a:bodyPr/>
@@ -5525,8 +7340,13 @@
                   </a:txBody>
                   <a:tcPr/>
                 </a:tc>
+                <a:extLst>
+                  <a:ext uri="{0D108BD9-81ED-4DB2-BD59-A6C34878D82A}">
+                    <a16:rowId xmlns:a16="http://schemas.microsoft.com/office/drawing/2014/main" val="10002"/>
+                  </a:ext>
+                </a:extLst>
               </a:tr>
-              <a:tr h="276408">
+              <a:tr h="370840">
                 <a:tc>
                   <a:txBody>
                     <a:bodyPr/>
@@ -5569,8 +7389,13 @@
                   </a:txBody>
                   <a:tcPr/>
                 </a:tc>
+                <a:extLst>
+                  <a:ext uri="{0D108BD9-81ED-4DB2-BD59-A6C34878D82A}">
+                    <a16:rowId xmlns:a16="http://schemas.microsoft.com/office/drawing/2014/main" val="10003"/>
+                  </a:ext>
+                </a:extLst>
               </a:tr>
-              <a:tr h="276408">
+              <a:tr h="370840">
                 <a:tc>
                   <a:txBody>
                     <a:bodyPr/>
@@ -5601,8 +7426,13 @@
                   </a:txBody>
                   <a:tcPr/>
                 </a:tc>
+                <a:extLst>
+                  <a:ext uri="{0D108BD9-81ED-4DB2-BD59-A6C34878D82A}">
+                    <a16:rowId xmlns:a16="http://schemas.microsoft.com/office/drawing/2014/main" val="10004"/>
+                  </a:ext>
+                </a:extLst>
               </a:tr>
-              <a:tr h="276408">
+              <a:tr h="370840">
                 <a:tc>
                   <a:txBody>
                     <a:bodyPr/>
@@ -5645,6 +7475,11 @@
                   </a:txBody>
                   <a:tcPr/>
                 </a:tc>
+                <a:extLst>
+                  <a:ext uri="{0D108BD9-81ED-4DB2-BD59-A6C34878D82A}">
+                    <a16:rowId xmlns:a16="http://schemas.microsoft.com/office/drawing/2014/main" val="10005"/>
+                  </a:ext>
+                </a:extLst>
               </a:tr>
             </a:tbl>
           </a:graphicData>
@@ -5663,7 +7498,271 @@
   <p:timing>
     <p:tnLst>
       <p:par>
-        <p:cTn id="1" dur="indefinite" restart="never" nodeType="tmRoot"/>
+        <p:cTn id="1" dur="indefinite" restart="never" nodeType="tmRoot">
+          <p:childTnLst>
+            <p:seq concurrent="1" nextAc="seek">
+              <p:cTn id="2" dur="indefinite" nodeType="mainSeq">
+                <p:childTnLst>
+                  <p:par>
+                    <p:cTn id="3" fill="hold">
+                      <p:stCondLst>
+                        <p:cond delay="indefinite"/>
+                      </p:stCondLst>
+                      <p:childTnLst>
+                        <p:par>
+                          <p:cTn id="4" fill="hold">
+                            <p:stCondLst>
+                              <p:cond delay="0"/>
+                            </p:stCondLst>
+                            <p:childTnLst>
+                              <p:par>
+                                <p:cTn id="5" presetID="1" presetClass="entr" presetSubtype="0" fill="hold" nodeType="clickEffect">
+                                  <p:stCondLst>
+                                    <p:cond delay="0"/>
+                                  </p:stCondLst>
+                                  <p:childTnLst>
+                                    <p:set>
+                                      <p:cBhvr>
+                                        <p:cTn id="6" dur="1" fill="hold">
+                                          <p:stCondLst>
+                                            <p:cond delay="0"/>
+                                          </p:stCondLst>
+                                        </p:cTn>
+                                        <p:tgtEl>
+                                          <p:spTgt spid="6">
+                                            <p:txEl>
+                                              <p:pRg st="0" end="0"/>
+                                            </p:txEl>
+                                          </p:spTgt>
+                                        </p:tgtEl>
+                                        <p:attrNameLst>
+                                          <p:attrName>style.visibility</p:attrName>
+                                        </p:attrNameLst>
+                                      </p:cBhvr>
+                                      <p:to>
+                                        <p:strVal val="visible"/>
+                                      </p:to>
+                                    </p:set>
+                                  </p:childTnLst>
+                                </p:cTn>
+                              </p:par>
+                            </p:childTnLst>
+                          </p:cTn>
+                        </p:par>
+                      </p:childTnLst>
+                    </p:cTn>
+                  </p:par>
+                  <p:par>
+                    <p:cTn id="7" fill="hold">
+                      <p:stCondLst>
+                        <p:cond delay="indefinite"/>
+                      </p:stCondLst>
+                      <p:childTnLst>
+                        <p:par>
+                          <p:cTn id="8" fill="hold">
+                            <p:stCondLst>
+                              <p:cond delay="0"/>
+                            </p:stCondLst>
+                            <p:childTnLst>
+                              <p:par>
+                                <p:cTn id="9" presetID="1" presetClass="entr" presetSubtype="0" fill="hold" nodeType="clickEffect">
+                                  <p:stCondLst>
+                                    <p:cond delay="0"/>
+                                  </p:stCondLst>
+                                  <p:childTnLst>
+                                    <p:set>
+                                      <p:cBhvr>
+                                        <p:cTn id="10" dur="1" fill="hold">
+                                          <p:stCondLst>
+                                            <p:cond delay="0"/>
+                                          </p:stCondLst>
+                                        </p:cTn>
+                                        <p:tgtEl>
+                                          <p:spTgt spid="6">
+                                            <p:txEl>
+                                              <p:pRg st="2" end="2"/>
+                                            </p:txEl>
+                                          </p:spTgt>
+                                        </p:tgtEl>
+                                        <p:attrNameLst>
+                                          <p:attrName>style.visibility</p:attrName>
+                                        </p:attrNameLst>
+                                      </p:cBhvr>
+                                      <p:to>
+                                        <p:strVal val="visible"/>
+                                      </p:to>
+                                    </p:set>
+                                  </p:childTnLst>
+                                </p:cTn>
+                              </p:par>
+                            </p:childTnLst>
+                          </p:cTn>
+                        </p:par>
+                      </p:childTnLst>
+                    </p:cTn>
+                  </p:par>
+                  <p:par>
+                    <p:cTn id="11" fill="hold">
+                      <p:stCondLst>
+                        <p:cond delay="indefinite"/>
+                      </p:stCondLst>
+                      <p:childTnLst>
+                        <p:par>
+                          <p:cTn id="12" fill="hold">
+                            <p:stCondLst>
+                              <p:cond delay="0"/>
+                            </p:stCondLst>
+                            <p:childTnLst>
+                              <p:par>
+                                <p:cTn id="13" presetID="1" presetClass="entr" presetSubtype="0" fill="hold" nodeType="clickEffect">
+                                  <p:stCondLst>
+                                    <p:cond delay="0"/>
+                                  </p:stCondLst>
+                                  <p:childTnLst>
+                                    <p:set>
+                                      <p:cBhvr>
+                                        <p:cTn id="14" dur="1" fill="hold">
+                                          <p:stCondLst>
+                                            <p:cond delay="0"/>
+                                          </p:stCondLst>
+                                        </p:cTn>
+                                        <p:tgtEl>
+                                          <p:spTgt spid="6">
+                                            <p:txEl>
+                                              <p:pRg st="4" end="4"/>
+                                            </p:txEl>
+                                          </p:spTgt>
+                                        </p:tgtEl>
+                                        <p:attrNameLst>
+                                          <p:attrName>style.visibility</p:attrName>
+                                        </p:attrNameLst>
+                                      </p:cBhvr>
+                                      <p:to>
+                                        <p:strVal val="visible"/>
+                                      </p:to>
+                                    </p:set>
+                                  </p:childTnLst>
+                                </p:cTn>
+                              </p:par>
+                            </p:childTnLst>
+                          </p:cTn>
+                        </p:par>
+                      </p:childTnLst>
+                    </p:cTn>
+                  </p:par>
+                  <p:par>
+                    <p:cTn id="15" fill="hold">
+                      <p:stCondLst>
+                        <p:cond delay="indefinite"/>
+                      </p:stCondLst>
+                      <p:childTnLst>
+                        <p:par>
+                          <p:cTn id="16" fill="hold">
+                            <p:stCondLst>
+                              <p:cond delay="0"/>
+                            </p:stCondLst>
+                            <p:childTnLst>
+                              <p:par>
+                                <p:cTn id="17" presetID="1" presetClass="entr" presetSubtype="0" fill="hold" nodeType="clickEffect">
+                                  <p:stCondLst>
+                                    <p:cond delay="0"/>
+                                  </p:stCondLst>
+                                  <p:childTnLst>
+                                    <p:set>
+                                      <p:cBhvr>
+                                        <p:cTn id="18" dur="1" fill="hold">
+                                          <p:stCondLst>
+                                            <p:cond delay="0"/>
+                                          </p:stCondLst>
+                                        </p:cTn>
+                                        <p:tgtEl>
+                                          <p:spTgt spid="6">
+                                            <p:txEl>
+                                              <p:pRg st="6" end="6"/>
+                                            </p:txEl>
+                                          </p:spTgt>
+                                        </p:tgtEl>
+                                        <p:attrNameLst>
+                                          <p:attrName>style.visibility</p:attrName>
+                                        </p:attrNameLst>
+                                      </p:cBhvr>
+                                      <p:to>
+                                        <p:strVal val="visible"/>
+                                      </p:to>
+                                    </p:set>
+                                  </p:childTnLst>
+                                </p:cTn>
+                              </p:par>
+                            </p:childTnLst>
+                          </p:cTn>
+                        </p:par>
+                      </p:childTnLst>
+                    </p:cTn>
+                  </p:par>
+                  <p:par>
+                    <p:cTn id="19" fill="hold">
+                      <p:stCondLst>
+                        <p:cond delay="indefinite"/>
+                      </p:stCondLst>
+                      <p:childTnLst>
+                        <p:par>
+                          <p:cTn id="20" fill="hold">
+                            <p:stCondLst>
+                              <p:cond delay="0"/>
+                            </p:stCondLst>
+                            <p:childTnLst>
+                              <p:par>
+                                <p:cTn id="21" presetID="1" presetClass="entr" presetSubtype="0" fill="hold" nodeType="clickEffect">
+                                  <p:stCondLst>
+                                    <p:cond delay="0"/>
+                                  </p:stCondLst>
+                                  <p:childTnLst>
+                                    <p:set>
+                                      <p:cBhvr>
+                                        <p:cTn id="22" dur="1" fill="hold">
+                                          <p:stCondLst>
+                                            <p:cond delay="0"/>
+                                          </p:stCondLst>
+                                        </p:cTn>
+                                        <p:tgtEl>
+                                          <p:spTgt spid="2"/>
+                                        </p:tgtEl>
+                                        <p:attrNameLst>
+                                          <p:attrName>style.visibility</p:attrName>
+                                        </p:attrNameLst>
+                                      </p:cBhvr>
+                                      <p:to>
+                                        <p:strVal val="visible"/>
+                                      </p:to>
+                                    </p:set>
+                                  </p:childTnLst>
+                                </p:cTn>
+                              </p:par>
+                            </p:childTnLst>
+                          </p:cTn>
+                        </p:par>
+                      </p:childTnLst>
+                    </p:cTn>
+                  </p:par>
+                </p:childTnLst>
+              </p:cTn>
+              <p:prevCondLst>
+                <p:cond evt="onPrev" delay="0">
+                  <p:tgtEl>
+                    <p:sldTgt/>
+                  </p:tgtEl>
+                </p:cond>
+              </p:prevCondLst>
+              <p:nextCondLst>
+                <p:cond evt="onNext" delay="0">
+                  <p:tgtEl>
+                    <p:sldTgt/>
+                  </p:tgtEl>
+                </p:cond>
+              </p:nextCondLst>
+            </p:seq>
+          </p:childTnLst>
+        </p:cTn>
       </p:par>
     </p:tnLst>
   </p:timing>
@@ -5827,7 +7926,128 @@
   <p:timing>
     <p:tnLst>
       <p:par>
-        <p:cTn id="1" dur="indefinite" restart="never" nodeType="tmRoot"/>
+        <p:cTn id="1" dur="indefinite" restart="never" nodeType="tmRoot">
+          <p:childTnLst>
+            <p:seq concurrent="1" nextAc="seek">
+              <p:cTn id="2" dur="indefinite" nodeType="mainSeq">
+                <p:childTnLst>
+                  <p:par>
+                    <p:cTn id="3" fill="hold">
+                      <p:stCondLst>
+                        <p:cond delay="indefinite"/>
+                      </p:stCondLst>
+                      <p:childTnLst>
+                        <p:par>
+                          <p:cTn id="4" fill="hold">
+                            <p:stCondLst>
+                              <p:cond delay="0"/>
+                            </p:stCondLst>
+                            <p:childTnLst>
+                              <p:par>
+                                <p:cTn id="5" presetID="1" presetClass="entr" presetSubtype="0" fill="hold" nodeType="clickEffect">
+                                  <p:stCondLst>
+                                    <p:cond delay="0"/>
+                                  </p:stCondLst>
+                                  <p:childTnLst>
+                                    <p:set>
+                                      <p:cBhvr>
+                                        <p:cTn id="6" dur="1" fill="hold">
+                                          <p:stCondLst>
+                                            <p:cond delay="0"/>
+                                          </p:stCondLst>
+                                        </p:cTn>
+                                        <p:tgtEl>
+                                          <p:spTgt spid="5">
+                                            <p:txEl>
+                                              <p:pRg st="0" end="0"/>
+                                            </p:txEl>
+                                          </p:spTgt>
+                                        </p:tgtEl>
+                                        <p:attrNameLst>
+                                          <p:attrName>style.visibility</p:attrName>
+                                        </p:attrNameLst>
+                                      </p:cBhvr>
+                                      <p:to>
+                                        <p:strVal val="visible"/>
+                                      </p:to>
+                                    </p:set>
+                                  </p:childTnLst>
+                                </p:cTn>
+                              </p:par>
+                            </p:childTnLst>
+                          </p:cTn>
+                        </p:par>
+                      </p:childTnLst>
+                    </p:cTn>
+                  </p:par>
+                  <p:par>
+                    <p:cTn id="7" fill="hold">
+                      <p:stCondLst>
+                        <p:cond delay="indefinite"/>
+                      </p:stCondLst>
+                      <p:childTnLst>
+                        <p:par>
+                          <p:cTn id="8" fill="hold">
+                            <p:stCondLst>
+                              <p:cond delay="0"/>
+                            </p:stCondLst>
+                            <p:childTnLst>
+                              <p:par>
+                                <p:cTn id="9" presetID="1" presetClass="entr" presetSubtype="0" fill="hold" nodeType="clickEffect">
+                                  <p:stCondLst>
+                                    <p:cond delay="0"/>
+                                  </p:stCondLst>
+                                  <p:childTnLst>
+                                    <p:set>
+                                      <p:cBhvr>
+                                        <p:cTn id="10" dur="1" fill="hold">
+                                          <p:stCondLst>
+                                            <p:cond delay="0"/>
+                                          </p:stCondLst>
+                                        </p:cTn>
+                                        <p:tgtEl>
+                                          <p:spTgt spid="5">
+                                            <p:txEl>
+                                              <p:pRg st="2" end="2"/>
+                                            </p:txEl>
+                                          </p:spTgt>
+                                        </p:tgtEl>
+                                        <p:attrNameLst>
+                                          <p:attrName>style.visibility</p:attrName>
+                                        </p:attrNameLst>
+                                      </p:cBhvr>
+                                      <p:to>
+                                        <p:strVal val="visible"/>
+                                      </p:to>
+                                    </p:set>
+                                  </p:childTnLst>
+                                </p:cTn>
+                              </p:par>
+                            </p:childTnLst>
+                          </p:cTn>
+                        </p:par>
+                      </p:childTnLst>
+                    </p:cTn>
+                  </p:par>
+                </p:childTnLst>
+              </p:cTn>
+              <p:prevCondLst>
+                <p:cond evt="onPrev" delay="0">
+                  <p:tgtEl>
+                    <p:sldTgt/>
+                  </p:tgtEl>
+                </p:cond>
+              </p:prevCondLst>
+              <p:nextCondLst>
+                <p:cond evt="onNext" delay="0">
+                  <p:tgtEl>
+                    <p:sldTgt/>
+                  </p:tgtEl>
+                </p:cond>
+              </p:nextCondLst>
+            </p:seq>
+          </p:childTnLst>
+        </p:cTn>
       </p:par>
     </p:tnLst>
   </p:timing>
@@ -5889,8 +8109,8 @@
         </p:nvSpPr>
         <p:spPr>
           <a:xfrm>
-            <a:off x="1804087" y="1458782"/>
-            <a:ext cx="7916562" cy="369332"/>
+            <a:off x="1993557" y="1458782"/>
+            <a:ext cx="7356389" cy="369332"/>
           </a:xfrm>
           <a:prstGeom prst="rect">
             <a:avLst/>
@@ -5913,15 +8133,7 @@
             </a:r>
             <a:r>
               <a:rPr lang="ko-KR" altLang="en-US" dirty="0" smtClean="0"/>
-              <a:t>하기 위해 </a:t>
-            </a:r>
-            <a:r>
-              <a:rPr lang="ko-KR" altLang="en-US" dirty="0" smtClean="0"/>
-              <a:t>만들어진 </a:t>
-            </a:r>
-            <a:r>
-              <a:rPr lang="ko-KR" altLang="en-US" dirty="0" smtClean="0"/>
-              <a:t>프로젝트</a:t>
+              <a:t>하기 위해 만들어진 기술</a:t>
             </a:r>
             <a:endParaRPr lang="ko-KR" altLang="en-US" dirty="0"/>
           </a:p>
@@ -6022,15 +8234,7 @@
             </a:pPr>
             <a:r>
               <a:rPr lang="ko-KR" altLang="en-US" sz="1400" dirty="0" smtClean="0"/>
-              <a:t>다양한 자동 설정 </a:t>
-            </a:r>
-            <a:r>
-              <a:rPr lang="ko-KR" altLang="en-US" sz="1400" dirty="0" err="1" smtClean="0"/>
-              <a:t>애노테이션</a:t>
-            </a:r>
-            <a:r>
-              <a:rPr lang="ko-KR" altLang="en-US" sz="1400" dirty="0" smtClean="0"/>
-              <a:t> 지원</a:t>
+              <a:t>다양한 자동 설정</a:t>
             </a:r>
             <a:endParaRPr lang="en-US" altLang="ko-KR" sz="1400" dirty="0" smtClean="0"/>
           </a:p>
@@ -6072,18 +8276,6 @@
               <a:buFont typeface="Arial" panose="020B0604020202020204" pitchFamily="34" charset="0"/>
               <a:buChar char="•"/>
             </a:pPr>
-            <a:r>
-              <a:rPr lang="en-US" altLang="ko-KR" sz="1400" dirty="0" smtClean="0"/>
-              <a:t>....</a:t>
-            </a:r>
-            <a:r>
-              <a:rPr lang="ko-KR" altLang="en-US" sz="1400" dirty="0" smtClean="0"/>
-              <a:t>등등</a:t>
-            </a:r>
-            <a:r>
-              <a:rPr lang="en-US" altLang="ko-KR" sz="1400" dirty="0" smtClean="0"/>
-              <a:t> </a:t>
-            </a:r>
             <a:r>
               <a:rPr lang="ko-KR" altLang="en-US" sz="1400" dirty="0" smtClean="0"/>
               <a:t>스프링 프레임워크의 설정보다 비즈니스 </a:t>
@@ -6184,12 +8376,410 @@
   <p:clrMapOvr>
     <a:masterClrMapping/>
   </p:clrMapOvr>
+  <mc:AlternateContent xmlns:mc="http://schemas.openxmlformats.org/markup-compatibility/2006" xmlns:p14="http://schemas.microsoft.com/office/powerpoint/2010/main">
+    <mc:Choice Requires="p14">
+      <p:transition spd="slow" p14:dur="2000"/>
+    </mc:Choice>
+    <mc:Fallback xmlns="">
+      <p:transition spd="slow"/>
+    </mc:Fallback>
+  </mc:AlternateContent>
   <p:timing>
     <p:tnLst>
       <p:par>
-        <p:cTn id="1" dur="indefinite" restart="never" nodeType="tmRoot"/>
+        <p:cTn id="1" dur="indefinite" restart="never" nodeType="tmRoot">
+          <p:childTnLst>
+            <p:seq concurrent="1" nextAc="seek">
+              <p:cTn id="2" dur="indefinite" nodeType="mainSeq">
+                <p:childTnLst>
+                  <p:par>
+                    <p:cTn id="3" fill="hold">
+                      <p:stCondLst>
+                        <p:cond delay="indefinite"/>
+                      </p:stCondLst>
+                      <p:childTnLst>
+                        <p:par>
+                          <p:cTn id="4" fill="hold">
+                            <p:stCondLst>
+                              <p:cond delay="0"/>
+                            </p:stCondLst>
+                            <p:childTnLst>
+                              <p:par>
+                                <p:cTn id="5" presetID="1" presetClass="entr" presetSubtype="0" fill="hold" grpId="0" nodeType="clickEffect">
+                                  <p:stCondLst>
+                                    <p:cond delay="0"/>
+                                  </p:stCondLst>
+                                  <p:childTnLst>
+                                    <p:set>
+                                      <p:cBhvr>
+                                        <p:cTn id="6" dur="1" fill="hold">
+                                          <p:stCondLst>
+                                            <p:cond delay="0"/>
+                                          </p:stCondLst>
+                                        </p:cTn>
+                                        <p:tgtEl>
+                                          <p:spTgt spid="7"/>
+                                        </p:tgtEl>
+                                        <p:attrNameLst>
+                                          <p:attrName>style.visibility</p:attrName>
+                                        </p:attrNameLst>
+                                      </p:cBhvr>
+                                      <p:to>
+                                        <p:strVal val="visible"/>
+                                      </p:to>
+                                    </p:set>
+                                  </p:childTnLst>
+                                </p:cTn>
+                              </p:par>
+                            </p:childTnLst>
+                          </p:cTn>
+                        </p:par>
+                      </p:childTnLst>
+                    </p:cTn>
+                  </p:par>
+                  <p:par>
+                    <p:cTn id="7" fill="hold">
+                      <p:stCondLst>
+                        <p:cond delay="indefinite"/>
+                      </p:stCondLst>
+                      <p:childTnLst>
+                        <p:par>
+                          <p:cTn id="8" fill="hold">
+                            <p:stCondLst>
+                              <p:cond delay="0"/>
+                            </p:stCondLst>
+                            <p:childTnLst>
+                              <p:par>
+                                <p:cTn id="9" presetID="1" presetClass="entr" presetSubtype="0" fill="hold" nodeType="clickEffect">
+                                  <p:stCondLst>
+                                    <p:cond delay="0"/>
+                                  </p:stCondLst>
+                                  <p:childTnLst>
+                                    <p:set>
+                                      <p:cBhvr>
+                                        <p:cTn id="10" dur="1" fill="hold">
+                                          <p:stCondLst>
+                                            <p:cond delay="0"/>
+                                          </p:stCondLst>
+                                        </p:cTn>
+                                        <p:tgtEl>
+                                          <p:spTgt spid="8">
+                                            <p:txEl>
+                                              <p:pRg st="0" end="0"/>
+                                            </p:txEl>
+                                          </p:spTgt>
+                                        </p:tgtEl>
+                                        <p:attrNameLst>
+                                          <p:attrName>style.visibility</p:attrName>
+                                        </p:attrNameLst>
+                                      </p:cBhvr>
+                                      <p:to>
+                                        <p:strVal val="visible"/>
+                                      </p:to>
+                                    </p:set>
+                                  </p:childTnLst>
+                                </p:cTn>
+                              </p:par>
+                            </p:childTnLst>
+                          </p:cTn>
+                        </p:par>
+                      </p:childTnLst>
+                    </p:cTn>
+                  </p:par>
+                  <p:par>
+                    <p:cTn id="11" fill="hold">
+                      <p:stCondLst>
+                        <p:cond delay="indefinite"/>
+                      </p:stCondLst>
+                      <p:childTnLst>
+                        <p:par>
+                          <p:cTn id="12" fill="hold">
+                            <p:stCondLst>
+                              <p:cond delay="0"/>
+                            </p:stCondLst>
+                            <p:childTnLst>
+                              <p:par>
+                                <p:cTn id="13" presetID="1" presetClass="entr" presetSubtype="0" fill="hold" nodeType="clickEffect">
+                                  <p:stCondLst>
+                                    <p:cond delay="0"/>
+                                  </p:stCondLst>
+                                  <p:childTnLst>
+                                    <p:set>
+                                      <p:cBhvr>
+                                        <p:cTn id="14" dur="1" fill="hold">
+                                          <p:stCondLst>
+                                            <p:cond delay="0"/>
+                                          </p:stCondLst>
+                                        </p:cTn>
+                                        <p:tgtEl>
+                                          <p:spTgt spid="8">
+                                            <p:txEl>
+                                              <p:pRg st="2" end="2"/>
+                                            </p:txEl>
+                                          </p:spTgt>
+                                        </p:tgtEl>
+                                        <p:attrNameLst>
+                                          <p:attrName>style.visibility</p:attrName>
+                                        </p:attrNameLst>
+                                      </p:cBhvr>
+                                      <p:to>
+                                        <p:strVal val="visible"/>
+                                      </p:to>
+                                    </p:set>
+                                  </p:childTnLst>
+                                </p:cTn>
+                              </p:par>
+                            </p:childTnLst>
+                          </p:cTn>
+                        </p:par>
+                      </p:childTnLst>
+                    </p:cTn>
+                  </p:par>
+                  <p:par>
+                    <p:cTn id="15" fill="hold">
+                      <p:stCondLst>
+                        <p:cond delay="indefinite"/>
+                      </p:stCondLst>
+                      <p:childTnLst>
+                        <p:par>
+                          <p:cTn id="16" fill="hold">
+                            <p:stCondLst>
+                              <p:cond delay="0"/>
+                            </p:stCondLst>
+                            <p:childTnLst>
+                              <p:par>
+                                <p:cTn id="17" presetID="1" presetClass="entr" presetSubtype="0" fill="hold" nodeType="clickEffect">
+                                  <p:stCondLst>
+                                    <p:cond delay="0"/>
+                                  </p:stCondLst>
+                                  <p:childTnLst>
+                                    <p:set>
+                                      <p:cBhvr>
+                                        <p:cTn id="18" dur="1" fill="hold">
+                                          <p:stCondLst>
+                                            <p:cond delay="0"/>
+                                          </p:stCondLst>
+                                        </p:cTn>
+                                        <p:tgtEl>
+                                          <p:spTgt spid="8">
+                                            <p:txEl>
+                                              <p:pRg st="4" end="4"/>
+                                            </p:txEl>
+                                          </p:spTgt>
+                                        </p:tgtEl>
+                                        <p:attrNameLst>
+                                          <p:attrName>style.visibility</p:attrName>
+                                        </p:attrNameLst>
+                                      </p:cBhvr>
+                                      <p:to>
+                                        <p:strVal val="visible"/>
+                                      </p:to>
+                                    </p:set>
+                                  </p:childTnLst>
+                                </p:cTn>
+                              </p:par>
+                            </p:childTnLst>
+                          </p:cTn>
+                        </p:par>
+                      </p:childTnLst>
+                    </p:cTn>
+                  </p:par>
+                  <p:par>
+                    <p:cTn id="19" fill="hold">
+                      <p:stCondLst>
+                        <p:cond delay="indefinite"/>
+                      </p:stCondLst>
+                      <p:childTnLst>
+                        <p:par>
+                          <p:cTn id="20" fill="hold">
+                            <p:stCondLst>
+                              <p:cond delay="0"/>
+                            </p:stCondLst>
+                            <p:childTnLst>
+                              <p:par>
+                                <p:cTn id="21" presetID="1" presetClass="entr" presetSubtype="0" fill="hold" nodeType="clickEffect">
+                                  <p:stCondLst>
+                                    <p:cond delay="0"/>
+                                  </p:stCondLst>
+                                  <p:childTnLst>
+                                    <p:set>
+                                      <p:cBhvr>
+                                        <p:cTn id="22" dur="1" fill="hold">
+                                          <p:stCondLst>
+                                            <p:cond delay="0"/>
+                                          </p:stCondLst>
+                                        </p:cTn>
+                                        <p:tgtEl>
+                                          <p:spTgt spid="8">
+                                            <p:txEl>
+                                              <p:pRg st="6" end="6"/>
+                                            </p:txEl>
+                                          </p:spTgt>
+                                        </p:tgtEl>
+                                        <p:attrNameLst>
+                                          <p:attrName>style.visibility</p:attrName>
+                                        </p:attrNameLst>
+                                      </p:cBhvr>
+                                      <p:to>
+                                        <p:strVal val="visible"/>
+                                      </p:to>
+                                    </p:set>
+                                  </p:childTnLst>
+                                </p:cTn>
+                              </p:par>
+                            </p:childTnLst>
+                          </p:cTn>
+                        </p:par>
+                      </p:childTnLst>
+                    </p:cTn>
+                  </p:par>
+                  <p:par>
+                    <p:cTn id="23" fill="hold">
+                      <p:stCondLst>
+                        <p:cond delay="indefinite"/>
+                      </p:stCondLst>
+                      <p:childTnLst>
+                        <p:par>
+                          <p:cTn id="24" fill="hold">
+                            <p:stCondLst>
+                              <p:cond delay="0"/>
+                            </p:stCondLst>
+                            <p:childTnLst>
+                              <p:par>
+                                <p:cTn id="25" presetID="1" presetClass="entr" presetSubtype="0" fill="hold" nodeType="clickEffect">
+                                  <p:stCondLst>
+                                    <p:cond delay="0"/>
+                                  </p:stCondLst>
+                                  <p:childTnLst>
+                                    <p:set>
+                                      <p:cBhvr>
+                                        <p:cTn id="26" dur="1" fill="hold">
+                                          <p:stCondLst>
+                                            <p:cond delay="0"/>
+                                          </p:stCondLst>
+                                        </p:cTn>
+                                        <p:tgtEl>
+                                          <p:spTgt spid="8">
+                                            <p:txEl>
+                                              <p:pRg st="8" end="8"/>
+                                            </p:txEl>
+                                          </p:spTgt>
+                                        </p:tgtEl>
+                                        <p:attrNameLst>
+                                          <p:attrName>style.visibility</p:attrName>
+                                        </p:attrNameLst>
+                                      </p:cBhvr>
+                                      <p:to>
+                                        <p:strVal val="visible"/>
+                                      </p:to>
+                                    </p:set>
+                                  </p:childTnLst>
+                                </p:cTn>
+                              </p:par>
+                            </p:childTnLst>
+                          </p:cTn>
+                        </p:par>
+                      </p:childTnLst>
+                    </p:cTn>
+                  </p:par>
+                  <p:par>
+                    <p:cTn id="27" fill="hold">
+                      <p:stCondLst>
+                        <p:cond delay="indefinite"/>
+                      </p:stCondLst>
+                      <p:childTnLst>
+                        <p:par>
+                          <p:cTn id="28" fill="hold">
+                            <p:stCondLst>
+                              <p:cond delay="0"/>
+                            </p:stCondLst>
+                            <p:childTnLst>
+                              <p:par>
+                                <p:cTn id="29" presetID="1" presetClass="entr" presetSubtype="0" fill="hold" grpId="0" nodeType="clickEffect">
+                                  <p:stCondLst>
+                                    <p:cond delay="0"/>
+                                  </p:stCondLst>
+                                  <p:childTnLst>
+                                    <p:set>
+                                      <p:cBhvr>
+                                        <p:cTn id="30" dur="1" fill="hold">
+                                          <p:stCondLst>
+                                            <p:cond delay="0"/>
+                                          </p:stCondLst>
+                                        </p:cTn>
+                                        <p:tgtEl>
+                                          <p:spTgt spid="2"/>
+                                        </p:tgtEl>
+                                        <p:attrNameLst>
+                                          <p:attrName>style.visibility</p:attrName>
+                                        </p:attrNameLst>
+                                      </p:cBhvr>
+                                      <p:to>
+                                        <p:strVal val="visible"/>
+                                      </p:to>
+                                    </p:set>
+                                  </p:childTnLst>
+                                </p:cTn>
+                              </p:par>
+                              <p:par>
+                                <p:cTn id="31" presetID="1" presetClass="entr" presetSubtype="0" fill="hold" grpId="0" nodeType="withEffect">
+                                  <p:stCondLst>
+                                    <p:cond delay="0"/>
+                                  </p:stCondLst>
+                                  <p:childTnLst>
+                                    <p:set>
+                                      <p:cBhvr>
+                                        <p:cTn id="32" dur="1" fill="hold">
+                                          <p:stCondLst>
+                                            <p:cond delay="0"/>
+                                          </p:stCondLst>
+                                        </p:cTn>
+                                        <p:tgtEl>
+                                          <p:spTgt spid="3"/>
+                                        </p:tgtEl>
+                                        <p:attrNameLst>
+                                          <p:attrName>style.visibility</p:attrName>
+                                        </p:attrNameLst>
+                                      </p:cBhvr>
+                                      <p:to>
+                                        <p:strVal val="visible"/>
+                                      </p:to>
+                                    </p:set>
+                                  </p:childTnLst>
+                                </p:cTn>
+                              </p:par>
+                            </p:childTnLst>
+                          </p:cTn>
+                        </p:par>
+                      </p:childTnLst>
+                    </p:cTn>
+                  </p:par>
+                </p:childTnLst>
+              </p:cTn>
+              <p:prevCondLst>
+                <p:cond evt="onPrev" delay="0">
+                  <p:tgtEl>
+                    <p:sldTgt/>
+                  </p:tgtEl>
+                </p:cond>
+              </p:prevCondLst>
+              <p:nextCondLst>
+                <p:cond evt="onNext" delay="0">
+                  <p:tgtEl>
+                    <p:sldTgt/>
+                  </p:tgtEl>
+                </p:cond>
+              </p:nextCondLst>
+            </p:seq>
+          </p:childTnLst>
+        </p:cTn>
       </p:par>
     </p:tnLst>
+    <p:bldLst>
+      <p:bldP spid="7" grpId="0"/>
+      <p:bldP spid="2" grpId="0"/>
+      <p:bldP spid="3" grpId="0" animBg="1"/>
+    </p:bldLst>
   </p:timing>
 </p:sld>
 </file>
@@ -6273,11 +8863,7 @@
             </a:r>
             <a:r>
               <a:rPr lang="ko-KR" altLang="en-US" dirty="0" smtClean="0"/>
-              <a:t>는 </a:t>
-            </a:r>
-            <a:r>
-              <a:rPr lang="ko-KR" altLang="en-US" dirty="0" smtClean="0"/>
-              <a:t>기존 </a:t>
+              <a:t>는 기존 </a:t>
             </a:r>
             <a:r>
               <a:rPr lang="en-US" altLang="ko-KR" dirty="0" smtClean="0"/>
@@ -6451,7 +9037,7 @@
     </p:spTree>
     <p:extLst>
       <p:ext uri="{BB962C8B-B14F-4D97-AF65-F5344CB8AC3E}">
-        <p14:creationId xmlns:p14="http://schemas.microsoft.com/office/powerpoint/2010/main" val="80954314"/>
+        <p14:creationId xmlns:p14="http://schemas.microsoft.com/office/powerpoint/2010/main" val="794821531"/>
       </p:ext>
     </p:extLst>
   </p:cSld>
@@ -6461,7 +9047,324 @@
   <p:timing>
     <p:tnLst>
       <p:par>
-        <p:cTn id="1" dur="indefinite" restart="never" nodeType="tmRoot"/>
+        <p:cTn id="1" dur="indefinite" restart="never" nodeType="tmRoot">
+          <p:childTnLst>
+            <p:seq concurrent="1" nextAc="seek">
+              <p:cTn id="2" dur="indefinite" nodeType="mainSeq">
+                <p:childTnLst>
+                  <p:par>
+                    <p:cTn id="3" fill="hold">
+                      <p:stCondLst>
+                        <p:cond delay="indefinite"/>
+                      </p:stCondLst>
+                      <p:childTnLst>
+                        <p:par>
+                          <p:cTn id="4" fill="hold">
+                            <p:stCondLst>
+                              <p:cond delay="0"/>
+                            </p:stCondLst>
+                            <p:childTnLst>
+                              <p:par>
+                                <p:cTn id="5" presetID="1" presetClass="entr" presetSubtype="0" fill="hold" nodeType="clickEffect">
+                                  <p:stCondLst>
+                                    <p:cond delay="0"/>
+                                  </p:stCondLst>
+                                  <p:childTnLst>
+                                    <p:set>
+                                      <p:cBhvr>
+                                        <p:cTn id="6" dur="1" fill="hold">
+                                          <p:stCondLst>
+                                            <p:cond delay="0"/>
+                                          </p:stCondLst>
+                                        </p:cTn>
+                                        <p:tgtEl>
+                                          <p:spTgt spid="5">
+                                            <p:txEl>
+                                              <p:pRg st="0" end="0"/>
+                                            </p:txEl>
+                                          </p:spTgt>
+                                        </p:tgtEl>
+                                        <p:attrNameLst>
+                                          <p:attrName>style.visibility</p:attrName>
+                                        </p:attrNameLst>
+                                      </p:cBhvr>
+                                      <p:to>
+                                        <p:strVal val="visible"/>
+                                      </p:to>
+                                    </p:set>
+                                  </p:childTnLst>
+                                </p:cTn>
+                              </p:par>
+                            </p:childTnLst>
+                          </p:cTn>
+                        </p:par>
+                      </p:childTnLst>
+                    </p:cTn>
+                  </p:par>
+                  <p:par>
+                    <p:cTn id="7" fill="hold">
+                      <p:stCondLst>
+                        <p:cond delay="indefinite"/>
+                      </p:stCondLst>
+                      <p:childTnLst>
+                        <p:par>
+                          <p:cTn id="8" fill="hold">
+                            <p:stCondLst>
+                              <p:cond delay="0"/>
+                            </p:stCondLst>
+                            <p:childTnLst>
+                              <p:par>
+                                <p:cTn id="9" presetID="1" presetClass="entr" presetSubtype="0" fill="hold" nodeType="clickEffect">
+                                  <p:stCondLst>
+                                    <p:cond delay="0"/>
+                                  </p:stCondLst>
+                                  <p:childTnLst>
+                                    <p:set>
+                                      <p:cBhvr>
+                                        <p:cTn id="10" dur="1" fill="hold">
+                                          <p:stCondLst>
+                                            <p:cond delay="0"/>
+                                          </p:stCondLst>
+                                        </p:cTn>
+                                        <p:tgtEl>
+                                          <p:spTgt spid="5">
+                                            <p:txEl>
+                                              <p:pRg st="2" end="2"/>
+                                            </p:txEl>
+                                          </p:spTgt>
+                                        </p:tgtEl>
+                                        <p:attrNameLst>
+                                          <p:attrName>style.visibility</p:attrName>
+                                        </p:attrNameLst>
+                                      </p:cBhvr>
+                                      <p:to>
+                                        <p:strVal val="visible"/>
+                                      </p:to>
+                                    </p:set>
+                                  </p:childTnLst>
+                                </p:cTn>
+                              </p:par>
+                            </p:childTnLst>
+                          </p:cTn>
+                        </p:par>
+                      </p:childTnLst>
+                    </p:cTn>
+                  </p:par>
+                  <p:par>
+                    <p:cTn id="11" fill="hold">
+                      <p:stCondLst>
+                        <p:cond delay="indefinite"/>
+                      </p:stCondLst>
+                      <p:childTnLst>
+                        <p:par>
+                          <p:cTn id="12" fill="hold">
+                            <p:stCondLst>
+                              <p:cond delay="0"/>
+                            </p:stCondLst>
+                            <p:childTnLst>
+                              <p:par>
+                                <p:cTn id="13" presetID="1" presetClass="entr" presetSubtype="0" fill="hold" nodeType="clickEffect">
+                                  <p:stCondLst>
+                                    <p:cond delay="0"/>
+                                  </p:stCondLst>
+                                  <p:childTnLst>
+                                    <p:set>
+                                      <p:cBhvr>
+                                        <p:cTn id="14" dur="1" fill="hold">
+                                          <p:stCondLst>
+                                            <p:cond delay="0"/>
+                                          </p:stCondLst>
+                                        </p:cTn>
+                                        <p:tgtEl>
+                                          <p:spTgt spid="5">
+                                            <p:txEl>
+                                              <p:pRg st="4" end="4"/>
+                                            </p:txEl>
+                                          </p:spTgt>
+                                        </p:tgtEl>
+                                        <p:attrNameLst>
+                                          <p:attrName>style.visibility</p:attrName>
+                                        </p:attrNameLst>
+                                      </p:cBhvr>
+                                      <p:to>
+                                        <p:strVal val="visible"/>
+                                      </p:to>
+                                    </p:set>
+                                  </p:childTnLst>
+                                </p:cTn>
+                              </p:par>
+                            </p:childTnLst>
+                          </p:cTn>
+                        </p:par>
+                      </p:childTnLst>
+                    </p:cTn>
+                  </p:par>
+                  <p:par>
+                    <p:cTn id="15" fill="hold">
+                      <p:stCondLst>
+                        <p:cond delay="indefinite"/>
+                      </p:stCondLst>
+                      <p:childTnLst>
+                        <p:par>
+                          <p:cTn id="16" fill="hold">
+                            <p:stCondLst>
+                              <p:cond delay="0"/>
+                            </p:stCondLst>
+                            <p:childTnLst>
+                              <p:par>
+                                <p:cTn id="17" presetID="1" presetClass="entr" presetSubtype="0" fill="hold" nodeType="clickEffect">
+                                  <p:stCondLst>
+                                    <p:cond delay="0"/>
+                                  </p:stCondLst>
+                                  <p:childTnLst>
+                                    <p:set>
+                                      <p:cBhvr>
+                                        <p:cTn id="18" dur="1" fill="hold">
+                                          <p:stCondLst>
+                                            <p:cond delay="0"/>
+                                          </p:stCondLst>
+                                        </p:cTn>
+                                        <p:tgtEl>
+                                          <p:spTgt spid="5">
+                                            <p:txEl>
+                                              <p:pRg st="6" end="6"/>
+                                            </p:txEl>
+                                          </p:spTgt>
+                                        </p:tgtEl>
+                                        <p:attrNameLst>
+                                          <p:attrName>style.visibility</p:attrName>
+                                        </p:attrNameLst>
+                                      </p:cBhvr>
+                                      <p:to>
+                                        <p:strVal val="visible"/>
+                                      </p:to>
+                                    </p:set>
+                                  </p:childTnLst>
+                                </p:cTn>
+                              </p:par>
+                            </p:childTnLst>
+                          </p:cTn>
+                        </p:par>
+                      </p:childTnLst>
+                    </p:cTn>
+                  </p:par>
+                  <p:par>
+                    <p:cTn id="19" fill="hold">
+                      <p:stCondLst>
+                        <p:cond delay="indefinite"/>
+                      </p:stCondLst>
+                      <p:childTnLst>
+                        <p:par>
+                          <p:cTn id="20" fill="hold">
+                            <p:stCondLst>
+                              <p:cond delay="0"/>
+                            </p:stCondLst>
+                            <p:childTnLst>
+                              <p:par>
+                                <p:cTn id="21" presetID="1" presetClass="entr" presetSubtype="0" fill="hold" nodeType="clickEffect">
+                                  <p:stCondLst>
+                                    <p:cond delay="0"/>
+                                  </p:stCondLst>
+                                  <p:childTnLst>
+                                    <p:set>
+                                      <p:cBhvr>
+                                        <p:cTn id="22" dur="1" fill="hold">
+                                          <p:stCondLst>
+                                            <p:cond delay="0"/>
+                                          </p:stCondLst>
+                                        </p:cTn>
+                                        <p:tgtEl>
+                                          <p:spTgt spid="5">
+                                            <p:txEl>
+                                              <p:pRg st="8" end="8"/>
+                                            </p:txEl>
+                                          </p:spTgt>
+                                        </p:tgtEl>
+                                        <p:attrNameLst>
+                                          <p:attrName>style.visibility</p:attrName>
+                                        </p:attrNameLst>
+                                      </p:cBhvr>
+                                      <p:to>
+                                        <p:strVal val="visible"/>
+                                      </p:to>
+                                    </p:set>
+                                  </p:childTnLst>
+                                </p:cTn>
+                              </p:par>
+                            </p:childTnLst>
+                          </p:cTn>
+                        </p:par>
+                      </p:childTnLst>
+                    </p:cTn>
+                  </p:par>
+                  <p:par>
+                    <p:cTn id="23" fill="hold">
+                      <p:stCondLst>
+                        <p:cond delay="indefinite"/>
+                      </p:stCondLst>
+                      <p:childTnLst>
+                        <p:par>
+                          <p:cTn id="24" fill="hold">
+                            <p:stCondLst>
+                              <p:cond delay="0"/>
+                            </p:stCondLst>
+                            <p:childTnLst>
+                              <p:par>
+                                <p:cTn id="25" presetID="1" presetClass="entr" presetSubtype="0" fill="hold" nodeType="clickEffect">
+                                  <p:stCondLst>
+                                    <p:cond delay="0"/>
+                                  </p:stCondLst>
+                                  <p:childTnLst>
+                                    <p:set>
+                                      <p:cBhvr>
+                                        <p:cTn id="26" dur="1" fill="hold">
+                                          <p:stCondLst>
+                                            <p:cond delay="0"/>
+                                          </p:stCondLst>
+                                        </p:cTn>
+                                        <p:tgtEl>
+                                          <p:spTgt spid="5">
+                                            <p:txEl>
+                                              <p:pRg st="10" end="10"/>
+                                            </p:txEl>
+                                          </p:spTgt>
+                                        </p:tgtEl>
+                                        <p:attrNameLst>
+                                          <p:attrName>style.visibility</p:attrName>
+                                        </p:attrNameLst>
+                                      </p:cBhvr>
+                                      <p:to>
+                                        <p:strVal val="visible"/>
+                                      </p:to>
+                                    </p:set>
+                                  </p:childTnLst>
+                                </p:cTn>
+                              </p:par>
+                            </p:childTnLst>
+                          </p:cTn>
+                        </p:par>
+                      </p:childTnLst>
+                    </p:cTn>
+                  </p:par>
+                </p:childTnLst>
+              </p:cTn>
+              <p:prevCondLst>
+                <p:cond evt="onPrev" delay="0">
+                  <p:tgtEl>
+                    <p:sldTgt/>
+                  </p:tgtEl>
+                </p:cond>
+              </p:prevCondLst>
+              <p:nextCondLst>
+                <p:cond evt="onNext" delay="0">
+                  <p:tgtEl>
+                    <p:sldTgt/>
+                  </p:tgtEl>
+                </p:cond>
+              </p:nextCondLst>
+            </p:seq>
+          </p:childTnLst>
+        </p:cTn>
       </p:par>
     </p:tnLst>
   </p:timing>
@@ -6532,7 +9435,7 @@
         <p:spPr>
           <a:xfrm>
             <a:off x="2576946" y="1838037"/>
-            <a:ext cx="6844146" cy="2862322"/>
+            <a:ext cx="6844146" cy="2308324"/>
           </a:xfrm>
           <a:prstGeom prst="rect">
             <a:avLst/>
@@ -6544,32 +9447,6 @@
             <a:spAutoFit/>
           </a:bodyPr>
           <a:lstStyle/>
-          <a:p>
-            <a:pPr marL="285750" indent="-285750">
-              <a:buFont typeface="Arial" panose="020B0604020202020204" pitchFamily="34" charset="0"/>
-              <a:buChar char="•"/>
-            </a:pPr>
-            <a:r>
-              <a:rPr lang="en-US" altLang="ko-KR" dirty="0" smtClean="0"/>
-              <a:t>Uniform Interface</a:t>
-            </a:r>
-            <a:r>
-              <a:rPr lang="ko-KR" altLang="en-US" dirty="0" smtClean="0"/>
-              <a:t>외에는 다 제대로 지켜지고 있음</a:t>
-            </a:r>
-            <a:r>
-              <a:rPr lang="en-US" altLang="ko-KR" dirty="0" smtClean="0"/>
-              <a:t>.</a:t>
-            </a:r>
-            <a:endParaRPr lang="en-US" altLang="ko-KR" dirty="0" smtClean="0"/>
-          </a:p>
-          <a:p>
-            <a:pPr marL="285750" indent="-285750">
-              <a:buFont typeface="Arial" panose="020B0604020202020204" pitchFamily="34" charset="0"/>
-              <a:buChar char="•"/>
-            </a:pPr>
-            <a:endParaRPr lang="en-US" altLang="ko-KR" dirty="0"/>
-          </a:p>
           <a:p>
             <a:pPr marL="285750" indent="-285750">
               <a:buFont typeface="Arial" panose="020B0604020202020204" pitchFamily="34" charset="0"/>
@@ -6661,7 +9538,177 @@
   <p:timing>
     <p:tnLst>
       <p:par>
-        <p:cTn id="1" dur="indefinite" restart="never" nodeType="tmRoot"/>
+        <p:cTn id="1" dur="indefinite" restart="never" nodeType="tmRoot">
+          <p:childTnLst>
+            <p:seq concurrent="1" nextAc="seek">
+              <p:cTn id="2" dur="indefinite" nodeType="mainSeq">
+                <p:childTnLst>
+                  <p:par>
+                    <p:cTn id="3" fill="hold">
+                      <p:stCondLst>
+                        <p:cond delay="indefinite"/>
+                      </p:stCondLst>
+                      <p:childTnLst>
+                        <p:par>
+                          <p:cTn id="4" fill="hold">
+                            <p:stCondLst>
+                              <p:cond delay="0"/>
+                            </p:stCondLst>
+                            <p:childTnLst>
+                              <p:par>
+                                <p:cTn id="5" presetID="1" presetClass="entr" presetSubtype="0" fill="hold" nodeType="clickEffect">
+                                  <p:stCondLst>
+                                    <p:cond delay="0"/>
+                                  </p:stCondLst>
+                                  <p:childTnLst>
+                                    <p:set>
+                                      <p:cBhvr>
+                                        <p:cTn id="6" dur="1" fill="hold">
+                                          <p:stCondLst>
+                                            <p:cond delay="0"/>
+                                          </p:stCondLst>
+                                        </p:cTn>
+                                        <p:tgtEl>
+                                          <p:spTgt spid="2">
+                                            <p:txEl>
+                                              <p:pRg st="0" end="0"/>
+                                            </p:txEl>
+                                          </p:spTgt>
+                                        </p:tgtEl>
+                                        <p:attrNameLst>
+                                          <p:attrName>style.visibility</p:attrName>
+                                        </p:attrNameLst>
+                                      </p:cBhvr>
+                                      <p:to>
+                                        <p:strVal val="visible"/>
+                                      </p:to>
+                                    </p:set>
+                                  </p:childTnLst>
+                                </p:cTn>
+                              </p:par>
+                            </p:childTnLst>
+                          </p:cTn>
+                        </p:par>
+                      </p:childTnLst>
+                    </p:cTn>
+                  </p:par>
+                  <p:par>
+                    <p:cTn id="7" fill="hold">
+                      <p:stCondLst>
+                        <p:cond delay="indefinite"/>
+                      </p:stCondLst>
+                      <p:childTnLst>
+                        <p:par>
+                          <p:cTn id="8" fill="hold">
+                            <p:stCondLst>
+                              <p:cond delay="0"/>
+                            </p:stCondLst>
+                            <p:childTnLst>
+                              <p:par>
+                                <p:cTn id="9" presetID="1" presetClass="entr" presetSubtype="0" fill="hold" nodeType="clickEffect">
+                                  <p:stCondLst>
+                                    <p:cond delay="0"/>
+                                  </p:stCondLst>
+                                  <p:childTnLst>
+                                    <p:set>
+                                      <p:cBhvr>
+                                        <p:cTn id="10" dur="1" fill="hold">
+                                          <p:stCondLst>
+                                            <p:cond delay="0"/>
+                                          </p:stCondLst>
+                                        </p:cTn>
+                                        <p:tgtEl>
+                                          <p:spTgt spid="2">
+                                            <p:txEl>
+                                              <p:pRg st="2" end="2"/>
+                                            </p:txEl>
+                                          </p:spTgt>
+                                        </p:tgtEl>
+                                        <p:attrNameLst>
+                                          <p:attrName>style.visibility</p:attrName>
+                                        </p:attrNameLst>
+                                      </p:cBhvr>
+                                      <p:to>
+                                        <p:strVal val="visible"/>
+                                      </p:to>
+                                    </p:set>
+                                  </p:childTnLst>
+                                </p:cTn>
+                              </p:par>
+                            </p:childTnLst>
+                          </p:cTn>
+                        </p:par>
+                      </p:childTnLst>
+                    </p:cTn>
+                  </p:par>
+                  <p:par>
+                    <p:cTn id="11" fill="hold">
+                      <p:stCondLst>
+                        <p:cond delay="indefinite"/>
+                      </p:stCondLst>
+                      <p:childTnLst>
+                        <p:par>
+                          <p:cTn id="12" fill="hold">
+                            <p:stCondLst>
+                              <p:cond delay="0"/>
+                            </p:stCondLst>
+                            <p:childTnLst>
+                              <p:par>
+                                <p:cTn id="13" presetID="1" presetClass="entr" presetSubtype="0" fill="hold" nodeType="clickEffect">
+                                  <p:stCondLst>
+                                    <p:cond delay="0"/>
+                                  </p:stCondLst>
+                                  <p:childTnLst>
+                                    <p:set>
+                                      <p:cBhvr>
+                                        <p:cTn id="14" dur="1" fill="hold">
+                                          <p:stCondLst>
+                                            <p:cond delay="0"/>
+                                          </p:stCondLst>
+                                        </p:cTn>
+                                        <p:tgtEl>
+                                          <p:spTgt spid="2">
+                                            <p:txEl>
+                                              <p:pRg st="4" end="4"/>
+                                            </p:txEl>
+                                          </p:spTgt>
+                                        </p:tgtEl>
+                                        <p:attrNameLst>
+                                          <p:attrName>style.visibility</p:attrName>
+                                        </p:attrNameLst>
+                                      </p:cBhvr>
+                                      <p:to>
+                                        <p:strVal val="visible"/>
+                                      </p:to>
+                                    </p:set>
+                                  </p:childTnLst>
+                                </p:cTn>
+                              </p:par>
+                            </p:childTnLst>
+                          </p:cTn>
+                        </p:par>
+                      </p:childTnLst>
+                    </p:cTn>
+                  </p:par>
+                </p:childTnLst>
+              </p:cTn>
+              <p:prevCondLst>
+                <p:cond evt="onPrev" delay="0">
+                  <p:tgtEl>
+                    <p:sldTgt/>
+                  </p:tgtEl>
+                </p:cond>
+              </p:prevCondLst>
+              <p:nextCondLst>
+                <p:cond evt="onNext" delay="0">
+                  <p:tgtEl>
+                    <p:sldTgt/>
+                  </p:tgtEl>
+                </p:cond>
+              </p:nextCondLst>
+            </p:seq>
+          </p:childTnLst>
+        </p:cTn>
       </p:par>
     </p:tnLst>
   </p:timing>
@@ -6719,7 +9766,15 @@
           <a:p>
             <a:r>
               <a:rPr lang="ko-KR" altLang="en-US" sz="2000" dirty="0" smtClean="0"/>
-              <a:t>따라서 궁극적인 목표는 스프링 프레임워크와 같다고 할 수 있다</a:t>
+              <a:t>따라서 궁극적인 목표는 </a:t>
+            </a:r>
+            <a:r>
+              <a:rPr lang="ko-KR" altLang="en-US" sz="2000" b="1" dirty="0" smtClean="0"/>
+              <a:t>스프링 프레임워크</a:t>
+            </a:r>
+            <a:r>
+              <a:rPr lang="ko-KR" altLang="en-US" sz="2000" dirty="0" smtClean="0"/>
+              <a:t>와 같다고 할 수 있다</a:t>
             </a:r>
             <a:r>
               <a:rPr lang="en-US" altLang="ko-KR" sz="2000" dirty="0" smtClean="0"/>
@@ -6779,7 +9834,128 @@
   <p:timing>
     <p:tnLst>
       <p:par>
-        <p:cTn id="1" dur="indefinite" restart="never" nodeType="tmRoot"/>
+        <p:cTn id="1" dur="indefinite" restart="never" nodeType="tmRoot">
+          <p:childTnLst>
+            <p:seq concurrent="1" nextAc="seek">
+              <p:cTn id="2" dur="indefinite" nodeType="mainSeq">
+                <p:childTnLst>
+                  <p:par>
+                    <p:cTn id="3" fill="hold">
+                      <p:stCondLst>
+                        <p:cond delay="indefinite"/>
+                      </p:stCondLst>
+                      <p:childTnLst>
+                        <p:par>
+                          <p:cTn id="4" fill="hold">
+                            <p:stCondLst>
+                              <p:cond delay="0"/>
+                            </p:stCondLst>
+                            <p:childTnLst>
+                              <p:par>
+                                <p:cTn id="5" presetID="1" presetClass="entr" presetSubtype="0" fill="hold" nodeType="clickEffect">
+                                  <p:stCondLst>
+                                    <p:cond delay="0"/>
+                                  </p:stCondLst>
+                                  <p:childTnLst>
+                                    <p:set>
+                                      <p:cBhvr>
+                                        <p:cTn id="6" dur="1" fill="hold">
+                                          <p:stCondLst>
+                                            <p:cond delay="0"/>
+                                          </p:stCondLst>
+                                        </p:cTn>
+                                        <p:tgtEl>
+                                          <p:spTgt spid="8">
+                                            <p:txEl>
+                                              <p:pRg st="0" end="0"/>
+                                            </p:txEl>
+                                          </p:spTgt>
+                                        </p:tgtEl>
+                                        <p:attrNameLst>
+                                          <p:attrName>style.visibility</p:attrName>
+                                        </p:attrNameLst>
+                                      </p:cBhvr>
+                                      <p:to>
+                                        <p:strVal val="visible"/>
+                                      </p:to>
+                                    </p:set>
+                                  </p:childTnLst>
+                                </p:cTn>
+                              </p:par>
+                            </p:childTnLst>
+                          </p:cTn>
+                        </p:par>
+                      </p:childTnLst>
+                    </p:cTn>
+                  </p:par>
+                  <p:par>
+                    <p:cTn id="7" fill="hold">
+                      <p:stCondLst>
+                        <p:cond delay="indefinite"/>
+                      </p:stCondLst>
+                      <p:childTnLst>
+                        <p:par>
+                          <p:cTn id="8" fill="hold">
+                            <p:stCondLst>
+                              <p:cond delay="0"/>
+                            </p:stCondLst>
+                            <p:childTnLst>
+                              <p:par>
+                                <p:cTn id="9" presetID="1" presetClass="entr" presetSubtype="0" fill="hold" nodeType="clickEffect">
+                                  <p:stCondLst>
+                                    <p:cond delay="0"/>
+                                  </p:stCondLst>
+                                  <p:childTnLst>
+                                    <p:set>
+                                      <p:cBhvr>
+                                        <p:cTn id="10" dur="1" fill="hold">
+                                          <p:stCondLst>
+                                            <p:cond delay="0"/>
+                                          </p:stCondLst>
+                                        </p:cTn>
+                                        <p:tgtEl>
+                                          <p:spTgt spid="8">
+                                            <p:txEl>
+                                              <p:pRg st="2" end="2"/>
+                                            </p:txEl>
+                                          </p:spTgt>
+                                        </p:tgtEl>
+                                        <p:attrNameLst>
+                                          <p:attrName>style.visibility</p:attrName>
+                                        </p:attrNameLst>
+                                      </p:cBhvr>
+                                      <p:to>
+                                        <p:strVal val="visible"/>
+                                      </p:to>
+                                    </p:set>
+                                  </p:childTnLst>
+                                </p:cTn>
+                              </p:par>
+                            </p:childTnLst>
+                          </p:cTn>
+                        </p:par>
+                      </p:childTnLst>
+                    </p:cTn>
+                  </p:par>
+                </p:childTnLst>
+              </p:cTn>
+              <p:prevCondLst>
+                <p:cond evt="onPrev" delay="0">
+                  <p:tgtEl>
+                    <p:sldTgt/>
+                  </p:tgtEl>
+                </p:cond>
+              </p:prevCondLst>
+              <p:nextCondLst>
+                <p:cond evt="onNext" delay="0">
+                  <p:tgtEl>
+                    <p:sldTgt/>
+                  </p:tgtEl>
+                </p:cond>
+              </p:nextCondLst>
+            </p:seq>
+          </p:childTnLst>
+        </p:cTn>
       </p:par>
     </p:tnLst>
   </p:timing>
@@ -6811,7 +9987,7 @@
         </p:nvSpPr>
         <p:spPr>
           <a:xfrm>
-            <a:off x="2232454" y="1902941"/>
+            <a:off x="2282330" y="1578745"/>
             <a:ext cx="7397578" cy="1499286"/>
           </a:xfrm>
           <a:prstGeom prst="rect">
@@ -6889,7 +10065,7 @@
         </p:nvSpPr>
         <p:spPr>
           <a:xfrm>
-            <a:off x="2380738" y="2116838"/>
+            <a:off x="2430614" y="1792642"/>
             <a:ext cx="7109250" cy="861774"/>
           </a:xfrm>
           <a:prstGeom prst="rect">
@@ -6915,12 +10091,8 @@
           </a:p>
           <a:p>
             <a:r>
-              <a:rPr lang="ko-KR" altLang="en-US" sz="1400" i="1" dirty="0" smtClean="0"/>
-              <a:t>자바 엔터프라이즈 개발을 편하게 해주는 </a:t>
-            </a:r>
-            <a:r>
               <a:rPr lang="ko-KR" altLang="en-US" sz="1400" dirty="0" smtClean="0"/>
-              <a:t>오픈 소스 경량급 애플리케이션 프레임워크</a:t>
+              <a:t>자바 엔터프라이즈 개발을 편하게 해주는 오픈 소스 경량급 애플리케이션 프레임워크</a:t>
             </a:r>
             <a:endParaRPr lang="ko-KR" altLang="en-US" sz="1400" dirty="0"/>
           </a:p>
@@ -6934,7 +10106,7 @@
         </p:nvSpPr>
         <p:spPr>
           <a:xfrm>
-            <a:off x="2149327" y="4163143"/>
+            <a:off x="2199203" y="3838947"/>
             <a:ext cx="7817704" cy="1323439"/>
           </a:xfrm>
           <a:prstGeom prst="rect">
@@ -6950,7 +10122,7 @@
           <a:p>
             <a:r>
               <a:rPr lang="ko-KR" altLang="en-US" sz="1600" dirty="0" smtClean="0"/>
-              <a:t>스프링 프레임워크는 단순히 어떤 특정한 문제를 해결하기 위해 나온 프레임워크가 아니기 때문에 한 문장으로 정의해서는 이해하기 힘들다</a:t>
+              <a:t>스프링 프레임워크는 단순히 어떤 특정한 문제를 해결하기 위해 나온 프레임워크가 아니기 때문에 쉽게 이해하기가 어렵다</a:t>
             </a:r>
             <a:r>
               <a:rPr lang="en-US" altLang="ko-KR" sz="1600" dirty="0" smtClean="0"/>
@@ -6994,9 +10166,206 @@
   <p:timing>
     <p:tnLst>
       <p:par>
-        <p:cTn id="1" dur="indefinite" restart="never" nodeType="tmRoot"/>
+        <p:cTn id="1" dur="indefinite" restart="never" nodeType="tmRoot">
+          <p:childTnLst>
+            <p:seq concurrent="1" nextAc="seek">
+              <p:cTn id="2" dur="indefinite" nodeType="mainSeq">
+                <p:childTnLst>
+                  <p:par>
+                    <p:cTn id="3" fill="hold">
+                      <p:stCondLst>
+                        <p:cond delay="indefinite"/>
+                      </p:stCondLst>
+                      <p:childTnLst>
+                        <p:par>
+                          <p:cTn id="4" fill="hold">
+                            <p:stCondLst>
+                              <p:cond delay="0"/>
+                            </p:stCondLst>
+                            <p:childTnLst>
+                              <p:par>
+                                <p:cTn id="5" presetID="1" presetClass="entr" presetSubtype="0" fill="hold" grpId="0" nodeType="clickEffect">
+                                  <p:stCondLst>
+                                    <p:cond delay="0"/>
+                                  </p:stCondLst>
+                                  <p:childTnLst>
+                                    <p:set>
+                                      <p:cBhvr>
+                                        <p:cTn id="6" dur="1" fill="hold">
+                                          <p:stCondLst>
+                                            <p:cond delay="0"/>
+                                          </p:stCondLst>
+                                        </p:cTn>
+                                        <p:tgtEl>
+                                          <p:spTgt spid="10"/>
+                                        </p:tgtEl>
+                                        <p:attrNameLst>
+                                          <p:attrName>style.visibility</p:attrName>
+                                        </p:attrNameLst>
+                                      </p:cBhvr>
+                                      <p:to>
+                                        <p:strVal val="visible"/>
+                                      </p:to>
+                                    </p:set>
+                                  </p:childTnLst>
+                                </p:cTn>
+                              </p:par>
+                              <p:par>
+                                <p:cTn id="7" presetID="1" presetClass="entr" presetSubtype="0" fill="hold" grpId="0" nodeType="withEffect">
+                                  <p:stCondLst>
+                                    <p:cond delay="0"/>
+                                  </p:stCondLst>
+                                  <p:childTnLst>
+                                    <p:set>
+                                      <p:cBhvr>
+                                        <p:cTn id="8" dur="1" fill="hold">
+                                          <p:stCondLst>
+                                            <p:cond delay="0"/>
+                                          </p:stCondLst>
+                                        </p:cTn>
+                                        <p:tgtEl>
+                                          <p:spTgt spid="4"/>
+                                        </p:tgtEl>
+                                        <p:attrNameLst>
+                                          <p:attrName>style.visibility</p:attrName>
+                                        </p:attrNameLst>
+                                      </p:cBhvr>
+                                      <p:to>
+                                        <p:strVal val="visible"/>
+                                      </p:to>
+                                    </p:set>
+                                  </p:childTnLst>
+                                </p:cTn>
+                              </p:par>
+                            </p:childTnLst>
+                          </p:cTn>
+                        </p:par>
+                      </p:childTnLst>
+                    </p:cTn>
+                  </p:par>
+                  <p:par>
+                    <p:cTn id="9" fill="hold">
+                      <p:stCondLst>
+                        <p:cond delay="indefinite"/>
+                      </p:stCondLst>
+                      <p:childTnLst>
+                        <p:par>
+                          <p:cTn id="10" fill="hold">
+                            <p:stCondLst>
+                              <p:cond delay="0"/>
+                            </p:stCondLst>
+                            <p:childTnLst>
+                              <p:par>
+                                <p:cTn id="11" presetID="1" presetClass="entr" presetSubtype="0" fill="hold" nodeType="clickEffect">
+                                  <p:stCondLst>
+                                    <p:cond delay="0"/>
+                                  </p:stCondLst>
+                                  <p:childTnLst>
+                                    <p:set>
+                                      <p:cBhvr>
+                                        <p:cTn id="12" dur="1" fill="hold">
+                                          <p:stCondLst>
+                                            <p:cond delay="0"/>
+                                          </p:stCondLst>
+                                        </p:cTn>
+                                        <p:tgtEl>
+                                          <p:spTgt spid="6">
+                                            <p:txEl>
+                                              <p:pRg st="0" end="0"/>
+                                            </p:txEl>
+                                          </p:spTgt>
+                                        </p:tgtEl>
+                                        <p:attrNameLst>
+                                          <p:attrName>style.visibility</p:attrName>
+                                        </p:attrNameLst>
+                                      </p:cBhvr>
+                                      <p:to>
+                                        <p:strVal val="visible"/>
+                                      </p:to>
+                                    </p:set>
+                                  </p:childTnLst>
+                                </p:cTn>
+                              </p:par>
+                            </p:childTnLst>
+                          </p:cTn>
+                        </p:par>
+                      </p:childTnLst>
+                    </p:cTn>
+                  </p:par>
+                  <p:par>
+                    <p:cTn id="13" fill="hold">
+                      <p:stCondLst>
+                        <p:cond delay="indefinite"/>
+                      </p:stCondLst>
+                      <p:childTnLst>
+                        <p:par>
+                          <p:cTn id="14" fill="hold">
+                            <p:stCondLst>
+                              <p:cond delay="0"/>
+                            </p:stCondLst>
+                            <p:childTnLst>
+                              <p:par>
+                                <p:cTn id="15" presetID="1" presetClass="entr" presetSubtype="0" fill="hold" nodeType="clickEffect">
+                                  <p:stCondLst>
+                                    <p:cond delay="0"/>
+                                  </p:stCondLst>
+                                  <p:childTnLst>
+                                    <p:set>
+                                      <p:cBhvr>
+                                        <p:cTn id="16" dur="1" fill="hold">
+                                          <p:stCondLst>
+                                            <p:cond delay="0"/>
+                                          </p:stCondLst>
+                                        </p:cTn>
+                                        <p:tgtEl>
+                                          <p:spTgt spid="6">
+                                            <p:txEl>
+                                              <p:pRg st="2" end="2"/>
+                                            </p:txEl>
+                                          </p:spTgt>
+                                        </p:tgtEl>
+                                        <p:attrNameLst>
+                                          <p:attrName>style.visibility</p:attrName>
+                                        </p:attrNameLst>
+                                      </p:cBhvr>
+                                      <p:to>
+                                        <p:strVal val="visible"/>
+                                      </p:to>
+                                    </p:set>
+                                  </p:childTnLst>
+                                </p:cTn>
+                              </p:par>
+                            </p:childTnLst>
+                          </p:cTn>
+                        </p:par>
+                      </p:childTnLst>
+                    </p:cTn>
+                  </p:par>
+                </p:childTnLst>
+              </p:cTn>
+              <p:prevCondLst>
+                <p:cond evt="onPrev" delay="0">
+                  <p:tgtEl>
+                    <p:sldTgt/>
+                  </p:tgtEl>
+                </p:cond>
+              </p:prevCondLst>
+              <p:nextCondLst>
+                <p:cond evt="onNext" delay="0">
+                  <p:tgtEl>
+                    <p:sldTgt/>
+                  </p:tgtEl>
+                </p:cond>
+              </p:nextCondLst>
+            </p:seq>
+          </p:childTnLst>
+        </p:cTn>
       </p:par>
     </p:tnLst>
+    <p:bldLst>
+      <p:bldP spid="10" grpId="0" animBg="1"/>
+      <p:bldP spid="4" grpId="0"/>
+    </p:bldLst>
   </p:timing>
 </p:sld>
 </file>
@@ -7020,54 +10389,6 @@
       </p:grpSpPr>
       <p:sp>
         <p:nvSpPr>
-          <p:cNvPr id="18" name="직사각형 17"/>
-          <p:cNvSpPr/>
-          <p:nvPr/>
-        </p:nvSpPr>
-        <p:spPr>
-          <a:xfrm>
-            <a:off x="1828799" y="2949147"/>
-            <a:ext cx="7850659" cy="1828800"/>
-          </a:xfrm>
-          <a:prstGeom prst="rect">
-            <a:avLst/>
-          </a:prstGeom>
-          <a:solidFill>
-            <a:schemeClr val="bg2">
-              <a:alpha val="63000"/>
-            </a:schemeClr>
-          </a:solidFill>
-          <a:ln>
-            <a:noFill/>
-          </a:ln>
-        </p:spPr>
-        <p:style>
-          <a:lnRef idx="2">
-            <a:schemeClr val="accent1">
-              <a:shade val="50000"/>
-            </a:schemeClr>
-          </a:lnRef>
-          <a:fillRef idx="1">
-            <a:schemeClr val="accent1"/>
-          </a:fillRef>
-          <a:effectRef idx="0">
-            <a:schemeClr val="accent1"/>
-          </a:effectRef>
-          <a:fontRef idx="minor">
-            <a:schemeClr val="lt1"/>
-          </a:fontRef>
-        </p:style>
-        <p:txBody>
-          <a:bodyPr rtlCol="0" anchor="ctr"/>
-          <a:lstStyle/>
-          <a:p>
-            <a:pPr algn="ctr"/>
-            <a:endParaRPr lang="ko-KR" altLang="en-US" dirty="0"/>
-          </a:p>
-        </p:txBody>
-      </p:sp>
-      <p:sp>
-        <p:nvSpPr>
           <p:cNvPr id="9" name="TextBox 8"/>
           <p:cNvSpPr txBox="1"/>
           <p:nvPr/>
@@ -7141,7 +10462,7 @@
           <a:p>
             <a:r>
               <a:rPr lang="ko-KR" altLang="en-US" sz="1400" dirty="0" smtClean="0"/>
-              <a:t>그래서 부트를 포함해 여러 다양한 기술이 계속 스프링 진영에서 개발되고 있다</a:t>
+              <a:t>그래서 부트를 포함해 여러 다양한 프로젝트가 계속 스프링 팀에서 개발되고 있다</a:t>
             </a:r>
             <a:r>
               <a:rPr lang="en-US" altLang="ko-KR" sz="1400" dirty="0" smtClean="0"/>
@@ -7174,7 +10495,7 @@
         </p:blipFill>
         <p:spPr bwMode="auto">
           <a:xfrm>
-            <a:off x="4073614" y="970272"/>
+            <a:off x="4073614" y="1286156"/>
             <a:ext cx="2821048" cy="1481051"/>
           </a:xfrm>
           <a:prstGeom prst="rect">
@@ -7203,7 +10524,7 @@
         </p:nvSpPr>
         <p:spPr>
           <a:xfrm>
-            <a:off x="2471351" y="3173327"/>
+            <a:off x="2282403" y="3371517"/>
             <a:ext cx="7059827" cy="1384995"/>
           </a:xfrm>
           <a:prstGeom prst="rect">
@@ -7217,6 +10538,10 @@
           </a:bodyPr>
           <a:lstStyle/>
           <a:p>
+            <a:pPr marL="171450" indent="-171450">
+              <a:buFont typeface="Arial" panose="020B0604020202020204" pitchFamily="34" charset="0"/>
+              <a:buChar char="•"/>
+            </a:pPr>
             <a:r>
               <a:rPr lang="ko-KR" altLang="en-US" sz="1200" dirty="0" smtClean="0"/>
               <a:t>엔터프라이즈 애플리케이션 개발에 대해 자신의 노하우와 개발 전략 등을 담은 책을 출판</a:t>
@@ -7227,9 +10552,17 @@
             </a:r>
           </a:p>
           <a:p>
+            <a:pPr marL="171450" indent="-171450">
+              <a:buFont typeface="Arial" panose="020B0604020202020204" pitchFamily="34" charset="0"/>
+              <a:buChar char="•"/>
+            </a:pPr>
             <a:endParaRPr lang="en-US" altLang="ko-KR" sz="1200" dirty="0" smtClean="0"/>
           </a:p>
           <a:p>
+            <a:pPr marL="171450" indent="-171450">
+              <a:buFont typeface="Arial" panose="020B0604020202020204" pitchFamily="34" charset="0"/>
+              <a:buChar char="•"/>
+            </a:pPr>
             <a:r>
               <a:rPr lang="ko-KR" altLang="en-US" sz="1200" dirty="0" smtClean="0"/>
               <a:t>항상 프레임워크 적으로 접근해서 개발하도록 권장</a:t>
@@ -7241,9 +10574,17 @@
             <a:endParaRPr lang="en-US" altLang="ko-KR" sz="1200" dirty="0" smtClean="0"/>
           </a:p>
           <a:p>
+            <a:pPr marL="171450" indent="-171450">
+              <a:buFont typeface="Arial" panose="020B0604020202020204" pitchFamily="34" charset="0"/>
+              <a:buChar char="•"/>
+            </a:pPr>
             <a:endParaRPr lang="en-US" altLang="ko-KR" sz="1200" b="1" dirty="0" smtClean="0"/>
           </a:p>
           <a:p>
+            <a:pPr marL="171450" indent="-171450">
+              <a:buFont typeface="Arial" panose="020B0604020202020204" pitchFamily="34" charset="0"/>
+              <a:buChar char="•"/>
+            </a:pPr>
             <a:r>
               <a:rPr lang="ko-KR" altLang="en-US" sz="1200" b="1" dirty="0" smtClean="0"/>
               <a:t>약 </a:t>
@@ -7266,9 +10607,17 @@
             </a:r>
           </a:p>
           <a:p>
+            <a:pPr marL="171450" indent="-171450">
+              <a:buFont typeface="Arial" panose="020B0604020202020204" pitchFamily="34" charset="0"/>
+              <a:buChar char="•"/>
+            </a:pPr>
             <a:endParaRPr lang="en-US" altLang="ko-KR" sz="1200" dirty="0"/>
           </a:p>
           <a:p>
+            <a:pPr marL="171450" indent="-171450">
+              <a:buFont typeface="Arial" panose="020B0604020202020204" pitchFamily="34" charset="0"/>
+              <a:buChar char="•"/>
+            </a:pPr>
             <a:r>
               <a:rPr lang="ko-KR" altLang="en-US" sz="1200" dirty="0" smtClean="0"/>
               <a:t>뜻 있는 독자들과 담합해서 예제 코드를 발전시켜 오늘날의 스프링 프레임워크로 개발</a:t>
@@ -7284,7 +10633,7 @@
         </p:nvSpPr>
         <p:spPr>
           <a:xfrm>
-            <a:off x="4073614" y="2451323"/>
+            <a:off x="4073614" y="2767207"/>
             <a:ext cx="2973859" cy="230832"/>
           </a:xfrm>
           <a:prstGeom prst="rect">
@@ -7327,9 +10676,349 @@
   <p:timing>
     <p:tnLst>
       <p:par>
-        <p:cTn id="1" dur="indefinite" restart="never" nodeType="tmRoot"/>
+        <p:cTn id="1" dur="indefinite" restart="never" nodeType="tmRoot">
+          <p:childTnLst>
+            <p:seq concurrent="1" nextAc="seek">
+              <p:cTn id="2" dur="indefinite" nodeType="mainSeq">
+                <p:childTnLst>
+                  <p:par>
+                    <p:cTn id="3" fill="hold">
+                      <p:stCondLst>
+                        <p:cond delay="indefinite"/>
+                      </p:stCondLst>
+                      <p:childTnLst>
+                        <p:par>
+                          <p:cTn id="4" fill="hold">
+                            <p:stCondLst>
+                              <p:cond delay="0"/>
+                            </p:stCondLst>
+                            <p:childTnLst>
+                              <p:par>
+                                <p:cTn id="5" presetID="1" presetClass="entr" presetSubtype="0" fill="hold" nodeType="clickEffect">
+                                  <p:stCondLst>
+                                    <p:cond delay="0"/>
+                                  </p:stCondLst>
+                                  <p:childTnLst>
+                                    <p:set>
+                                      <p:cBhvr>
+                                        <p:cTn id="6" dur="1" fill="hold">
+                                          <p:stCondLst>
+                                            <p:cond delay="0"/>
+                                          </p:stCondLst>
+                                        </p:cTn>
+                                        <p:tgtEl>
+                                          <p:spTgt spid="13"/>
+                                        </p:tgtEl>
+                                        <p:attrNameLst>
+                                          <p:attrName>style.visibility</p:attrName>
+                                        </p:attrNameLst>
+                                      </p:cBhvr>
+                                      <p:to>
+                                        <p:strVal val="visible"/>
+                                      </p:to>
+                                    </p:set>
+                                  </p:childTnLst>
+                                </p:cTn>
+                              </p:par>
+                              <p:par>
+                                <p:cTn id="7" presetID="1" presetClass="entr" presetSubtype="0" fill="hold" grpId="0" nodeType="withEffect">
+                                  <p:stCondLst>
+                                    <p:cond delay="0"/>
+                                  </p:stCondLst>
+                                  <p:childTnLst>
+                                    <p:set>
+                                      <p:cBhvr>
+                                        <p:cTn id="8" dur="1" fill="hold">
+                                          <p:stCondLst>
+                                            <p:cond delay="0"/>
+                                          </p:stCondLst>
+                                        </p:cTn>
+                                        <p:tgtEl>
+                                          <p:spTgt spid="15"/>
+                                        </p:tgtEl>
+                                        <p:attrNameLst>
+                                          <p:attrName>style.visibility</p:attrName>
+                                        </p:attrNameLst>
+                                      </p:cBhvr>
+                                      <p:to>
+                                        <p:strVal val="visible"/>
+                                      </p:to>
+                                    </p:set>
+                                  </p:childTnLst>
+                                </p:cTn>
+                              </p:par>
+                            </p:childTnLst>
+                          </p:cTn>
+                        </p:par>
+                      </p:childTnLst>
+                    </p:cTn>
+                  </p:par>
+                  <p:par>
+                    <p:cTn id="9" fill="hold">
+                      <p:stCondLst>
+                        <p:cond delay="indefinite"/>
+                      </p:stCondLst>
+                      <p:childTnLst>
+                        <p:par>
+                          <p:cTn id="10" fill="hold">
+                            <p:stCondLst>
+                              <p:cond delay="0"/>
+                            </p:stCondLst>
+                            <p:childTnLst>
+                              <p:par>
+                                <p:cTn id="11" presetID="1" presetClass="entr" presetSubtype="0" fill="hold" nodeType="clickEffect">
+                                  <p:stCondLst>
+                                    <p:cond delay="0"/>
+                                  </p:stCondLst>
+                                  <p:childTnLst>
+                                    <p:set>
+                                      <p:cBhvr>
+                                        <p:cTn id="12" dur="1" fill="hold">
+                                          <p:stCondLst>
+                                            <p:cond delay="0"/>
+                                          </p:stCondLst>
+                                        </p:cTn>
+                                        <p:tgtEl>
+                                          <p:spTgt spid="14">
+                                            <p:txEl>
+                                              <p:pRg st="0" end="0"/>
+                                            </p:txEl>
+                                          </p:spTgt>
+                                        </p:tgtEl>
+                                        <p:attrNameLst>
+                                          <p:attrName>style.visibility</p:attrName>
+                                        </p:attrNameLst>
+                                      </p:cBhvr>
+                                      <p:to>
+                                        <p:strVal val="visible"/>
+                                      </p:to>
+                                    </p:set>
+                                  </p:childTnLst>
+                                </p:cTn>
+                              </p:par>
+                            </p:childTnLst>
+                          </p:cTn>
+                        </p:par>
+                      </p:childTnLst>
+                    </p:cTn>
+                  </p:par>
+                  <p:par>
+                    <p:cTn id="13" fill="hold">
+                      <p:stCondLst>
+                        <p:cond delay="indefinite"/>
+                      </p:stCondLst>
+                      <p:childTnLst>
+                        <p:par>
+                          <p:cTn id="14" fill="hold">
+                            <p:stCondLst>
+                              <p:cond delay="0"/>
+                            </p:stCondLst>
+                            <p:childTnLst>
+                              <p:par>
+                                <p:cTn id="15" presetID="1" presetClass="entr" presetSubtype="0" fill="hold" nodeType="clickEffect">
+                                  <p:stCondLst>
+                                    <p:cond delay="0"/>
+                                  </p:stCondLst>
+                                  <p:childTnLst>
+                                    <p:set>
+                                      <p:cBhvr>
+                                        <p:cTn id="16" dur="1" fill="hold">
+                                          <p:stCondLst>
+                                            <p:cond delay="0"/>
+                                          </p:stCondLst>
+                                        </p:cTn>
+                                        <p:tgtEl>
+                                          <p:spTgt spid="14">
+                                            <p:txEl>
+                                              <p:pRg st="2" end="2"/>
+                                            </p:txEl>
+                                          </p:spTgt>
+                                        </p:tgtEl>
+                                        <p:attrNameLst>
+                                          <p:attrName>style.visibility</p:attrName>
+                                        </p:attrNameLst>
+                                      </p:cBhvr>
+                                      <p:to>
+                                        <p:strVal val="visible"/>
+                                      </p:to>
+                                    </p:set>
+                                  </p:childTnLst>
+                                </p:cTn>
+                              </p:par>
+                            </p:childTnLst>
+                          </p:cTn>
+                        </p:par>
+                      </p:childTnLst>
+                    </p:cTn>
+                  </p:par>
+                  <p:par>
+                    <p:cTn id="17" fill="hold">
+                      <p:stCondLst>
+                        <p:cond delay="indefinite"/>
+                      </p:stCondLst>
+                      <p:childTnLst>
+                        <p:par>
+                          <p:cTn id="18" fill="hold">
+                            <p:stCondLst>
+                              <p:cond delay="0"/>
+                            </p:stCondLst>
+                            <p:childTnLst>
+                              <p:par>
+                                <p:cTn id="19" presetID="1" presetClass="entr" presetSubtype="0" fill="hold" nodeType="clickEffect">
+                                  <p:stCondLst>
+                                    <p:cond delay="0"/>
+                                  </p:stCondLst>
+                                  <p:childTnLst>
+                                    <p:set>
+                                      <p:cBhvr>
+                                        <p:cTn id="20" dur="1" fill="hold">
+                                          <p:stCondLst>
+                                            <p:cond delay="0"/>
+                                          </p:stCondLst>
+                                        </p:cTn>
+                                        <p:tgtEl>
+                                          <p:spTgt spid="14">
+                                            <p:txEl>
+                                              <p:pRg st="4" end="4"/>
+                                            </p:txEl>
+                                          </p:spTgt>
+                                        </p:tgtEl>
+                                        <p:attrNameLst>
+                                          <p:attrName>style.visibility</p:attrName>
+                                        </p:attrNameLst>
+                                      </p:cBhvr>
+                                      <p:to>
+                                        <p:strVal val="visible"/>
+                                      </p:to>
+                                    </p:set>
+                                  </p:childTnLst>
+                                </p:cTn>
+                              </p:par>
+                            </p:childTnLst>
+                          </p:cTn>
+                        </p:par>
+                      </p:childTnLst>
+                    </p:cTn>
+                  </p:par>
+                  <p:par>
+                    <p:cTn id="21" fill="hold">
+                      <p:stCondLst>
+                        <p:cond delay="indefinite"/>
+                      </p:stCondLst>
+                      <p:childTnLst>
+                        <p:par>
+                          <p:cTn id="22" fill="hold">
+                            <p:stCondLst>
+                              <p:cond delay="0"/>
+                            </p:stCondLst>
+                            <p:childTnLst>
+                              <p:par>
+                                <p:cTn id="23" presetID="1" presetClass="entr" presetSubtype="0" fill="hold" nodeType="clickEffect">
+                                  <p:stCondLst>
+                                    <p:cond delay="0"/>
+                                  </p:stCondLst>
+                                  <p:childTnLst>
+                                    <p:set>
+                                      <p:cBhvr>
+                                        <p:cTn id="24" dur="1" fill="hold">
+                                          <p:stCondLst>
+                                            <p:cond delay="0"/>
+                                          </p:stCondLst>
+                                        </p:cTn>
+                                        <p:tgtEl>
+                                          <p:spTgt spid="14">
+                                            <p:txEl>
+                                              <p:pRg st="6" end="6"/>
+                                            </p:txEl>
+                                          </p:spTgt>
+                                        </p:tgtEl>
+                                        <p:attrNameLst>
+                                          <p:attrName>style.visibility</p:attrName>
+                                        </p:attrNameLst>
+                                      </p:cBhvr>
+                                      <p:to>
+                                        <p:strVal val="visible"/>
+                                      </p:to>
+                                    </p:set>
+                                  </p:childTnLst>
+                                </p:cTn>
+                              </p:par>
+                            </p:childTnLst>
+                          </p:cTn>
+                        </p:par>
+                      </p:childTnLst>
+                    </p:cTn>
+                  </p:par>
+                  <p:par>
+                    <p:cTn id="25" fill="hold">
+                      <p:stCondLst>
+                        <p:cond delay="indefinite"/>
+                      </p:stCondLst>
+                      <p:childTnLst>
+                        <p:par>
+                          <p:cTn id="26" fill="hold">
+                            <p:stCondLst>
+                              <p:cond delay="0"/>
+                            </p:stCondLst>
+                            <p:childTnLst>
+                              <p:par>
+                                <p:cTn id="27" presetID="1" presetClass="entr" presetSubtype="0" fill="hold" grpId="0" nodeType="clickEffect">
+                                  <p:stCondLst>
+                                    <p:cond delay="0"/>
+                                  </p:stCondLst>
+                                  <p:childTnLst>
+                                    <p:set>
+                                      <p:cBhvr>
+                                        <p:cTn id="28" dur="1" fill="hold">
+                                          <p:stCondLst>
+                                            <p:cond delay="0"/>
+                                          </p:stCondLst>
+                                        </p:cTn>
+                                        <p:tgtEl>
+                                          <p:spTgt spid="2"/>
+                                        </p:tgtEl>
+                                        <p:attrNameLst>
+                                          <p:attrName>style.visibility</p:attrName>
+                                        </p:attrNameLst>
+                                      </p:cBhvr>
+                                      <p:to>
+                                        <p:strVal val="visible"/>
+                                      </p:to>
+                                    </p:set>
+                                  </p:childTnLst>
+                                </p:cTn>
+                              </p:par>
+                            </p:childTnLst>
+                          </p:cTn>
+                        </p:par>
+                      </p:childTnLst>
+                    </p:cTn>
+                  </p:par>
+                </p:childTnLst>
+              </p:cTn>
+              <p:prevCondLst>
+                <p:cond evt="onPrev" delay="0">
+                  <p:tgtEl>
+                    <p:sldTgt/>
+                  </p:tgtEl>
+                </p:cond>
+              </p:prevCondLst>
+              <p:nextCondLst>
+                <p:cond evt="onNext" delay="0">
+                  <p:tgtEl>
+                    <p:sldTgt/>
+                  </p:tgtEl>
+                </p:cond>
+              </p:nextCondLst>
+            </p:seq>
+          </p:childTnLst>
+        </p:cTn>
       </p:par>
     </p:tnLst>
+    <p:bldLst>
+      <p:bldP spid="2" grpId="0"/>
+      <p:bldP spid="15" grpId="0"/>
+    </p:bldLst>
   </p:timing>
 </p:sld>
 </file>
@@ -7359,7 +11048,7 @@
         </p:nvSpPr>
         <p:spPr>
           <a:xfrm>
-            <a:off x="1705232" y="1902940"/>
+            <a:off x="1705232" y="2268703"/>
             <a:ext cx="8863914" cy="2166551"/>
           </a:xfrm>
           <a:prstGeom prst="rect">
@@ -7437,8 +11126,8 @@
         </p:nvSpPr>
         <p:spPr>
           <a:xfrm>
-            <a:off x="2356021" y="943463"/>
-            <a:ext cx="7232821" cy="523220"/>
+            <a:off x="2356021" y="1026593"/>
+            <a:ext cx="7232821" cy="954107"/>
           </a:xfrm>
           <a:prstGeom prst="rect">
             <a:avLst/>
@@ -7453,7 +11142,7 @@
           <a:p>
             <a:r>
               <a:rPr lang="ko-KR" altLang="en-US" sz="1400" dirty="0" smtClean="0"/>
-              <a:t>스프링의 코드가 단순하고 적기 때문에 가볍다는 의미가 아님</a:t>
+              <a:t>스프링의 코드가 단순하고 적기 때문에 가볍다는 의미가 아니다</a:t>
             </a:r>
             <a:r>
               <a:rPr lang="en-US" altLang="ko-KR" sz="1400" dirty="0" smtClean="0"/>
@@ -7469,9 +11158,12 @@
             </a:r>
           </a:p>
           <a:p>
+            <a:endParaRPr lang="en-US" altLang="ko-KR" sz="1400" dirty="0" smtClean="0"/>
+          </a:p>
+          <a:p>
             <a:r>
               <a:rPr lang="ko-KR" altLang="en-US" sz="1400" dirty="0" smtClean="0"/>
-              <a:t>경량급이라는 것은 그 이전에 주류로 사용되던 프레임워크와의 비교에서 나온 말</a:t>
+              <a:t>경량급이라는 것은 그 이전에 주류로 사용되던 기술과 대비되어서 쓸데없이 코드를 무겁게 작성하지 않아도 된다는 뜻</a:t>
             </a:r>
             <a:endParaRPr lang="en-US" altLang="ko-KR" sz="1400" dirty="0"/>
           </a:p>
@@ -7485,7 +11177,7 @@
         </p:nvSpPr>
         <p:spPr>
           <a:xfrm>
-            <a:off x="1968842" y="1960604"/>
+            <a:off x="1968842" y="2326367"/>
             <a:ext cx="4258964" cy="400110"/>
           </a:xfrm>
           <a:prstGeom prst="rect">
@@ -7515,7 +11207,7 @@
         </p:nvSpPr>
         <p:spPr>
           <a:xfrm>
-            <a:off x="2034747" y="2507216"/>
+            <a:off x="2034747" y="2872979"/>
             <a:ext cx="7620000" cy="1785104"/>
           </a:xfrm>
           <a:prstGeom prst="rect">
@@ -7529,6 +11221,10 @@
           </a:bodyPr>
           <a:lstStyle/>
           <a:p>
+            <a:pPr marL="171450" indent="-171450">
+              <a:buFont typeface="Arial" panose="020B0604020202020204" pitchFamily="34" charset="0"/>
+              <a:buChar char="•"/>
+            </a:pPr>
             <a:r>
               <a:rPr lang="en-US" altLang="ko-KR" sz="1200" dirty="0" smtClean="0"/>
               <a:t>EJB</a:t>
@@ -7540,9 +11236,17 @@
             <a:endParaRPr lang="en-US" altLang="ko-KR" sz="1200" dirty="0" smtClean="0"/>
           </a:p>
           <a:p>
+            <a:pPr marL="171450" indent="-171450">
+              <a:buFont typeface="Arial" panose="020B0604020202020204" pitchFamily="34" charset="0"/>
+              <a:buChar char="•"/>
+            </a:pPr>
             <a:endParaRPr lang="en-US" altLang="ko-KR" sz="1200" dirty="0"/>
           </a:p>
           <a:p>
+            <a:pPr marL="171450" indent="-171450">
+              <a:buFont typeface="Arial" panose="020B0604020202020204" pitchFamily="34" charset="0"/>
+              <a:buChar char="•"/>
+            </a:pPr>
             <a:r>
               <a:rPr lang="ko-KR" altLang="en-US" sz="1200" dirty="0" smtClean="0"/>
               <a:t>목표는 스프링과 같았으나 스프링과 사상이 다름</a:t>
@@ -7550,9 +11254,17 @@
             <a:endParaRPr lang="en-US" altLang="ko-KR" sz="1200" dirty="0" smtClean="0"/>
           </a:p>
           <a:p>
+            <a:pPr marL="171450" indent="-171450">
+              <a:buFont typeface="Arial" panose="020B0604020202020204" pitchFamily="34" charset="0"/>
+              <a:buChar char="•"/>
+            </a:pPr>
             <a:endParaRPr lang="en-US" altLang="ko-KR" sz="1200" dirty="0" smtClean="0"/>
           </a:p>
           <a:p>
+            <a:pPr marL="171450" indent="-171450">
+              <a:buFont typeface="Arial" panose="020B0604020202020204" pitchFamily="34" charset="0"/>
+              <a:buChar char="•"/>
+            </a:pPr>
             <a:r>
               <a:rPr lang="en-US" altLang="ko-KR" sz="1200" dirty="0" smtClean="0"/>
               <a:t>EJB</a:t>
@@ -7580,9 +11292,17 @@
             <a:endParaRPr lang="en-US" altLang="ko-KR" sz="1200" dirty="0" smtClean="0"/>
           </a:p>
           <a:p>
+            <a:pPr marL="171450" indent="-171450">
+              <a:buFont typeface="Arial" panose="020B0604020202020204" pitchFamily="34" charset="0"/>
+              <a:buChar char="•"/>
+            </a:pPr>
             <a:endParaRPr lang="en-US" altLang="ko-KR" sz="1200" dirty="0"/>
           </a:p>
           <a:p>
+            <a:pPr marL="171450" indent="-171450">
+              <a:buFont typeface="Arial" panose="020B0604020202020204" pitchFamily="34" charset="0"/>
+              <a:buChar char="•"/>
+            </a:pPr>
             <a:r>
               <a:rPr lang="ko-KR" altLang="en-US" sz="1200" b="1" dirty="0" smtClean="0"/>
               <a:t>자바를 자바답게 쓸 수가 없다</a:t>
@@ -7590,9 +11310,17 @@
             <a:endParaRPr lang="en-US" altLang="ko-KR" sz="1200" b="1" dirty="0" smtClean="0"/>
           </a:p>
           <a:p>
+            <a:pPr marL="171450" indent="-171450">
+              <a:buFont typeface="Arial" panose="020B0604020202020204" pitchFamily="34" charset="0"/>
+              <a:buChar char="•"/>
+            </a:pPr>
             <a:endParaRPr lang="en-US" altLang="ko-KR" sz="1200" dirty="0" smtClean="0"/>
           </a:p>
           <a:p>
+            <a:pPr marL="171450" indent="-171450">
+              <a:buFont typeface="Arial" panose="020B0604020202020204" pitchFamily="34" charset="0"/>
+              <a:buChar char="•"/>
+            </a:pPr>
             <a:endParaRPr lang="en-US" altLang="ko-KR" sz="1200" dirty="0" smtClean="0"/>
           </a:p>
         </p:txBody>
@@ -7605,7 +11333,7 @@
         </p:nvSpPr>
         <p:spPr>
           <a:xfrm>
-            <a:off x="2376614" y="4604714"/>
+            <a:off x="2376614" y="4762658"/>
             <a:ext cx="7191633" cy="1292662"/>
           </a:xfrm>
           <a:prstGeom prst="rect">
@@ -7638,7 +11366,15 @@
             </a:r>
             <a:r>
               <a:rPr lang="en-US" altLang="ko-KR" sz="1400" dirty="0" smtClean="0"/>
-              <a:t>(POJO </a:t>
+              <a:t>(</a:t>
+            </a:r>
+            <a:r>
+              <a:rPr lang="en-US" altLang="ko-KR" sz="1400" b="1" dirty="0" smtClean="0"/>
+              <a:t>POJO</a:t>
+            </a:r>
+            <a:r>
+              <a:rPr lang="en-US" altLang="ko-KR" sz="1400" dirty="0" smtClean="0"/>
+              <a:t> </a:t>
             </a:r>
             <a:r>
               <a:rPr lang="ko-KR" altLang="en-US" sz="1400" dirty="0" smtClean="0"/>
@@ -7690,9 +11426,549 @@
   <p:timing>
     <p:tnLst>
       <p:par>
-        <p:cTn id="1" dur="indefinite" restart="never" nodeType="tmRoot"/>
+        <p:cTn id="1" dur="indefinite" restart="never" nodeType="tmRoot">
+          <p:childTnLst>
+            <p:seq concurrent="1" nextAc="seek">
+              <p:cTn id="2" dur="indefinite" nodeType="mainSeq">
+                <p:childTnLst>
+                  <p:par>
+                    <p:cTn id="3" fill="hold">
+                      <p:stCondLst>
+                        <p:cond delay="indefinite"/>
+                      </p:stCondLst>
+                      <p:childTnLst>
+                        <p:par>
+                          <p:cTn id="4" fill="hold">
+                            <p:stCondLst>
+                              <p:cond delay="0"/>
+                            </p:stCondLst>
+                            <p:childTnLst>
+                              <p:par>
+                                <p:cTn id="5" presetID="1" presetClass="entr" presetSubtype="0" fill="hold" nodeType="clickEffect">
+                                  <p:stCondLst>
+                                    <p:cond delay="0"/>
+                                  </p:stCondLst>
+                                  <p:childTnLst>
+                                    <p:set>
+                                      <p:cBhvr>
+                                        <p:cTn id="6" dur="1" fill="hold">
+                                          <p:stCondLst>
+                                            <p:cond delay="0"/>
+                                          </p:stCondLst>
+                                        </p:cTn>
+                                        <p:tgtEl>
+                                          <p:spTgt spid="2">
+                                            <p:txEl>
+                                              <p:pRg st="0" end="0"/>
+                                            </p:txEl>
+                                          </p:spTgt>
+                                        </p:tgtEl>
+                                        <p:attrNameLst>
+                                          <p:attrName>style.visibility</p:attrName>
+                                        </p:attrNameLst>
+                                      </p:cBhvr>
+                                      <p:to>
+                                        <p:strVal val="visible"/>
+                                      </p:to>
+                                    </p:set>
+                                  </p:childTnLst>
+                                </p:cTn>
+                              </p:par>
+                            </p:childTnLst>
+                          </p:cTn>
+                        </p:par>
+                      </p:childTnLst>
+                    </p:cTn>
+                  </p:par>
+                  <p:par>
+                    <p:cTn id="7" fill="hold">
+                      <p:stCondLst>
+                        <p:cond delay="indefinite"/>
+                      </p:stCondLst>
+                      <p:childTnLst>
+                        <p:par>
+                          <p:cTn id="8" fill="hold">
+                            <p:stCondLst>
+                              <p:cond delay="0"/>
+                            </p:stCondLst>
+                            <p:childTnLst>
+                              <p:par>
+                                <p:cTn id="9" presetID="1" presetClass="entr" presetSubtype="0" fill="hold" nodeType="clickEffect">
+                                  <p:stCondLst>
+                                    <p:cond delay="0"/>
+                                  </p:stCondLst>
+                                  <p:childTnLst>
+                                    <p:set>
+                                      <p:cBhvr>
+                                        <p:cTn id="10" dur="1" fill="hold">
+                                          <p:stCondLst>
+                                            <p:cond delay="0"/>
+                                          </p:stCondLst>
+                                        </p:cTn>
+                                        <p:tgtEl>
+                                          <p:spTgt spid="2">
+                                            <p:txEl>
+                                              <p:pRg st="2" end="2"/>
+                                            </p:txEl>
+                                          </p:spTgt>
+                                        </p:tgtEl>
+                                        <p:attrNameLst>
+                                          <p:attrName>style.visibility</p:attrName>
+                                        </p:attrNameLst>
+                                      </p:cBhvr>
+                                      <p:to>
+                                        <p:strVal val="visible"/>
+                                      </p:to>
+                                    </p:set>
+                                  </p:childTnLst>
+                                </p:cTn>
+                              </p:par>
+                            </p:childTnLst>
+                          </p:cTn>
+                        </p:par>
+                      </p:childTnLst>
+                    </p:cTn>
+                  </p:par>
+                  <p:par>
+                    <p:cTn id="11" fill="hold">
+                      <p:stCondLst>
+                        <p:cond delay="indefinite"/>
+                      </p:stCondLst>
+                      <p:childTnLst>
+                        <p:par>
+                          <p:cTn id="12" fill="hold">
+                            <p:stCondLst>
+                              <p:cond delay="0"/>
+                            </p:stCondLst>
+                            <p:childTnLst>
+                              <p:par>
+                                <p:cTn id="13" presetID="1" presetClass="entr" presetSubtype="0" fill="hold" grpId="0" nodeType="clickEffect">
+                                  <p:stCondLst>
+                                    <p:cond delay="0"/>
+                                  </p:stCondLst>
+                                  <p:childTnLst>
+                                    <p:set>
+                                      <p:cBhvr>
+                                        <p:cTn id="14" dur="1" fill="hold">
+                                          <p:stCondLst>
+                                            <p:cond delay="0"/>
+                                          </p:stCondLst>
+                                        </p:cTn>
+                                        <p:tgtEl>
+                                          <p:spTgt spid="10"/>
+                                        </p:tgtEl>
+                                        <p:attrNameLst>
+                                          <p:attrName>style.visibility</p:attrName>
+                                        </p:attrNameLst>
+                                      </p:cBhvr>
+                                      <p:to>
+                                        <p:strVal val="visible"/>
+                                      </p:to>
+                                    </p:set>
+                                  </p:childTnLst>
+                                </p:cTn>
+                              </p:par>
+                              <p:par>
+                                <p:cTn id="15" presetID="1" presetClass="entr" presetSubtype="0" fill="hold" grpId="0" nodeType="withEffect">
+                                  <p:stCondLst>
+                                    <p:cond delay="0"/>
+                                  </p:stCondLst>
+                                  <p:childTnLst>
+                                    <p:set>
+                                      <p:cBhvr>
+                                        <p:cTn id="16" dur="1" fill="hold">
+                                          <p:stCondLst>
+                                            <p:cond delay="0"/>
+                                          </p:stCondLst>
+                                        </p:cTn>
+                                        <p:tgtEl>
+                                          <p:spTgt spid="3"/>
+                                        </p:tgtEl>
+                                        <p:attrNameLst>
+                                          <p:attrName>style.visibility</p:attrName>
+                                        </p:attrNameLst>
+                                      </p:cBhvr>
+                                      <p:to>
+                                        <p:strVal val="visible"/>
+                                      </p:to>
+                                    </p:set>
+                                  </p:childTnLst>
+                                </p:cTn>
+                              </p:par>
+                            </p:childTnLst>
+                          </p:cTn>
+                        </p:par>
+                      </p:childTnLst>
+                    </p:cTn>
+                  </p:par>
+                  <p:par>
+                    <p:cTn id="17" fill="hold">
+                      <p:stCondLst>
+                        <p:cond delay="indefinite"/>
+                      </p:stCondLst>
+                      <p:childTnLst>
+                        <p:par>
+                          <p:cTn id="18" fill="hold">
+                            <p:stCondLst>
+                              <p:cond delay="0"/>
+                            </p:stCondLst>
+                            <p:childTnLst>
+                              <p:par>
+                                <p:cTn id="19" presetID="1" presetClass="entr" presetSubtype="0" fill="hold" nodeType="clickEffect">
+                                  <p:stCondLst>
+                                    <p:cond delay="0"/>
+                                  </p:stCondLst>
+                                  <p:childTnLst>
+                                    <p:set>
+                                      <p:cBhvr>
+                                        <p:cTn id="20" dur="1" fill="hold">
+                                          <p:stCondLst>
+                                            <p:cond delay="0"/>
+                                          </p:stCondLst>
+                                        </p:cTn>
+                                        <p:tgtEl>
+                                          <p:spTgt spid="5">
+                                            <p:txEl>
+                                              <p:pRg st="0" end="0"/>
+                                            </p:txEl>
+                                          </p:spTgt>
+                                        </p:tgtEl>
+                                        <p:attrNameLst>
+                                          <p:attrName>style.visibility</p:attrName>
+                                        </p:attrNameLst>
+                                      </p:cBhvr>
+                                      <p:to>
+                                        <p:strVal val="visible"/>
+                                      </p:to>
+                                    </p:set>
+                                  </p:childTnLst>
+                                </p:cTn>
+                              </p:par>
+                            </p:childTnLst>
+                          </p:cTn>
+                        </p:par>
+                      </p:childTnLst>
+                    </p:cTn>
+                  </p:par>
+                  <p:par>
+                    <p:cTn id="21" fill="hold">
+                      <p:stCondLst>
+                        <p:cond delay="indefinite"/>
+                      </p:stCondLst>
+                      <p:childTnLst>
+                        <p:par>
+                          <p:cTn id="22" fill="hold">
+                            <p:stCondLst>
+                              <p:cond delay="0"/>
+                            </p:stCondLst>
+                            <p:childTnLst>
+                              <p:par>
+                                <p:cTn id="23" presetID="1" presetClass="entr" presetSubtype="0" fill="hold" nodeType="clickEffect">
+                                  <p:stCondLst>
+                                    <p:cond delay="0"/>
+                                  </p:stCondLst>
+                                  <p:childTnLst>
+                                    <p:set>
+                                      <p:cBhvr>
+                                        <p:cTn id="24" dur="1" fill="hold">
+                                          <p:stCondLst>
+                                            <p:cond delay="0"/>
+                                          </p:stCondLst>
+                                        </p:cTn>
+                                        <p:tgtEl>
+                                          <p:spTgt spid="5">
+                                            <p:txEl>
+                                              <p:pRg st="2" end="2"/>
+                                            </p:txEl>
+                                          </p:spTgt>
+                                        </p:tgtEl>
+                                        <p:attrNameLst>
+                                          <p:attrName>style.visibility</p:attrName>
+                                        </p:attrNameLst>
+                                      </p:cBhvr>
+                                      <p:to>
+                                        <p:strVal val="visible"/>
+                                      </p:to>
+                                    </p:set>
+                                  </p:childTnLst>
+                                </p:cTn>
+                              </p:par>
+                            </p:childTnLst>
+                          </p:cTn>
+                        </p:par>
+                      </p:childTnLst>
+                    </p:cTn>
+                  </p:par>
+                  <p:par>
+                    <p:cTn id="25" fill="hold">
+                      <p:stCondLst>
+                        <p:cond delay="indefinite"/>
+                      </p:stCondLst>
+                      <p:childTnLst>
+                        <p:par>
+                          <p:cTn id="26" fill="hold">
+                            <p:stCondLst>
+                              <p:cond delay="0"/>
+                            </p:stCondLst>
+                            <p:childTnLst>
+                              <p:par>
+                                <p:cTn id="27" presetID="1" presetClass="entr" presetSubtype="0" fill="hold" nodeType="clickEffect">
+                                  <p:stCondLst>
+                                    <p:cond delay="0"/>
+                                  </p:stCondLst>
+                                  <p:childTnLst>
+                                    <p:set>
+                                      <p:cBhvr>
+                                        <p:cTn id="28" dur="1" fill="hold">
+                                          <p:stCondLst>
+                                            <p:cond delay="0"/>
+                                          </p:stCondLst>
+                                        </p:cTn>
+                                        <p:tgtEl>
+                                          <p:spTgt spid="5">
+                                            <p:txEl>
+                                              <p:pRg st="4" end="4"/>
+                                            </p:txEl>
+                                          </p:spTgt>
+                                        </p:tgtEl>
+                                        <p:attrNameLst>
+                                          <p:attrName>style.visibility</p:attrName>
+                                        </p:attrNameLst>
+                                      </p:cBhvr>
+                                      <p:to>
+                                        <p:strVal val="visible"/>
+                                      </p:to>
+                                    </p:set>
+                                  </p:childTnLst>
+                                </p:cTn>
+                              </p:par>
+                            </p:childTnLst>
+                          </p:cTn>
+                        </p:par>
+                      </p:childTnLst>
+                    </p:cTn>
+                  </p:par>
+                  <p:par>
+                    <p:cTn id="29" fill="hold">
+                      <p:stCondLst>
+                        <p:cond delay="indefinite"/>
+                      </p:stCondLst>
+                      <p:childTnLst>
+                        <p:par>
+                          <p:cTn id="30" fill="hold">
+                            <p:stCondLst>
+                              <p:cond delay="0"/>
+                            </p:stCondLst>
+                            <p:childTnLst>
+                              <p:par>
+                                <p:cTn id="31" presetID="1" presetClass="entr" presetSubtype="0" fill="hold" nodeType="clickEffect">
+                                  <p:stCondLst>
+                                    <p:cond delay="0"/>
+                                  </p:stCondLst>
+                                  <p:childTnLst>
+                                    <p:set>
+                                      <p:cBhvr>
+                                        <p:cTn id="32" dur="1" fill="hold">
+                                          <p:stCondLst>
+                                            <p:cond delay="0"/>
+                                          </p:stCondLst>
+                                        </p:cTn>
+                                        <p:tgtEl>
+                                          <p:spTgt spid="5">
+                                            <p:txEl>
+                                              <p:pRg st="6" end="6"/>
+                                            </p:txEl>
+                                          </p:spTgt>
+                                        </p:tgtEl>
+                                        <p:attrNameLst>
+                                          <p:attrName>style.visibility</p:attrName>
+                                        </p:attrNameLst>
+                                      </p:cBhvr>
+                                      <p:to>
+                                        <p:strVal val="visible"/>
+                                      </p:to>
+                                    </p:set>
+                                  </p:childTnLst>
+                                </p:cTn>
+                              </p:par>
+                            </p:childTnLst>
+                          </p:cTn>
+                        </p:par>
+                      </p:childTnLst>
+                    </p:cTn>
+                  </p:par>
+                  <p:par>
+                    <p:cTn id="33" fill="hold">
+                      <p:stCondLst>
+                        <p:cond delay="indefinite"/>
+                      </p:stCondLst>
+                      <p:childTnLst>
+                        <p:par>
+                          <p:cTn id="34" fill="hold">
+                            <p:stCondLst>
+                              <p:cond delay="0"/>
+                            </p:stCondLst>
+                            <p:childTnLst>
+                              <p:par>
+                                <p:cTn id="35" presetID="1" presetClass="entr" presetSubtype="0" fill="hold" nodeType="clickEffect">
+                                  <p:stCondLst>
+                                    <p:cond delay="0"/>
+                                  </p:stCondLst>
+                                  <p:childTnLst>
+                                    <p:set>
+                                      <p:cBhvr>
+                                        <p:cTn id="36" dur="1" fill="hold">
+                                          <p:stCondLst>
+                                            <p:cond delay="0"/>
+                                          </p:stCondLst>
+                                        </p:cTn>
+                                        <p:tgtEl>
+                                          <p:spTgt spid="11">
+                                            <p:txEl>
+                                              <p:pRg st="0" end="0"/>
+                                            </p:txEl>
+                                          </p:spTgt>
+                                        </p:tgtEl>
+                                        <p:attrNameLst>
+                                          <p:attrName>style.visibility</p:attrName>
+                                        </p:attrNameLst>
+                                      </p:cBhvr>
+                                      <p:to>
+                                        <p:strVal val="visible"/>
+                                      </p:to>
+                                    </p:set>
+                                  </p:childTnLst>
+                                </p:cTn>
+                              </p:par>
+                            </p:childTnLst>
+                          </p:cTn>
+                        </p:par>
+                      </p:childTnLst>
+                    </p:cTn>
+                  </p:par>
+                  <p:par>
+                    <p:cTn id="37" fill="hold">
+                      <p:stCondLst>
+                        <p:cond delay="indefinite"/>
+                      </p:stCondLst>
+                      <p:childTnLst>
+                        <p:par>
+                          <p:cTn id="38" fill="hold">
+                            <p:stCondLst>
+                              <p:cond delay="0"/>
+                            </p:stCondLst>
+                            <p:childTnLst>
+                              <p:par>
+                                <p:cTn id="39" presetID="1" presetClass="entr" presetSubtype="0" fill="hold" nodeType="clickEffect">
+                                  <p:stCondLst>
+                                    <p:cond delay="0"/>
+                                  </p:stCondLst>
+                                  <p:childTnLst>
+                                    <p:set>
+                                      <p:cBhvr>
+                                        <p:cTn id="40" dur="1" fill="hold">
+                                          <p:stCondLst>
+                                            <p:cond delay="0"/>
+                                          </p:stCondLst>
+                                        </p:cTn>
+                                        <p:tgtEl>
+                                          <p:spTgt spid="11">
+                                            <p:txEl>
+                                              <p:pRg st="2" end="2"/>
+                                            </p:txEl>
+                                          </p:spTgt>
+                                        </p:tgtEl>
+                                        <p:attrNameLst>
+                                          <p:attrName>style.visibility</p:attrName>
+                                        </p:attrNameLst>
+                                      </p:cBhvr>
+                                      <p:to>
+                                        <p:strVal val="visible"/>
+                                      </p:to>
+                                    </p:set>
+                                  </p:childTnLst>
+                                </p:cTn>
+                              </p:par>
+                            </p:childTnLst>
+                          </p:cTn>
+                        </p:par>
+                      </p:childTnLst>
+                    </p:cTn>
+                  </p:par>
+                  <p:par>
+                    <p:cTn id="41" fill="hold">
+                      <p:stCondLst>
+                        <p:cond delay="indefinite"/>
+                      </p:stCondLst>
+                      <p:childTnLst>
+                        <p:par>
+                          <p:cTn id="42" fill="hold">
+                            <p:stCondLst>
+                              <p:cond delay="0"/>
+                            </p:stCondLst>
+                            <p:childTnLst>
+                              <p:par>
+                                <p:cTn id="43" presetID="1" presetClass="entr" presetSubtype="0" fill="hold" nodeType="clickEffect">
+                                  <p:stCondLst>
+                                    <p:cond delay="0"/>
+                                  </p:stCondLst>
+                                  <p:childTnLst>
+                                    <p:set>
+                                      <p:cBhvr>
+                                        <p:cTn id="44" dur="1" fill="hold">
+                                          <p:stCondLst>
+                                            <p:cond delay="0"/>
+                                          </p:stCondLst>
+                                        </p:cTn>
+                                        <p:tgtEl>
+                                          <p:spTgt spid="11">
+                                            <p:txEl>
+                                              <p:pRg st="4" end="4"/>
+                                            </p:txEl>
+                                          </p:spTgt>
+                                        </p:tgtEl>
+                                        <p:attrNameLst>
+                                          <p:attrName>style.visibility</p:attrName>
+                                        </p:attrNameLst>
+                                      </p:cBhvr>
+                                      <p:to>
+                                        <p:strVal val="visible"/>
+                                      </p:to>
+                                    </p:set>
+                                  </p:childTnLst>
+                                </p:cTn>
+                              </p:par>
+                            </p:childTnLst>
+                          </p:cTn>
+                        </p:par>
+                      </p:childTnLst>
+                    </p:cTn>
+                  </p:par>
+                </p:childTnLst>
+              </p:cTn>
+              <p:prevCondLst>
+                <p:cond evt="onPrev" delay="0">
+                  <p:tgtEl>
+                    <p:sldTgt/>
+                  </p:tgtEl>
+                </p:cond>
+              </p:prevCondLst>
+              <p:nextCondLst>
+                <p:cond evt="onNext" delay="0">
+                  <p:tgtEl>
+                    <p:sldTgt/>
+                  </p:tgtEl>
+                </p:cond>
+              </p:nextCondLst>
+            </p:seq>
+          </p:childTnLst>
+        </p:cTn>
       </p:par>
     </p:tnLst>
+    <p:bldLst>
+      <p:bldP spid="10" grpId="0" animBg="1"/>
+      <p:bldP spid="3" grpId="0"/>
+    </p:bldLst>
   </p:timing>
 </p:sld>
 </file>
@@ -7752,8 +12028,8 @@
         </p:nvSpPr>
         <p:spPr>
           <a:xfrm>
-            <a:off x="1960606" y="1499286"/>
-            <a:ext cx="7216346" cy="2554545"/>
+            <a:off x="1960605" y="1499286"/>
+            <a:ext cx="8114419" cy="2308324"/>
           </a:xfrm>
           <a:prstGeom prst="rect">
             <a:avLst/>
@@ -7766,6 +12042,10 @@
           </a:bodyPr>
           <a:lstStyle/>
           <a:p>
+            <a:pPr marL="285750" indent="-285750">
+              <a:buFont typeface="Arial" panose="020B0604020202020204" pitchFamily="34" charset="0"/>
+              <a:buChar char="•"/>
+            </a:pPr>
             <a:r>
               <a:rPr lang="ko-KR" altLang="en-US" sz="1600" dirty="0" smtClean="0"/>
               <a:t>스프링은 오픈 소스이긴 하지만</a:t>
@@ -7784,9 +12064,17 @@
             </a:r>
           </a:p>
           <a:p>
+            <a:pPr marL="285750" indent="-285750">
+              <a:buFont typeface="Arial" panose="020B0604020202020204" pitchFamily="34" charset="0"/>
+              <a:buChar char="•"/>
+            </a:pPr>
             <a:endParaRPr lang="en-US" altLang="ko-KR" sz="1600" dirty="0"/>
           </a:p>
           <a:p>
+            <a:pPr marL="285750" indent="-285750">
+              <a:buFont typeface="Arial" panose="020B0604020202020204" pitchFamily="34" charset="0"/>
+              <a:buChar char="•"/>
+            </a:pPr>
             <a:r>
               <a:rPr lang="ko-KR" altLang="en-US" sz="1600" dirty="0" smtClean="0"/>
               <a:t>스프링의 개발을 전적으로 책임지는 팀이 있기 때문에 스프링의 품질이 보장</a:t>
@@ -7797,9 +12085,17 @@
             </a:r>
           </a:p>
           <a:p>
+            <a:pPr marL="285750" indent="-285750">
+              <a:buFont typeface="Arial" panose="020B0604020202020204" pitchFamily="34" charset="0"/>
+              <a:buChar char="•"/>
+            </a:pPr>
             <a:endParaRPr lang="en-US" altLang="ko-KR" sz="1600" dirty="0" smtClean="0"/>
           </a:p>
           <a:p>
+            <a:pPr marL="285750" indent="-285750">
+              <a:buFont typeface="Arial" panose="020B0604020202020204" pitchFamily="34" charset="0"/>
+              <a:buChar char="•"/>
+            </a:pPr>
             <a:r>
               <a:rPr lang="ko-KR" altLang="en-US" sz="1600" dirty="0" smtClean="0"/>
               <a:t>오픈 소스이기 때문에 개발 과정</a:t>
@@ -7818,7 +12114,7 @@
             </a:r>
             <a:r>
               <a:rPr lang="ko-KR" altLang="en-US" sz="1600" dirty="0" smtClean="0"/>
-              <a:t>등을 받아서 빠르게 기능을 업데이트하고 안정화 시킬 수 있다</a:t>
+              <a:t>등을 받아 빠르게 기능을 업데이트하고 안정화 시킬 수 있다</a:t>
             </a:r>
             <a:r>
               <a:rPr lang="en-US" altLang="ko-KR" sz="1600" dirty="0" smtClean="0"/>
@@ -7826,9 +12122,17 @@
             </a:r>
           </a:p>
           <a:p>
+            <a:pPr marL="285750" indent="-285750">
+              <a:buFont typeface="Arial" panose="020B0604020202020204" pitchFamily="34" charset="0"/>
+              <a:buChar char="•"/>
+            </a:pPr>
             <a:endParaRPr lang="en-US" altLang="ko-KR" sz="1600" dirty="0"/>
           </a:p>
           <a:p>
+            <a:pPr marL="285750" indent="-285750">
+              <a:buFont typeface="Arial" panose="020B0604020202020204" pitchFamily="34" charset="0"/>
+              <a:buChar char="•"/>
+            </a:pPr>
             <a:r>
               <a:rPr lang="ko-KR" altLang="en-US" sz="1600" dirty="0" smtClean="0"/>
               <a:t>스프링은 오픈 소스이지만 믿고 사용할 수 있는 프레임워크</a:t>
@@ -7840,6 +12144,10 @@
             <a:endParaRPr lang="en-US" altLang="ko-KR" sz="1600" dirty="0"/>
           </a:p>
           <a:p>
+            <a:pPr marL="285750" indent="-285750">
+              <a:buFont typeface="Arial" panose="020B0604020202020204" pitchFamily="34" charset="0"/>
+              <a:buChar char="•"/>
+            </a:pPr>
             <a:endParaRPr lang="en-US" altLang="ko-KR" sz="1600" dirty="0" smtClean="0"/>
           </a:p>
         </p:txBody>
@@ -7857,7 +12165,226 @@
   <p:timing>
     <p:tnLst>
       <p:par>
-        <p:cTn id="1" dur="indefinite" restart="never" nodeType="tmRoot"/>
+        <p:cTn id="1" dur="indefinite" restart="never" nodeType="tmRoot">
+          <p:childTnLst>
+            <p:seq concurrent="1" nextAc="seek">
+              <p:cTn id="2" dur="indefinite" nodeType="mainSeq">
+                <p:childTnLst>
+                  <p:par>
+                    <p:cTn id="3" fill="hold">
+                      <p:stCondLst>
+                        <p:cond delay="indefinite"/>
+                      </p:stCondLst>
+                      <p:childTnLst>
+                        <p:par>
+                          <p:cTn id="4" fill="hold">
+                            <p:stCondLst>
+                              <p:cond delay="0"/>
+                            </p:stCondLst>
+                            <p:childTnLst>
+                              <p:par>
+                                <p:cTn id="5" presetID="1" presetClass="entr" presetSubtype="0" fill="hold" nodeType="clickEffect">
+                                  <p:stCondLst>
+                                    <p:cond delay="0"/>
+                                  </p:stCondLst>
+                                  <p:childTnLst>
+                                    <p:set>
+                                      <p:cBhvr>
+                                        <p:cTn id="6" dur="1" fill="hold">
+                                          <p:stCondLst>
+                                            <p:cond delay="0"/>
+                                          </p:stCondLst>
+                                        </p:cTn>
+                                        <p:tgtEl>
+                                          <p:spTgt spid="4">
+                                            <p:txEl>
+                                              <p:pRg st="0" end="0"/>
+                                            </p:txEl>
+                                          </p:spTgt>
+                                        </p:tgtEl>
+                                        <p:attrNameLst>
+                                          <p:attrName>style.visibility</p:attrName>
+                                        </p:attrNameLst>
+                                      </p:cBhvr>
+                                      <p:to>
+                                        <p:strVal val="visible"/>
+                                      </p:to>
+                                    </p:set>
+                                  </p:childTnLst>
+                                </p:cTn>
+                              </p:par>
+                            </p:childTnLst>
+                          </p:cTn>
+                        </p:par>
+                      </p:childTnLst>
+                    </p:cTn>
+                  </p:par>
+                  <p:par>
+                    <p:cTn id="7" fill="hold">
+                      <p:stCondLst>
+                        <p:cond delay="indefinite"/>
+                      </p:stCondLst>
+                      <p:childTnLst>
+                        <p:par>
+                          <p:cTn id="8" fill="hold">
+                            <p:stCondLst>
+                              <p:cond delay="0"/>
+                            </p:stCondLst>
+                            <p:childTnLst>
+                              <p:par>
+                                <p:cTn id="9" presetID="1" presetClass="entr" presetSubtype="0" fill="hold" nodeType="clickEffect">
+                                  <p:stCondLst>
+                                    <p:cond delay="0"/>
+                                  </p:stCondLst>
+                                  <p:childTnLst>
+                                    <p:set>
+                                      <p:cBhvr>
+                                        <p:cTn id="10" dur="1" fill="hold">
+                                          <p:stCondLst>
+                                            <p:cond delay="0"/>
+                                          </p:stCondLst>
+                                        </p:cTn>
+                                        <p:tgtEl>
+                                          <p:spTgt spid="4">
+                                            <p:txEl>
+                                              <p:pRg st="2" end="2"/>
+                                            </p:txEl>
+                                          </p:spTgt>
+                                        </p:tgtEl>
+                                        <p:attrNameLst>
+                                          <p:attrName>style.visibility</p:attrName>
+                                        </p:attrNameLst>
+                                      </p:cBhvr>
+                                      <p:to>
+                                        <p:strVal val="visible"/>
+                                      </p:to>
+                                    </p:set>
+                                  </p:childTnLst>
+                                </p:cTn>
+                              </p:par>
+                            </p:childTnLst>
+                          </p:cTn>
+                        </p:par>
+                      </p:childTnLst>
+                    </p:cTn>
+                  </p:par>
+                  <p:par>
+                    <p:cTn id="11" fill="hold">
+                      <p:stCondLst>
+                        <p:cond delay="indefinite"/>
+                      </p:stCondLst>
+                      <p:childTnLst>
+                        <p:par>
+                          <p:cTn id="12" fill="hold">
+                            <p:stCondLst>
+                              <p:cond delay="0"/>
+                            </p:stCondLst>
+                            <p:childTnLst>
+                              <p:par>
+                                <p:cTn id="13" presetID="1" presetClass="entr" presetSubtype="0" fill="hold" nodeType="clickEffect">
+                                  <p:stCondLst>
+                                    <p:cond delay="0"/>
+                                  </p:stCondLst>
+                                  <p:childTnLst>
+                                    <p:set>
+                                      <p:cBhvr>
+                                        <p:cTn id="14" dur="1" fill="hold">
+                                          <p:stCondLst>
+                                            <p:cond delay="0"/>
+                                          </p:stCondLst>
+                                        </p:cTn>
+                                        <p:tgtEl>
+                                          <p:spTgt spid="4">
+                                            <p:txEl>
+                                              <p:pRg st="4" end="4"/>
+                                            </p:txEl>
+                                          </p:spTgt>
+                                        </p:tgtEl>
+                                        <p:attrNameLst>
+                                          <p:attrName>style.visibility</p:attrName>
+                                        </p:attrNameLst>
+                                      </p:cBhvr>
+                                      <p:to>
+                                        <p:strVal val="visible"/>
+                                      </p:to>
+                                    </p:set>
+                                  </p:childTnLst>
+                                </p:cTn>
+                              </p:par>
+                            </p:childTnLst>
+                          </p:cTn>
+                        </p:par>
+                      </p:childTnLst>
+                    </p:cTn>
+                  </p:par>
+                  <p:par>
+                    <p:cTn id="15" fill="hold">
+                      <p:stCondLst>
+                        <p:cond delay="indefinite"/>
+                      </p:stCondLst>
+                      <p:childTnLst>
+                        <p:par>
+                          <p:cTn id="16" fill="hold">
+                            <p:stCondLst>
+                              <p:cond delay="0"/>
+                            </p:stCondLst>
+                            <p:childTnLst>
+                              <p:par>
+                                <p:cTn id="17" presetID="1" presetClass="entr" presetSubtype="0" fill="hold" nodeType="clickEffect">
+                                  <p:stCondLst>
+                                    <p:cond delay="0"/>
+                                  </p:stCondLst>
+                                  <p:childTnLst>
+                                    <p:set>
+                                      <p:cBhvr>
+                                        <p:cTn id="18" dur="1" fill="hold">
+                                          <p:stCondLst>
+                                            <p:cond delay="0"/>
+                                          </p:stCondLst>
+                                        </p:cTn>
+                                        <p:tgtEl>
+                                          <p:spTgt spid="4">
+                                            <p:txEl>
+                                              <p:pRg st="6" end="6"/>
+                                            </p:txEl>
+                                          </p:spTgt>
+                                        </p:tgtEl>
+                                        <p:attrNameLst>
+                                          <p:attrName>style.visibility</p:attrName>
+                                        </p:attrNameLst>
+                                      </p:cBhvr>
+                                      <p:to>
+                                        <p:strVal val="visible"/>
+                                      </p:to>
+                                    </p:set>
+                                  </p:childTnLst>
+                                </p:cTn>
+                              </p:par>
+                            </p:childTnLst>
+                          </p:cTn>
+                        </p:par>
+                      </p:childTnLst>
+                    </p:cTn>
+                  </p:par>
+                </p:childTnLst>
+              </p:cTn>
+              <p:prevCondLst>
+                <p:cond evt="onPrev" delay="0">
+                  <p:tgtEl>
+                    <p:sldTgt/>
+                  </p:tgtEl>
+                </p:cond>
+              </p:prevCondLst>
+              <p:nextCondLst>
+                <p:cond evt="onNext" delay="0">
+                  <p:tgtEl>
+                    <p:sldTgt/>
+                  </p:tgtEl>
+                </p:cond>
+              </p:nextCondLst>
+            </p:seq>
+          </p:childTnLst>
+        </p:cTn>
       </p:par>
     </p:tnLst>
   </p:timing>
@@ -7923,8 +12450,8 @@
         </p:nvSpPr>
         <p:spPr>
           <a:xfrm>
-            <a:off x="2010033" y="1337078"/>
-            <a:ext cx="7216346" cy="338554"/>
+            <a:off x="1569458" y="1507488"/>
+            <a:ext cx="8971305" cy="400110"/>
           </a:xfrm>
           <a:prstGeom prst="rect">
             <a:avLst/>
@@ -7938,11 +12465,11 @@
           <a:lstStyle/>
           <a:p>
             <a:r>
-              <a:rPr lang="ko-KR" altLang="en-US" sz="1600" dirty="0" smtClean="0"/>
+              <a:rPr lang="ko-KR" altLang="en-US" sz="2000" dirty="0" smtClean="0"/>
               <a:t>엔터프라이즈 애플리케이션 개발 실패의 근본적인 문제를 해결하고자 했다</a:t>
             </a:r>
             <a:r>
-              <a:rPr lang="en-US" altLang="ko-KR" sz="1600" dirty="0" smtClean="0"/>
+              <a:rPr lang="en-US" altLang="ko-KR" sz="2000" dirty="0" smtClean="0"/>
               <a:t>.</a:t>
             </a:r>
           </a:p>
@@ -7956,8 +12483,8 @@
         </p:nvSpPr>
         <p:spPr>
           <a:xfrm>
-            <a:off x="1713471" y="2291324"/>
-            <a:ext cx="9234616" cy="3385542"/>
+            <a:off x="1569458" y="2632146"/>
+            <a:ext cx="9234616" cy="2831544"/>
           </a:xfrm>
           <a:prstGeom prst="rect">
             <a:avLst/>
@@ -8055,7 +12582,15 @@
             </a:pPr>
             <a:r>
               <a:rPr lang="ko-KR" altLang="en-US" sz="1400" dirty="0" smtClean="0"/>
-              <a:t>사회가 빠르게 변화하면서 기업과 그 기업의 시스템도 빠르게 변화 해야 하기 때문에 비즈니스 </a:t>
+              <a:t>사회가 빠르게 변화하면서 기업과 그 기업의 시스템도 빠르게 변화 해야한다</a:t>
+            </a:r>
+            <a:r>
+              <a:rPr lang="en-US" altLang="ko-KR" sz="1400" dirty="0" smtClean="0"/>
+              <a:t>.</a:t>
+            </a:r>
+            <a:r>
+              <a:rPr lang="ko-KR" altLang="en-US" sz="1400" dirty="0" smtClean="0"/>
+              <a:t> 그래서 비즈니스 </a:t>
             </a:r>
             <a:r>
               <a:rPr lang="ko-KR" altLang="en-US" sz="1400" dirty="0" err="1" smtClean="0"/>
@@ -8063,7 +12598,7 @@
             </a:r>
             <a:r>
               <a:rPr lang="ko-KR" altLang="en-US" sz="1400" dirty="0" smtClean="0"/>
-              <a:t> 계속 추가되고 삭제되고 수정 되야 한다</a:t>
+              <a:t> 계속 추가되고 삭제되고 수정된다</a:t>
             </a:r>
             <a:r>
               <a:rPr lang="en-US" altLang="ko-KR" sz="1400" dirty="0" smtClean="0"/>
@@ -8071,7 +12606,7 @@
             </a:r>
             <a:r>
               <a:rPr lang="ko-KR" altLang="en-US" sz="1400" dirty="0" smtClean="0"/>
-              <a:t>복잡함을 더 가중화한다</a:t>
+              <a:t>복잡함을 더 증가시킨다</a:t>
             </a:r>
             <a:r>
               <a:rPr lang="en-US" altLang="ko-KR" sz="1400" dirty="0" smtClean="0"/>
@@ -8085,34 +12620,31 @@
             <a:endParaRPr lang="en-US" altLang="ko-KR" sz="1400" dirty="0"/>
           </a:p>
           <a:p>
+            <a:pPr marL="342900" indent="-342900">
+              <a:buFontTx/>
+              <a:buAutoNum type="arabicPeriod"/>
+            </a:pPr>
+            <a:r>
+              <a:rPr lang="ko-KR" altLang="en-US" sz="1400" dirty="0"/>
+              <a:t>스프링 이전에는 기술적인 부분과 비즈니스 </a:t>
+            </a:r>
+            <a:r>
+              <a:rPr lang="ko-KR" altLang="en-US" sz="1400" dirty="0" err="1" smtClean="0"/>
+              <a:t>업무로직이</a:t>
+            </a:r>
             <a:r>
               <a:rPr lang="ko-KR" altLang="en-US" sz="1400" dirty="0" smtClean="0"/>
-              <a:t>스프링 이전에는 기술적인 부분과 비즈니스 업무 </a:t>
-            </a:r>
-            <a:r>
-              <a:rPr lang="ko-KR" altLang="en-US" sz="1400" dirty="0" err="1" smtClean="0"/>
-              <a:t>로직이</a:t>
-            </a:r>
-            <a:r>
-              <a:rPr lang="ko-KR" altLang="en-US" sz="1400" dirty="0" smtClean="0"/>
-              <a:t> 한데 뒤섞인 코드를 작성해야만 했기 때문에 개발하기가 매우 어려웠다</a:t>
+              <a:t> 뒤섞인 </a:t>
+            </a:r>
+            <a:r>
+              <a:rPr lang="ko-KR" altLang="en-US" sz="1400" dirty="0"/>
+              <a:t>코드를 작성해야만 했기 때문에 개발하기가 매우 어려웠다</a:t>
             </a:r>
             <a:r>
               <a:rPr lang="en-US" altLang="ko-KR" sz="1400" dirty="0" smtClean="0"/>
               <a:t>.</a:t>
             </a:r>
-          </a:p>
-          <a:p>
-            <a:pPr marL="342900" indent="-342900">
-              <a:buAutoNum type="arabicPeriod"/>
-            </a:pPr>
             <a:endParaRPr lang="en-US" altLang="ko-KR" dirty="0"/>
-          </a:p>
-          <a:p>
-            <a:pPr marL="342900" indent="-342900">
-              <a:buAutoNum type="arabicPeriod"/>
-            </a:pPr>
-            <a:endParaRPr lang="en-US" altLang="ko-KR" dirty="0" smtClean="0"/>
           </a:p>
           <a:p>
             <a:endParaRPr lang="ko-KR" altLang="en-US" dirty="0"/>
@@ -8132,9 +12664,325 @@
   <p:timing>
     <p:tnLst>
       <p:par>
-        <p:cTn id="1" dur="indefinite" restart="never" nodeType="tmRoot"/>
+        <p:cTn id="1" dur="indefinite" restart="never" nodeType="tmRoot">
+          <p:childTnLst>
+            <p:seq concurrent="1" nextAc="seek">
+              <p:cTn id="2" dur="indefinite" nodeType="mainSeq">
+                <p:childTnLst>
+                  <p:par>
+                    <p:cTn id="3" fill="hold">
+                      <p:stCondLst>
+                        <p:cond delay="indefinite"/>
+                      </p:stCondLst>
+                      <p:childTnLst>
+                        <p:par>
+                          <p:cTn id="4" fill="hold">
+                            <p:stCondLst>
+                              <p:cond delay="0"/>
+                            </p:stCondLst>
+                            <p:childTnLst>
+                              <p:par>
+                                <p:cTn id="5" presetID="1" presetClass="entr" presetSubtype="0" fill="hold" grpId="0" nodeType="clickEffect">
+                                  <p:stCondLst>
+                                    <p:cond delay="0"/>
+                                  </p:stCondLst>
+                                  <p:childTnLst>
+                                    <p:set>
+                                      <p:cBhvr>
+                                        <p:cTn id="6" dur="1" fill="hold">
+                                          <p:stCondLst>
+                                            <p:cond delay="0"/>
+                                          </p:stCondLst>
+                                        </p:cTn>
+                                        <p:tgtEl>
+                                          <p:spTgt spid="4"/>
+                                        </p:tgtEl>
+                                        <p:attrNameLst>
+                                          <p:attrName>style.visibility</p:attrName>
+                                        </p:attrNameLst>
+                                      </p:cBhvr>
+                                      <p:to>
+                                        <p:strVal val="visible"/>
+                                      </p:to>
+                                    </p:set>
+                                  </p:childTnLst>
+                                </p:cTn>
+                              </p:par>
+                            </p:childTnLst>
+                          </p:cTn>
+                        </p:par>
+                      </p:childTnLst>
+                    </p:cTn>
+                  </p:par>
+                  <p:par>
+                    <p:cTn id="7" fill="hold">
+                      <p:stCondLst>
+                        <p:cond delay="indefinite"/>
+                      </p:stCondLst>
+                      <p:childTnLst>
+                        <p:par>
+                          <p:cTn id="8" fill="hold">
+                            <p:stCondLst>
+                              <p:cond delay="0"/>
+                            </p:stCondLst>
+                            <p:childTnLst>
+                              <p:par>
+                                <p:cTn id="9" presetID="1" presetClass="entr" presetSubtype="0" fill="hold" nodeType="clickEffect">
+                                  <p:stCondLst>
+                                    <p:cond delay="0"/>
+                                  </p:stCondLst>
+                                  <p:childTnLst>
+                                    <p:set>
+                                      <p:cBhvr>
+                                        <p:cTn id="10" dur="1" fill="hold">
+                                          <p:stCondLst>
+                                            <p:cond delay="0"/>
+                                          </p:stCondLst>
+                                        </p:cTn>
+                                        <p:tgtEl>
+                                          <p:spTgt spid="2">
+                                            <p:txEl>
+                                              <p:pRg st="0" end="0"/>
+                                            </p:txEl>
+                                          </p:spTgt>
+                                        </p:tgtEl>
+                                        <p:attrNameLst>
+                                          <p:attrName>style.visibility</p:attrName>
+                                        </p:attrNameLst>
+                                      </p:cBhvr>
+                                      <p:to>
+                                        <p:strVal val="visible"/>
+                                      </p:to>
+                                    </p:set>
+                                  </p:childTnLst>
+                                </p:cTn>
+                              </p:par>
+                            </p:childTnLst>
+                          </p:cTn>
+                        </p:par>
+                      </p:childTnLst>
+                    </p:cTn>
+                  </p:par>
+                  <p:par>
+                    <p:cTn id="11" fill="hold">
+                      <p:stCondLst>
+                        <p:cond delay="indefinite"/>
+                      </p:stCondLst>
+                      <p:childTnLst>
+                        <p:par>
+                          <p:cTn id="12" fill="hold">
+                            <p:stCondLst>
+                              <p:cond delay="0"/>
+                            </p:stCondLst>
+                            <p:childTnLst>
+                              <p:par>
+                                <p:cTn id="13" presetID="1" presetClass="entr" presetSubtype="0" fill="hold" nodeType="clickEffect">
+                                  <p:stCondLst>
+                                    <p:cond delay="0"/>
+                                  </p:stCondLst>
+                                  <p:childTnLst>
+                                    <p:set>
+                                      <p:cBhvr>
+                                        <p:cTn id="14" dur="1" fill="hold">
+                                          <p:stCondLst>
+                                            <p:cond delay="0"/>
+                                          </p:stCondLst>
+                                        </p:cTn>
+                                        <p:tgtEl>
+                                          <p:spTgt spid="2">
+                                            <p:txEl>
+                                              <p:pRg st="2" end="2"/>
+                                            </p:txEl>
+                                          </p:spTgt>
+                                        </p:tgtEl>
+                                        <p:attrNameLst>
+                                          <p:attrName>style.visibility</p:attrName>
+                                        </p:attrNameLst>
+                                      </p:cBhvr>
+                                      <p:to>
+                                        <p:strVal val="visible"/>
+                                      </p:to>
+                                    </p:set>
+                                  </p:childTnLst>
+                                </p:cTn>
+                              </p:par>
+                            </p:childTnLst>
+                          </p:cTn>
+                        </p:par>
+                      </p:childTnLst>
+                    </p:cTn>
+                  </p:par>
+                  <p:par>
+                    <p:cTn id="15" fill="hold">
+                      <p:stCondLst>
+                        <p:cond delay="indefinite"/>
+                      </p:stCondLst>
+                      <p:childTnLst>
+                        <p:par>
+                          <p:cTn id="16" fill="hold">
+                            <p:stCondLst>
+                              <p:cond delay="0"/>
+                            </p:stCondLst>
+                            <p:childTnLst>
+                              <p:par>
+                                <p:cTn id="17" presetID="1" presetClass="entr" presetSubtype="0" fill="hold" nodeType="clickEffect">
+                                  <p:stCondLst>
+                                    <p:cond delay="0"/>
+                                  </p:stCondLst>
+                                  <p:childTnLst>
+                                    <p:set>
+                                      <p:cBhvr>
+                                        <p:cTn id="18" dur="1" fill="hold">
+                                          <p:stCondLst>
+                                            <p:cond delay="0"/>
+                                          </p:stCondLst>
+                                        </p:cTn>
+                                        <p:tgtEl>
+                                          <p:spTgt spid="2">
+                                            <p:txEl>
+                                              <p:pRg st="4" end="4"/>
+                                            </p:txEl>
+                                          </p:spTgt>
+                                        </p:tgtEl>
+                                        <p:attrNameLst>
+                                          <p:attrName>style.visibility</p:attrName>
+                                        </p:attrNameLst>
+                                      </p:cBhvr>
+                                      <p:to>
+                                        <p:strVal val="visible"/>
+                                      </p:to>
+                                    </p:set>
+                                  </p:childTnLst>
+                                </p:cTn>
+                              </p:par>
+                            </p:childTnLst>
+                          </p:cTn>
+                        </p:par>
+                      </p:childTnLst>
+                    </p:cTn>
+                  </p:par>
+                  <p:par>
+                    <p:cTn id="19" fill="hold">
+                      <p:stCondLst>
+                        <p:cond delay="indefinite"/>
+                      </p:stCondLst>
+                      <p:childTnLst>
+                        <p:par>
+                          <p:cTn id="20" fill="hold">
+                            <p:stCondLst>
+                              <p:cond delay="0"/>
+                            </p:stCondLst>
+                            <p:childTnLst>
+                              <p:par>
+                                <p:cTn id="21" presetID="1" presetClass="entr" presetSubtype="0" fill="hold" nodeType="clickEffect">
+                                  <p:stCondLst>
+                                    <p:cond delay="0"/>
+                                  </p:stCondLst>
+                                  <p:childTnLst>
+                                    <p:set>
+                                      <p:cBhvr>
+                                        <p:cTn id="22" dur="1" fill="hold">
+                                          <p:stCondLst>
+                                            <p:cond delay="0"/>
+                                          </p:stCondLst>
+                                        </p:cTn>
+                                        <p:tgtEl>
+                                          <p:spTgt spid="2">
+                                            <p:txEl>
+                                              <p:pRg st="6" end="6"/>
+                                            </p:txEl>
+                                          </p:spTgt>
+                                        </p:tgtEl>
+                                        <p:attrNameLst>
+                                          <p:attrName>style.visibility</p:attrName>
+                                        </p:attrNameLst>
+                                      </p:cBhvr>
+                                      <p:to>
+                                        <p:strVal val="visible"/>
+                                      </p:to>
+                                    </p:set>
+                                  </p:childTnLst>
+                                </p:cTn>
+                              </p:par>
+                            </p:childTnLst>
+                          </p:cTn>
+                        </p:par>
+                      </p:childTnLst>
+                    </p:cTn>
+                  </p:par>
+                  <p:par>
+                    <p:cTn id="23" fill="hold">
+                      <p:stCondLst>
+                        <p:cond delay="indefinite"/>
+                      </p:stCondLst>
+                      <p:childTnLst>
+                        <p:par>
+                          <p:cTn id="24" fill="hold">
+                            <p:stCondLst>
+                              <p:cond delay="0"/>
+                            </p:stCondLst>
+                            <p:childTnLst>
+                              <p:par>
+                                <p:cTn id="25" presetID="1" presetClass="entr" presetSubtype="0" fill="hold" nodeType="clickEffect">
+                                  <p:stCondLst>
+                                    <p:cond delay="0"/>
+                                  </p:stCondLst>
+                                  <p:childTnLst>
+                                    <p:set>
+                                      <p:cBhvr>
+                                        <p:cTn id="26" dur="1" fill="hold">
+                                          <p:stCondLst>
+                                            <p:cond delay="0"/>
+                                          </p:stCondLst>
+                                        </p:cTn>
+                                        <p:tgtEl>
+                                          <p:spTgt spid="2">
+                                            <p:txEl>
+                                              <p:pRg st="8" end="8"/>
+                                            </p:txEl>
+                                          </p:spTgt>
+                                        </p:tgtEl>
+                                        <p:attrNameLst>
+                                          <p:attrName>style.visibility</p:attrName>
+                                        </p:attrNameLst>
+                                      </p:cBhvr>
+                                      <p:to>
+                                        <p:strVal val="visible"/>
+                                      </p:to>
+                                    </p:set>
+                                  </p:childTnLst>
+                                </p:cTn>
+                              </p:par>
+                            </p:childTnLst>
+                          </p:cTn>
+                        </p:par>
+                      </p:childTnLst>
+                    </p:cTn>
+                  </p:par>
+                </p:childTnLst>
+              </p:cTn>
+              <p:prevCondLst>
+                <p:cond evt="onPrev" delay="0">
+                  <p:tgtEl>
+                    <p:sldTgt/>
+                  </p:tgtEl>
+                </p:cond>
+              </p:prevCondLst>
+              <p:nextCondLst>
+                <p:cond evt="onNext" delay="0">
+                  <p:tgtEl>
+                    <p:sldTgt/>
+                  </p:tgtEl>
+                </p:cond>
+              </p:nextCondLst>
+            </p:seq>
+          </p:childTnLst>
+        </p:cTn>
       </p:par>
     </p:tnLst>
+    <p:bldLst>
+      <p:bldP spid="4" grpId="0"/>
+    </p:bldLst>
   </p:timing>
 </p:sld>
 </file>
@@ -8194,8 +13042,8 @@
         </p:nvSpPr>
         <p:spPr>
           <a:xfrm>
-            <a:off x="1684637" y="3885803"/>
-            <a:ext cx="8690919" cy="2554545"/>
+            <a:off x="1684637" y="3872473"/>
+            <a:ext cx="9205036" cy="2554545"/>
           </a:xfrm>
           <a:prstGeom prst="rect">
             <a:avLst/>
@@ -8208,6 +13056,10 @@
           </a:bodyPr>
           <a:lstStyle/>
           <a:p>
+            <a:pPr marL="285750" indent="-285750">
+              <a:buFont typeface="Arial" panose="020B0604020202020204" pitchFamily="34" charset="0"/>
+              <a:buChar char="•"/>
+            </a:pPr>
             <a:r>
               <a:rPr lang="ko-KR" altLang="en-US" sz="1600" dirty="0" smtClean="0"/>
               <a:t>실패한 해결책인 </a:t>
@@ -8231,9 +13083,50 @@
             <a:endParaRPr lang="en-US" altLang="ko-KR" sz="1600" dirty="0" smtClean="0"/>
           </a:p>
           <a:p>
+            <a:pPr marL="285750" indent="-285750">
+              <a:buFont typeface="Arial" panose="020B0604020202020204" pitchFamily="34" charset="0"/>
+              <a:buChar char="•"/>
+            </a:pPr>
             <a:r>
               <a:rPr lang="ko-KR" altLang="en-US" sz="1600" dirty="0" smtClean="0"/>
-              <a:t>철저히 분리</a:t>
+              <a:t>철저히 분리 </a:t>
+            </a:r>
+            <a:r>
+              <a:rPr lang="en-US" altLang="ko-KR" sz="1600" dirty="0" smtClean="0"/>
+              <a:t>(</a:t>
+            </a:r>
+            <a:r>
+              <a:rPr lang="ko-KR" altLang="en-US" sz="1600" dirty="0" smtClean="0"/>
+              <a:t>객체지향 설계를 통해서</a:t>
+            </a:r>
+            <a:r>
+              <a:rPr lang="en-US" altLang="ko-KR" sz="1600" dirty="0" smtClean="0"/>
+              <a:t>).</a:t>
+            </a:r>
+          </a:p>
+          <a:p>
+            <a:pPr marL="285750" indent="-285750">
+              <a:buFont typeface="Arial" panose="020B0604020202020204" pitchFamily="34" charset="0"/>
+              <a:buChar char="•"/>
+            </a:pPr>
+            <a:endParaRPr lang="en-US" altLang="ko-KR" sz="1600" dirty="0"/>
+          </a:p>
+          <a:p>
+            <a:pPr marL="285750" indent="-285750">
+              <a:buFont typeface="Arial" panose="020B0604020202020204" pitchFamily="34" charset="0"/>
+              <a:buChar char="•"/>
+            </a:pPr>
+            <a:r>
+              <a:rPr lang="ko-KR" altLang="en-US" sz="1600" dirty="0" smtClean="0"/>
+              <a:t>같은 기능이지만 구현체가 다른 기술은 </a:t>
+            </a:r>
+            <a:r>
+              <a:rPr lang="ko-KR" altLang="en-US" sz="1600" b="1" dirty="0" smtClean="0"/>
+              <a:t>서비스 추상화</a:t>
+            </a:r>
+            <a:r>
+              <a:rPr lang="ko-KR" altLang="en-US" sz="1600" dirty="0" smtClean="0"/>
+              <a:t>를 사용</a:t>
             </a:r>
             <a:r>
               <a:rPr lang="en-US" altLang="ko-KR" sz="1600" dirty="0" smtClean="0"/>
@@ -8241,20 +13134,36 @@
             </a:r>
           </a:p>
           <a:p>
+            <a:pPr marL="285750" indent="-285750">
+              <a:buFont typeface="Arial" panose="020B0604020202020204" pitchFamily="34" charset="0"/>
+              <a:buChar char="•"/>
+            </a:pPr>
             <a:endParaRPr lang="en-US" altLang="ko-KR" sz="1600" dirty="0"/>
           </a:p>
           <a:p>
+            <a:pPr marL="285750" indent="-285750">
+              <a:buFont typeface="Arial" panose="020B0604020202020204" pitchFamily="34" charset="0"/>
+              <a:buChar char="•"/>
+            </a:pPr>
             <a:r>
               <a:rPr lang="ko-KR" altLang="en-US" sz="1600" dirty="0" smtClean="0"/>
-              <a:t>같은 기능이지만 구현체가 다른 기술은 </a:t>
-            </a:r>
-            <a:r>
-              <a:rPr lang="ko-KR" altLang="en-US" sz="1600" b="1" dirty="0" smtClean="0"/>
-              <a:t>서비스 추상화</a:t>
+              <a:t>비즈니스 </a:t>
+            </a:r>
+            <a:r>
+              <a:rPr lang="ko-KR" altLang="en-US" sz="1600" dirty="0" err="1" smtClean="0"/>
+              <a:t>로직에서</a:t>
             </a:r>
             <a:r>
               <a:rPr lang="ko-KR" altLang="en-US" sz="1600" dirty="0" smtClean="0"/>
-              <a:t>를 사용</a:t>
+              <a:t> 공통적으로 나타나는 기술적인 코드는 </a:t>
+            </a:r>
+            <a:r>
+              <a:rPr lang="en-US" altLang="ko-KR" sz="1600" b="1" dirty="0" smtClean="0"/>
+              <a:t>AOP</a:t>
+            </a:r>
+            <a:r>
+              <a:rPr lang="ko-KR" altLang="en-US" sz="1600" dirty="0" smtClean="0"/>
+              <a:t>로 분리</a:t>
             </a:r>
             <a:r>
               <a:rPr lang="en-US" altLang="ko-KR" sz="1600" dirty="0" smtClean="0"/>
@@ -8262,28 +13171,40 @@
             </a:r>
           </a:p>
           <a:p>
+            <a:pPr marL="285750" indent="-285750">
+              <a:buFont typeface="Arial" panose="020B0604020202020204" pitchFamily="34" charset="0"/>
+              <a:buChar char="•"/>
+            </a:pPr>
             <a:endParaRPr lang="en-US" altLang="ko-KR" sz="1600" dirty="0"/>
           </a:p>
           <a:p>
+            <a:pPr marL="285750" indent="-285750">
+              <a:buFont typeface="Arial" panose="020B0604020202020204" pitchFamily="34" charset="0"/>
+              <a:buChar char="•"/>
+            </a:pPr>
             <a:r>
               <a:rPr lang="ko-KR" altLang="en-US" sz="1600" dirty="0" smtClean="0"/>
               <a:t>비즈니스 </a:t>
             </a:r>
             <a:r>
               <a:rPr lang="ko-KR" altLang="en-US" sz="1600" dirty="0" err="1" smtClean="0"/>
-              <a:t>로직에서</a:t>
+              <a:t>로직의</a:t>
             </a:r>
             <a:r>
               <a:rPr lang="ko-KR" altLang="en-US" sz="1600" dirty="0" smtClean="0"/>
-              <a:t> 공통적으로 나타나는 기술적인 코드는 </a:t>
+              <a:t> 복잡함은 </a:t>
             </a:r>
             <a:r>
               <a:rPr lang="en-US" altLang="ko-KR" sz="1600" b="1" dirty="0" smtClean="0"/>
-              <a:t>AOP</a:t>
+              <a:t>POJO</a:t>
+            </a:r>
+            <a:r>
+              <a:rPr lang="en-US" altLang="ko-KR" sz="1600" dirty="0" smtClean="0"/>
+              <a:t> </a:t>
             </a:r>
             <a:r>
               <a:rPr lang="ko-KR" altLang="en-US" sz="1600" dirty="0" smtClean="0"/>
-              <a:t>로 분리</a:t>
+              <a:t>프로그래밍을 통해 객체지향의 여러 패턴을 사용해서 개발</a:t>
             </a:r>
             <a:r>
               <a:rPr lang="en-US" altLang="ko-KR" sz="1600" dirty="0" smtClean="0"/>
@@ -8291,42 +13212,17 @@
             </a:r>
           </a:p>
           <a:p>
-            <a:endParaRPr lang="en-US" altLang="ko-KR" sz="1600" dirty="0"/>
-          </a:p>
-          <a:p>
-            <a:r>
-              <a:rPr lang="ko-KR" altLang="en-US" sz="1600" dirty="0" smtClean="0"/>
-              <a:t>비즈니스 </a:t>
-            </a:r>
-            <a:r>
-              <a:rPr lang="ko-KR" altLang="en-US" sz="1600" dirty="0" err="1" smtClean="0"/>
-              <a:t>로직의</a:t>
-            </a:r>
-            <a:r>
-              <a:rPr lang="ko-KR" altLang="en-US" sz="1600" dirty="0" smtClean="0"/>
-              <a:t> 복잡함은 </a:t>
-            </a:r>
-            <a:r>
-              <a:rPr lang="en-US" altLang="ko-KR" sz="1600" b="1" dirty="0" smtClean="0"/>
-              <a:t>POJO</a:t>
-            </a:r>
-            <a:r>
-              <a:rPr lang="en-US" altLang="ko-KR" sz="1600" dirty="0" smtClean="0"/>
-              <a:t> </a:t>
-            </a:r>
-            <a:r>
-              <a:rPr lang="ko-KR" altLang="en-US" sz="1600" dirty="0" smtClean="0"/>
-              <a:t>프로그래밍을 통해 객체지향의 여러 패턴을 사용해서 개발</a:t>
-            </a:r>
-            <a:r>
-              <a:rPr lang="en-US" altLang="ko-KR" sz="1600" dirty="0" smtClean="0"/>
-              <a:t>.</a:t>
-            </a:r>
-          </a:p>
-          <a:p>
+            <a:pPr marL="285750" indent="-285750">
+              <a:buFont typeface="Arial" panose="020B0604020202020204" pitchFamily="34" charset="0"/>
+              <a:buChar char="•"/>
+            </a:pPr>
             <a:endParaRPr lang="en-US" altLang="ko-KR" sz="1600" dirty="0" smtClean="0"/>
           </a:p>
           <a:p>
+            <a:pPr marL="285750" indent="-285750">
+              <a:buFont typeface="Arial" panose="020B0604020202020204" pitchFamily="34" charset="0"/>
+              <a:buChar char="•"/>
+            </a:pPr>
             <a:r>
               <a:rPr lang="ko-KR" altLang="en-US" sz="1600" dirty="0" smtClean="0"/>
               <a:t>위의 해결방법들엔 공통적으로 </a:t>
@@ -8411,7 +13307,15 @@
           <a:p>
             <a:r>
               <a:rPr lang="ko-KR" altLang="en-US" sz="1600" dirty="0" smtClean="0"/>
-              <a:t>스프링 개발자는 자바 엔터프라이즈 기술의 가장 큰 장점이 객체지향 설계를 가능하게 해주는 자바 그 자체라고 생각</a:t>
+              <a:t>자바 엔터프라이즈 기술의 가장 큰 장점은 </a:t>
+            </a:r>
+            <a:r>
+              <a:rPr lang="ko-KR" altLang="en-US" sz="1600" b="1" dirty="0" smtClean="0"/>
+              <a:t>객체지향</a:t>
+            </a:r>
+            <a:r>
+              <a:rPr lang="ko-KR" altLang="en-US" sz="1600" dirty="0" smtClean="0"/>
+              <a:t> 설계를 가능하게 해주는 자바 그 자체라고 생각</a:t>
             </a:r>
             <a:endParaRPr lang="en-US" altLang="ko-KR" sz="1600" dirty="0" smtClean="0"/>
           </a:p>
@@ -8470,12 +13374,465 @@
   <p:clrMapOvr>
     <a:masterClrMapping/>
   </p:clrMapOvr>
+  <mc:AlternateContent xmlns:mc="http://schemas.openxmlformats.org/markup-compatibility/2006" xmlns:p14="http://schemas.microsoft.com/office/powerpoint/2010/main">
+    <mc:Choice Requires="p14">
+      <p:transition spd="slow" p14:dur="2000"/>
+    </mc:Choice>
+    <mc:Fallback xmlns="">
+      <p:transition spd="slow"/>
+    </mc:Fallback>
+  </mc:AlternateContent>
   <p:timing>
     <p:tnLst>
       <p:par>
-        <p:cTn id="1" dur="indefinite" restart="never" nodeType="tmRoot"/>
+        <p:cTn id="1" dur="indefinite" restart="never" nodeType="tmRoot">
+          <p:childTnLst>
+            <p:seq concurrent="1" nextAc="seek">
+              <p:cTn id="2" dur="indefinite" nodeType="mainSeq">
+                <p:childTnLst>
+                  <p:par>
+                    <p:cTn id="3" fill="hold">
+                      <p:stCondLst>
+                        <p:cond delay="indefinite"/>
+                      </p:stCondLst>
+                      <p:childTnLst>
+                        <p:par>
+                          <p:cTn id="4" fill="hold">
+                            <p:stCondLst>
+                              <p:cond delay="0"/>
+                            </p:stCondLst>
+                            <p:childTnLst>
+                              <p:par>
+                                <p:cTn id="5" presetID="1" presetClass="entr" presetSubtype="0" fill="hold" nodeType="clickEffect">
+                                  <p:stCondLst>
+                                    <p:cond delay="0"/>
+                                  </p:stCondLst>
+                                  <p:childTnLst>
+                                    <p:set>
+                                      <p:cBhvr>
+                                        <p:cTn id="6" dur="1" fill="hold">
+                                          <p:stCondLst>
+                                            <p:cond delay="0"/>
+                                          </p:stCondLst>
+                                        </p:cTn>
+                                        <p:tgtEl>
+                                          <p:spTgt spid="5">
+                                            <p:txEl>
+                                              <p:pRg st="0" end="0"/>
+                                            </p:txEl>
+                                          </p:spTgt>
+                                        </p:tgtEl>
+                                        <p:attrNameLst>
+                                          <p:attrName>style.visibility</p:attrName>
+                                        </p:attrNameLst>
+                                      </p:cBhvr>
+                                      <p:to>
+                                        <p:strVal val="visible"/>
+                                      </p:to>
+                                    </p:set>
+                                  </p:childTnLst>
+                                </p:cTn>
+                              </p:par>
+                            </p:childTnLst>
+                          </p:cTn>
+                        </p:par>
+                      </p:childTnLst>
+                    </p:cTn>
+                  </p:par>
+                  <p:par>
+                    <p:cTn id="7" fill="hold">
+                      <p:stCondLst>
+                        <p:cond delay="indefinite"/>
+                      </p:stCondLst>
+                      <p:childTnLst>
+                        <p:par>
+                          <p:cTn id="8" fill="hold">
+                            <p:stCondLst>
+                              <p:cond delay="0"/>
+                            </p:stCondLst>
+                            <p:childTnLst>
+                              <p:par>
+                                <p:cTn id="9" presetID="1" presetClass="entr" presetSubtype="0" fill="hold" nodeType="clickEffect">
+                                  <p:stCondLst>
+                                    <p:cond delay="0"/>
+                                  </p:stCondLst>
+                                  <p:childTnLst>
+                                    <p:set>
+                                      <p:cBhvr>
+                                        <p:cTn id="10" dur="1" fill="hold">
+                                          <p:stCondLst>
+                                            <p:cond delay="0"/>
+                                          </p:stCondLst>
+                                        </p:cTn>
+                                        <p:tgtEl>
+                                          <p:spTgt spid="5">
+                                            <p:txEl>
+                                              <p:pRg st="2" end="2"/>
+                                            </p:txEl>
+                                          </p:spTgt>
+                                        </p:tgtEl>
+                                        <p:attrNameLst>
+                                          <p:attrName>style.visibility</p:attrName>
+                                        </p:attrNameLst>
+                                      </p:cBhvr>
+                                      <p:to>
+                                        <p:strVal val="visible"/>
+                                      </p:to>
+                                    </p:set>
+                                  </p:childTnLst>
+                                </p:cTn>
+                              </p:par>
+                            </p:childTnLst>
+                          </p:cTn>
+                        </p:par>
+                      </p:childTnLst>
+                    </p:cTn>
+                  </p:par>
+                  <p:par>
+                    <p:cTn id="11" fill="hold">
+                      <p:stCondLst>
+                        <p:cond delay="indefinite"/>
+                      </p:stCondLst>
+                      <p:childTnLst>
+                        <p:par>
+                          <p:cTn id="12" fill="hold">
+                            <p:stCondLst>
+                              <p:cond delay="0"/>
+                            </p:stCondLst>
+                            <p:childTnLst>
+                              <p:par>
+                                <p:cTn id="13" presetID="1" presetClass="entr" presetSubtype="0" fill="hold" grpId="0" nodeType="clickEffect">
+                                  <p:stCondLst>
+                                    <p:cond delay="0"/>
+                                  </p:stCondLst>
+                                  <p:childTnLst>
+                                    <p:set>
+                                      <p:cBhvr>
+                                        <p:cTn id="14" dur="1" fill="hold">
+                                          <p:stCondLst>
+                                            <p:cond delay="0"/>
+                                          </p:stCondLst>
+                                        </p:cTn>
+                                        <p:tgtEl>
+                                          <p:spTgt spid="2"/>
+                                        </p:tgtEl>
+                                        <p:attrNameLst>
+                                          <p:attrName>style.visibility</p:attrName>
+                                        </p:attrNameLst>
+                                      </p:cBhvr>
+                                      <p:to>
+                                        <p:strVal val="visible"/>
+                                      </p:to>
+                                    </p:set>
+                                  </p:childTnLst>
+                                </p:cTn>
+                              </p:par>
+                            </p:childTnLst>
+                          </p:cTn>
+                        </p:par>
+                      </p:childTnLst>
+                    </p:cTn>
+                  </p:par>
+                  <p:par>
+                    <p:cTn id="15" fill="hold">
+                      <p:stCondLst>
+                        <p:cond delay="indefinite"/>
+                      </p:stCondLst>
+                      <p:childTnLst>
+                        <p:par>
+                          <p:cTn id="16" fill="hold">
+                            <p:stCondLst>
+                              <p:cond delay="0"/>
+                            </p:stCondLst>
+                            <p:childTnLst>
+                              <p:par>
+                                <p:cTn id="17" presetID="1" presetClass="entr" presetSubtype="0" fill="hold" nodeType="clickEffect">
+                                  <p:stCondLst>
+                                    <p:cond delay="0"/>
+                                  </p:stCondLst>
+                                  <p:childTnLst>
+                                    <p:set>
+                                      <p:cBhvr>
+                                        <p:cTn id="18" dur="1" fill="hold">
+                                          <p:stCondLst>
+                                            <p:cond delay="0"/>
+                                          </p:stCondLst>
+                                        </p:cTn>
+                                        <p:tgtEl>
+                                          <p:spTgt spid="4">
+                                            <p:txEl>
+                                              <p:pRg st="0" end="0"/>
+                                            </p:txEl>
+                                          </p:spTgt>
+                                        </p:tgtEl>
+                                        <p:attrNameLst>
+                                          <p:attrName>style.visibility</p:attrName>
+                                        </p:attrNameLst>
+                                      </p:cBhvr>
+                                      <p:to>
+                                        <p:strVal val="visible"/>
+                                      </p:to>
+                                    </p:set>
+                                  </p:childTnLst>
+                                </p:cTn>
+                              </p:par>
+                              <p:par>
+                                <p:cTn id="19" presetID="1" presetClass="entr" presetSubtype="0" fill="hold" nodeType="withEffect">
+                                  <p:stCondLst>
+                                    <p:cond delay="0"/>
+                                  </p:stCondLst>
+                                  <p:childTnLst>
+                                    <p:set>
+                                      <p:cBhvr>
+                                        <p:cTn id="20" dur="1" fill="hold">
+                                          <p:stCondLst>
+                                            <p:cond delay="0"/>
+                                          </p:stCondLst>
+                                        </p:cTn>
+                                        <p:tgtEl>
+                                          <p:spTgt spid="4">
+                                            <p:txEl>
+                                              <p:pRg st="1" end="1"/>
+                                            </p:txEl>
+                                          </p:spTgt>
+                                        </p:tgtEl>
+                                        <p:attrNameLst>
+                                          <p:attrName>style.visibility</p:attrName>
+                                        </p:attrNameLst>
+                                      </p:cBhvr>
+                                      <p:to>
+                                        <p:strVal val="visible"/>
+                                      </p:to>
+                                    </p:set>
+                                  </p:childTnLst>
+                                </p:cTn>
+                              </p:par>
+                            </p:childTnLst>
+                          </p:cTn>
+                        </p:par>
+                      </p:childTnLst>
+                    </p:cTn>
+                  </p:par>
+                  <p:par>
+                    <p:cTn id="21" fill="hold">
+                      <p:stCondLst>
+                        <p:cond delay="indefinite"/>
+                      </p:stCondLst>
+                      <p:childTnLst>
+                        <p:par>
+                          <p:cTn id="22" fill="hold">
+                            <p:stCondLst>
+                              <p:cond delay="0"/>
+                            </p:stCondLst>
+                            <p:childTnLst>
+                              <p:par>
+                                <p:cTn id="23" presetID="1" presetClass="entr" presetSubtype="0" fill="hold" nodeType="clickEffect">
+                                  <p:stCondLst>
+                                    <p:cond delay="0"/>
+                                  </p:stCondLst>
+                                  <p:childTnLst>
+                                    <p:set>
+                                      <p:cBhvr>
+                                        <p:cTn id="24" dur="1" fill="hold">
+                                          <p:stCondLst>
+                                            <p:cond delay="0"/>
+                                          </p:stCondLst>
+                                        </p:cTn>
+                                        <p:tgtEl>
+                                          <p:spTgt spid="4">
+                                            <p:txEl>
+                                              <p:pRg st="3" end="3"/>
+                                            </p:txEl>
+                                          </p:spTgt>
+                                        </p:tgtEl>
+                                        <p:attrNameLst>
+                                          <p:attrName>style.visibility</p:attrName>
+                                        </p:attrNameLst>
+                                      </p:cBhvr>
+                                      <p:to>
+                                        <p:strVal val="visible"/>
+                                      </p:to>
+                                    </p:set>
+                                  </p:childTnLst>
+                                </p:cTn>
+                              </p:par>
+                            </p:childTnLst>
+                          </p:cTn>
+                        </p:par>
+                      </p:childTnLst>
+                    </p:cTn>
+                  </p:par>
+                  <p:par>
+                    <p:cTn id="25" fill="hold">
+                      <p:stCondLst>
+                        <p:cond delay="indefinite"/>
+                      </p:stCondLst>
+                      <p:childTnLst>
+                        <p:par>
+                          <p:cTn id="26" fill="hold">
+                            <p:stCondLst>
+                              <p:cond delay="0"/>
+                            </p:stCondLst>
+                            <p:childTnLst>
+                              <p:par>
+                                <p:cTn id="27" presetID="1" presetClass="entr" presetSubtype="0" fill="hold" nodeType="clickEffect">
+                                  <p:stCondLst>
+                                    <p:cond delay="0"/>
+                                  </p:stCondLst>
+                                  <p:childTnLst>
+                                    <p:set>
+                                      <p:cBhvr>
+                                        <p:cTn id="28" dur="1" fill="hold">
+                                          <p:stCondLst>
+                                            <p:cond delay="0"/>
+                                          </p:stCondLst>
+                                        </p:cTn>
+                                        <p:tgtEl>
+                                          <p:spTgt spid="4">
+                                            <p:txEl>
+                                              <p:pRg st="5" end="5"/>
+                                            </p:txEl>
+                                          </p:spTgt>
+                                        </p:tgtEl>
+                                        <p:attrNameLst>
+                                          <p:attrName>style.visibility</p:attrName>
+                                        </p:attrNameLst>
+                                      </p:cBhvr>
+                                      <p:to>
+                                        <p:strVal val="visible"/>
+                                      </p:to>
+                                    </p:set>
+                                  </p:childTnLst>
+                                </p:cTn>
+                              </p:par>
+                            </p:childTnLst>
+                          </p:cTn>
+                        </p:par>
+                      </p:childTnLst>
+                    </p:cTn>
+                  </p:par>
+                  <p:par>
+                    <p:cTn id="29" fill="hold">
+                      <p:stCondLst>
+                        <p:cond delay="indefinite"/>
+                      </p:stCondLst>
+                      <p:childTnLst>
+                        <p:par>
+                          <p:cTn id="30" fill="hold">
+                            <p:stCondLst>
+                              <p:cond delay="0"/>
+                            </p:stCondLst>
+                            <p:childTnLst>
+                              <p:par>
+                                <p:cTn id="31" presetID="1" presetClass="entr" presetSubtype="0" fill="hold" nodeType="clickEffect">
+                                  <p:stCondLst>
+                                    <p:cond delay="0"/>
+                                  </p:stCondLst>
+                                  <p:childTnLst>
+                                    <p:set>
+                                      <p:cBhvr>
+                                        <p:cTn id="32" dur="1" fill="hold">
+                                          <p:stCondLst>
+                                            <p:cond delay="0"/>
+                                          </p:stCondLst>
+                                        </p:cTn>
+                                        <p:tgtEl>
+                                          <p:spTgt spid="4">
+                                            <p:txEl>
+                                              <p:pRg st="7" end="7"/>
+                                            </p:txEl>
+                                          </p:spTgt>
+                                        </p:tgtEl>
+                                        <p:attrNameLst>
+                                          <p:attrName>style.visibility</p:attrName>
+                                        </p:attrNameLst>
+                                      </p:cBhvr>
+                                      <p:to>
+                                        <p:strVal val="visible"/>
+                                      </p:to>
+                                    </p:set>
+                                  </p:childTnLst>
+                                </p:cTn>
+                              </p:par>
+                            </p:childTnLst>
+                          </p:cTn>
+                        </p:par>
+                      </p:childTnLst>
+                    </p:cTn>
+                  </p:par>
+                  <p:par>
+                    <p:cTn id="33" fill="hold">
+                      <p:stCondLst>
+                        <p:cond delay="indefinite"/>
+                      </p:stCondLst>
+                      <p:childTnLst>
+                        <p:par>
+                          <p:cTn id="34" fill="hold">
+                            <p:stCondLst>
+                              <p:cond delay="0"/>
+                            </p:stCondLst>
+                            <p:childTnLst>
+                              <p:par>
+                                <p:cTn id="35" presetID="1" presetClass="entr" presetSubtype="0" fill="hold" nodeType="clickEffect">
+                                  <p:stCondLst>
+                                    <p:cond delay="0"/>
+                                  </p:stCondLst>
+                                  <p:childTnLst>
+                                    <p:set>
+                                      <p:cBhvr>
+                                        <p:cTn id="36" dur="1" fill="hold">
+                                          <p:stCondLst>
+                                            <p:cond delay="0"/>
+                                          </p:stCondLst>
+                                        </p:cTn>
+                                        <p:tgtEl>
+                                          <p:spTgt spid="4">
+                                            <p:txEl>
+                                              <p:pRg st="9" end="9"/>
+                                            </p:txEl>
+                                          </p:spTgt>
+                                        </p:tgtEl>
+                                        <p:attrNameLst>
+                                          <p:attrName>style.visibility</p:attrName>
+                                        </p:attrNameLst>
+                                      </p:cBhvr>
+                                      <p:to>
+                                        <p:strVal val="visible"/>
+                                      </p:to>
+                                    </p:set>
+                                  </p:childTnLst>
+                                </p:cTn>
+                              </p:par>
+                            </p:childTnLst>
+                          </p:cTn>
+                        </p:par>
+                      </p:childTnLst>
+                    </p:cTn>
+                  </p:par>
+                </p:childTnLst>
+              </p:cTn>
+              <p:prevCondLst>
+                <p:cond evt="onPrev" delay="0">
+                  <p:tgtEl>
+                    <p:sldTgt/>
+                  </p:tgtEl>
+                </p:cond>
+              </p:prevCondLst>
+              <p:nextCondLst>
+                <p:cond evt="onNext" delay="0">
+                  <p:tgtEl>
+                    <p:sldTgt/>
+                  </p:tgtEl>
+                </p:cond>
+              </p:nextCondLst>
+            </p:seq>
+          </p:childTnLst>
+        </p:cTn>
       </p:par>
     </p:tnLst>
+    <p:bldLst>
+      <p:bldP spid="2" grpId="0" animBg="1"/>
+    </p:bldLst>
   </p:timing>
 </p:sld>
 </file>
